--- a/figures/Figures_SNPselect_phasing_20230210.pptx
+++ b/figures/Figures_SNPselect_phasing_20230210.pptx
@@ -5,18 +5,19 @@
     <p:sldMasterId id="2147483648" r:id="rId1"/>
   </p:sldMasterIdLst>
   <p:notesMasterIdLst>
-    <p:notesMasterId r:id="rId11"/>
+    <p:notesMasterId r:id="rId12"/>
   </p:notesMasterIdLst>
   <p:sldIdLst>
     <p:sldId id="256" r:id="rId2"/>
     <p:sldId id="288" r:id="rId3"/>
-    <p:sldId id="294" r:id="rId4"/>
-    <p:sldId id="289" r:id="rId5"/>
-    <p:sldId id="295" r:id="rId6"/>
-    <p:sldId id="369" r:id="rId7"/>
-    <p:sldId id="370" r:id="rId8"/>
-    <p:sldId id="371" r:id="rId9"/>
-    <p:sldId id="372" r:id="rId10"/>
+    <p:sldId id="373" r:id="rId4"/>
+    <p:sldId id="294" r:id="rId5"/>
+    <p:sldId id="289" r:id="rId6"/>
+    <p:sldId id="295" r:id="rId7"/>
+    <p:sldId id="369" r:id="rId8"/>
+    <p:sldId id="370" r:id="rId9"/>
+    <p:sldId id="371" r:id="rId10"/>
+    <p:sldId id="372" r:id="rId11"/>
   </p:sldIdLst>
   <p:sldSz cx="12192000" cy="6858000"/>
   <p:notesSz cx="6858000" cy="9144000"/>
@@ -570,7 +571,7 @@
           <a:p>
             <a:fld id="{166DB988-B18F-A741-A07A-52C9E5A40A97}" type="slidenum">
               <a:rPr lang="en-US" smtClean="0"/>
-              <a:t>6</a:t>
+              <a:t>7</a:t>
             </a:fld>
             <a:endParaRPr lang="en-US"/>
           </a:p>
@@ -3866,6 +3867,66 @@
 </p:sld>
 </file>
 
+<file path=ppt/slides/slide10.xml><?xml version="1.0" encoding="utf-8"?>
+<p:sld xmlns:a="http://schemas.openxmlformats.org/drawingml/2006/main" xmlns:r="http://schemas.openxmlformats.org/officeDocument/2006/relationships" xmlns:p="http://schemas.openxmlformats.org/presentationml/2006/main">
+  <p:cSld>
+    <p:spTree>
+      <p:nvGrpSpPr>
+        <p:cNvPr id="1" name=""/>
+        <p:cNvGrpSpPr/>
+        <p:nvPr/>
+      </p:nvGrpSpPr>
+      <p:grpSpPr>
+        <a:xfrm>
+          <a:off x="0" y="0"/>
+          <a:ext cx="0" cy="0"/>
+          <a:chOff x="0" y="0"/>
+          <a:chExt cx="0" cy="0"/>
+        </a:xfrm>
+      </p:grpSpPr>
+      <p:pic>
+        <p:nvPicPr>
+          <p:cNvPr id="7" name="Picture 6">
+            <a:extLst>
+              <a:ext uri="{FF2B5EF4-FFF2-40B4-BE49-F238E27FC236}">
+                <a16:creationId xmlns:a16="http://schemas.microsoft.com/office/drawing/2014/main" id="{408CC253-C217-85D0-D95B-802431034E81}"/>
+              </a:ext>
+            </a:extLst>
+          </p:cNvPr>
+          <p:cNvPicPr>
+            <a:picLocks noChangeAspect="1"/>
+          </p:cNvPicPr>
+          <p:nvPr/>
+        </p:nvPicPr>
+        <p:blipFill>
+          <a:blip r:embed="rId2"/>
+          <a:stretch>
+            <a:fillRect/>
+          </a:stretch>
+        </p:blipFill>
+        <p:spPr>
+          <a:xfrm>
+            <a:off x="2266950" y="1054100"/>
+            <a:ext cx="7658100" cy="4749800"/>
+          </a:xfrm>
+          <a:prstGeom prst="rect">
+            <a:avLst/>
+          </a:prstGeom>
+        </p:spPr>
+      </p:pic>
+    </p:spTree>
+    <p:extLst>
+      <p:ext uri="{BB962C8B-B14F-4D97-AF65-F5344CB8AC3E}">
+        <p14:creationId xmlns:p14="http://schemas.microsoft.com/office/powerpoint/2010/main" val="193152369"/>
+      </p:ext>
+    </p:extLst>
+  </p:cSld>
+  <p:clrMapOvr>
+    <a:masterClrMapping/>
+  </p:clrMapOvr>
+</p:sld>
+</file>
+
 <file path=ppt/slides/slide2.xml><?xml version="1.0" encoding="utf-8"?>
 <p:sld xmlns:a="http://schemas.openxmlformats.org/drawingml/2006/main" xmlns:r="http://schemas.openxmlformats.org/officeDocument/2006/relationships" xmlns:p="http://schemas.openxmlformats.org/presentationml/2006/main">
   <p:cSld>
@@ -3895,11 +3956,17 @@
           <p:cNvGraphicFramePr>
             <a:graphicFrameLocks noGrp="1"/>
           </p:cNvGraphicFramePr>
-          <p:nvPr/>
+          <p:nvPr>
+            <p:extLst>
+              <p:ext uri="{D42A27DB-BD31-4B8C-83A1-F6EECF244321}">
+                <p14:modId xmlns:p14="http://schemas.microsoft.com/office/powerpoint/2010/main" val="1434221564"/>
+              </p:ext>
+            </p:extLst>
+          </p:nvPr>
         </p:nvGraphicFramePr>
         <p:xfrm>
-          <a:off x="788768" y="1442201"/>
-          <a:ext cx="8112238" cy="3471083"/>
+          <a:off x="740232" y="270068"/>
+          <a:ext cx="10241292" cy="6346588"/>
         </p:xfrm>
         <a:graphic>
           <a:graphicData uri="http://schemas.openxmlformats.org/drawingml/2006/table">
@@ -3908,35 +3975,42 @@
                 <a:tableStyleId>{9D7B26C5-4107-4FEC-AEDC-1716B250A1EF}</a:tableStyleId>
               </a:tblPr>
               <a:tblGrid>
-                <a:gridCol w="760608">
+                <a:gridCol w="1766169">
+                  <a:extLst>
+                    <a:ext uri="{9D8B030D-6E8A-4147-A177-3AD203B41FA5}">
+                      <a16:colId xmlns:a16="http://schemas.microsoft.com/office/drawing/2014/main" val="3127167702"/>
+                    </a:ext>
+                  </a:extLst>
+                </a:gridCol>
+                <a:gridCol w="776613">
                   <a:extLst>
                     <a:ext uri="{9D8B030D-6E8A-4147-A177-3AD203B41FA5}">
                       <a16:colId xmlns:a16="http://schemas.microsoft.com/office/drawing/2014/main" val="713806740"/>
                     </a:ext>
                   </a:extLst>
                 </a:gridCol>
-                <a:gridCol w="716453">
+                <a:gridCol w="739036">
                   <a:extLst>
                     <a:ext uri="{9D8B030D-6E8A-4147-A177-3AD203B41FA5}">
                       <a16:colId xmlns:a16="http://schemas.microsoft.com/office/drawing/2014/main" val="2517608013"/>
                     </a:ext>
                   </a:extLst>
                 </a:gridCol>
-                <a:gridCol w="692524">
+                <a:gridCol w="751562">
                   <a:extLst>
                     <a:ext uri="{9D8B030D-6E8A-4147-A177-3AD203B41FA5}">
                       <a16:colId xmlns:a16="http://schemas.microsoft.com/office/drawing/2014/main" val="2476257917"/>
                     </a:ext>
                   </a:extLst>
                 </a:gridCol>
-                <a:gridCol w="712694">
+                <a:gridCol w="739035">
                   <a:extLst>
                     <a:ext uri="{9D8B030D-6E8A-4147-A177-3AD203B41FA5}">
                       <a16:colId xmlns:a16="http://schemas.microsoft.com/office/drawing/2014/main" val="3866822831"/>
                     </a:ext>
                   </a:extLst>
                 </a:gridCol>
-                <a:gridCol w="5229959">
+                <a:gridCol w="5468877">
                   <a:extLst>
                     <a:ext uri="{9D8B030D-6E8A-4147-A177-3AD203B41FA5}">
                       <a16:colId xmlns:a16="http://schemas.microsoft.com/office/drawing/2014/main" val="436138247"/>
@@ -3945,6 +4019,63 @@
                 </a:gridCol>
               </a:tblGrid>
               <a:tr h="295127">
+                <a:tc rowSpan="2">
+                  <a:txBody>
+                    <a:bodyPr/>
+                    <a:lstStyle/>
+                    <a:p>
+                      <a:pPr algn="ctr" fontAlgn="ctr"/>
+                      <a:r>
+                        <a:rPr lang="en-US" sz="1800" b="1" i="0" u="none" strike="noStrike" dirty="0">
+                          <a:solidFill>
+                            <a:srgbClr val="000000"/>
+                          </a:solidFill>
+                          <a:effectLst/>
+                          <a:latin typeface="Calibri" panose="020F0502020204030204" pitchFamily="34" charset="0"/>
+                        </a:rPr>
+                        <a:t>Type</a:t>
+                      </a:r>
+                    </a:p>
+                  </a:txBody>
+                  <a:tcPr marL="9245" marR="9245" marT="9245" marB="0" anchor="ctr">
+                    <a:lnL w="12700" cap="flat" cmpd="sng" algn="ctr">
+                      <a:solidFill>
+                        <a:schemeClr val="tx1"/>
+                      </a:solidFill>
+                      <a:prstDash val="solid"/>
+                      <a:round/>
+                      <a:headEnd type="none" w="med" len="med"/>
+                      <a:tailEnd type="none" w="med" len="med"/>
+                    </a:lnL>
+                    <a:lnR w="12700" cap="flat" cmpd="sng" algn="ctr">
+                      <a:solidFill>
+                        <a:schemeClr val="tx1"/>
+                      </a:solidFill>
+                      <a:prstDash val="solid"/>
+                      <a:round/>
+                      <a:headEnd type="none" w="med" len="med"/>
+                      <a:tailEnd type="none" w="med" len="med"/>
+                    </a:lnR>
+                    <a:lnT w="12700" cap="flat" cmpd="sng" algn="ctr">
+                      <a:solidFill>
+                        <a:schemeClr val="tx1"/>
+                      </a:solidFill>
+                      <a:prstDash val="solid"/>
+                      <a:round/>
+                      <a:headEnd type="none" w="med" len="med"/>
+                      <a:tailEnd type="none" w="med" len="med"/>
+                    </a:lnT>
+                    <a:lnB w="12700" cap="flat" cmpd="sng" algn="ctr">
+                      <a:solidFill>
+                        <a:schemeClr val="tx1"/>
+                      </a:solidFill>
+                      <a:prstDash val="solid"/>
+                      <a:round/>
+                      <a:headEnd type="none" w="med" len="med"/>
+                      <a:tailEnd type="none" w="med" len="med"/>
+                    </a:lnB>
+                  </a:tcPr>
+                </a:tc>
                 <a:tc gridSpan="2">
                   <a:txBody>
                     <a:bodyPr/>
@@ -4186,6 +4317,60 @@
                 </a:extLst>
               </a:tr>
               <a:tr h="295127">
+                <a:tc vMerge="1">
+                  <a:txBody>
+                    <a:bodyPr/>
+                    <a:lstStyle/>
+                    <a:p>
+                      <a:pPr algn="ctr" fontAlgn="ctr"/>
+                      <a:endParaRPr lang="en-US" sz="1800" b="1" i="0" u="none" strike="noStrike" dirty="0">
+                        <a:solidFill>
+                          <a:srgbClr val="000000"/>
+                        </a:solidFill>
+                        <a:effectLst/>
+                        <a:latin typeface="Calibri" panose="020F0502020204030204" pitchFamily="34" charset="0"/>
+                      </a:endParaRPr>
+                    </a:p>
+                  </a:txBody>
+                  <a:tcPr marL="9245" marR="9245" marT="9245" marB="0" anchor="ctr">
+                    <a:lnL w="12700" cap="flat" cmpd="sng" algn="ctr">
+                      <a:solidFill>
+                        <a:schemeClr val="tx1"/>
+                      </a:solidFill>
+                      <a:prstDash val="solid"/>
+                      <a:round/>
+                      <a:headEnd type="none" w="med" len="med"/>
+                      <a:tailEnd type="none" w="med" len="med"/>
+                    </a:lnL>
+                    <a:lnR w="12700" cap="flat" cmpd="sng" algn="ctr">
+                      <a:solidFill>
+                        <a:schemeClr val="tx1"/>
+                      </a:solidFill>
+                      <a:prstDash val="solid"/>
+                      <a:round/>
+                      <a:headEnd type="none" w="med" len="med"/>
+                      <a:tailEnd type="none" w="med" len="med"/>
+                    </a:lnR>
+                    <a:lnT w="12700" cap="flat" cmpd="sng" algn="ctr">
+                      <a:solidFill>
+                        <a:schemeClr val="tx1"/>
+                      </a:solidFill>
+                      <a:prstDash val="solid"/>
+                      <a:round/>
+                      <a:headEnd type="none" w="med" len="med"/>
+                      <a:tailEnd type="none" w="med" len="med"/>
+                    </a:lnT>
+                    <a:lnB w="12700" cap="flat" cmpd="sng" algn="ctr">
+                      <a:solidFill>
+                        <a:schemeClr val="tx1"/>
+                      </a:solidFill>
+                      <a:prstDash val="solid"/>
+                      <a:round/>
+                      <a:headEnd type="none" w="med" len="med"/>
+                      <a:tailEnd type="none" w="med" len="med"/>
+                    </a:lnB>
+                  </a:tcPr>
+                </a:tc>
                 <a:tc>
                   <a:txBody>
                     <a:bodyPr/>
@@ -4450,10 +4635,67 @@
                     <a:p>
                       <a:pPr algn="ctr" fontAlgn="ctr"/>
                       <a:r>
-                        <a:rPr lang="en-US" sz="1800" u="none" strike="noStrike" dirty="0">
+                        <a:rPr lang="en-US" sz="1800" b="0" i="1" u="none" strike="noStrike" dirty="0" err="1">
+                          <a:solidFill>
+                            <a:srgbClr val="000000"/>
+                          </a:solidFill>
                           <a:effectLst/>
+                          <a:latin typeface="Calibri" panose="020F0502020204030204" pitchFamily="34" charset="0"/>
                         </a:rPr>
-                        <a:t>A</a:t>
+                        <a:t>deltoides</a:t>
+                      </a:r>
+                      <a:r>
+                        <a:rPr lang="en-US" sz="1800" b="0" i="0" u="none" strike="noStrike" dirty="0" err="1">
+                          <a:solidFill>
+                            <a:srgbClr val="000000"/>
+                          </a:solidFill>
+                          <a:effectLst/>
+                          <a:latin typeface="Calibri" panose="020F0502020204030204" pitchFamily="34" charset="0"/>
+                        </a:rPr>
+                        <a:t>-hom</a:t>
+                      </a:r>
+                      <a:r>
+                        <a:rPr lang="en-US" sz="1800" b="0" i="0" u="none" strike="noStrike" dirty="0">
+                          <a:solidFill>
+                            <a:srgbClr val="000000"/>
+                          </a:solidFill>
+                          <a:effectLst/>
+                          <a:latin typeface="Calibri" panose="020F0502020204030204" pitchFamily="34" charset="0"/>
+                        </a:rPr>
+                        <a:t>;</a:t>
+                      </a:r>
+                    </a:p>
+                    <a:p>
+                      <a:pPr algn="ctr" fontAlgn="ctr"/>
+                      <a:r>
+                        <a:rPr lang="en-US" sz="1800" b="0" i="1" u="none" strike="noStrike" dirty="0">
+                          <a:solidFill>
+                            <a:srgbClr val="000000"/>
+                          </a:solidFill>
+                          <a:effectLst/>
+                          <a:latin typeface="Calibri" panose="020F0502020204030204" pitchFamily="34" charset="0"/>
+                        </a:rPr>
+                        <a:t>nigra</a:t>
+                      </a:r>
+                      <a:r>
+                        <a:rPr lang="en-US" sz="1800" b="0" i="0" u="none" strike="noStrike" dirty="0">
+                          <a:solidFill>
+                            <a:srgbClr val="000000"/>
+                          </a:solidFill>
+                          <a:effectLst/>
+                          <a:latin typeface="Calibri" panose="020F0502020204030204" pitchFamily="34" charset="0"/>
+                        </a:rPr>
+                        <a:t>-</a:t>
+                      </a:r>
+                      <a:r>
+                        <a:rPr lang="en-US" sz="1800" b="0" i="0" u="none" strike="noStrike" dirty="0" err="1">
+                          <a:solidFill>
+                            <a:srgbClr val="000000"/>
+                          </a:solidFill>
+                          <a:effectLst/>
+                          <a:latin typeface="Calibri" panose="020F0502020204030204" pitchFamily="34" charset="0"/>
+                        </a:rPr>
+                        <a:t>hom</a:t>
                       </a:r>
                       <a:endParaRPr lang="en-US" sz="1800" b="0" i="0" u="none" strike="noStrike" dirty="0">
                         <a:solidFill>
@@ -4495,6 +4737,120 @@
                     <a:lnB w="12700" cap="flat" cmpd="sng" algn="ctr">
                       <a:solidFill>
                         <a:schemeClr val="tx1"/>
+                      </a:solidFill>
+                      <a:prstDash val="solid"/>
+                      <a:round/>
+                      <a:headEnd type="none" w="med" len="med"/>
+                      <a:tailEnd type="none" w="med" len="med"/>
+                    </a:lnB>
+                  </a:tcPr>
+                </a:tc>
+                <a:tc rowSpan="2">
+                  <a:txBody>
+                    <a:bodyPr/>
+                    <a:lstStyle/>
+                    <a:p>
+                      <a:pPr algn="ctr" fontAlgn="ctr"/>
+                      <a:r>
+                        <a:rPr lang="en-US" sz="1800" b="0" i="0" u="none" strike="noStrike" dirty="0">
+                          <a:solidFill>
+                            <a:srgbClr val="000000"/>
+                          </a:solidFill>
+                          <a:effectLst/>
+                          <a:latin typeface="Calibri" panose="020F0502020204030204" pitchFamily="34" charset="0"/>
+                        </a:rPr>
+                        <a:t>A</a:t>
+                      </a:r>
+                    </a:p>
+                  </a:txBody>
+                  <a:tcPr marL="9245" marR="9245" marT="9245" marB="0" anchor="ctr">
+                    <a:lnL w="12700" cap="flat" cmpd="sng" algn="ctr">
+                      <a:solidFill>
+                        <a:schemeClr val="tx1"/>
+                      </a:solidFill>
+                      <a:prstDash val="solid"/>
+                      <a:round/>
+                      <a:headEnd type="none" w="med" len="med"/>
+                      <a:tailEnd type="none" w="med" len="med"/>
+                    </a:lnL>
+                    <a:lnR w="12700" cap="flat" cmpd="sng" algn="ctr">
+                      <a:solidFill>
+                        <a:schemeClr val="tx1"/>
+                      </a:solidFill>
+                      <a:prstDash val="solid"/>
+                      <a:round/>
+                      <a:headEnd type="none" w="med" len="med"/>
+                      <a:tailEnd type="none" w="med" len="med"/>
+                    </a:lnR>
+                    <a:lnT w="12700" cap="flat" cmpd="sng" algn="ctr">
+                      <a:solidFill>
+                        <a:schemeClr val="tx1"/>
+                      </a:solidFill>
+                      <a:prstDash val="solid"/>
+                      <a:round/>
+                      <a:headEnd type="none" w="med" len="med"/>
+                      <a:tailEnd type="none" w="med" len="med"/>
+                    </a:lnT>
+                    <a:lnB w="19050" cap="flat" cmpd="sng" algn="ctr">
+                      <a:solidFill>
+                        <a:srgbClr val="C00000"/>
+                      </a:solidFill>
+                      <a:prstDash val="solid"/>
+                      <a:round/>
+                      <a:headEnd type="none" w="med" len="med"/>
+                      <a:tailEnd type="none" w="med" len="med"/>
+                    </a:lnB>
+                  </a:tcPr>
+                </a:tc>
+                <a:tc rowSpan="2">
+                  <a:txBody>
+                    <a:bodyPr/>
+                    <a:lstStyle/>
+                    <a:p>
+                      <a:pPr algn="ctr" fontAlgn="ctr"/>
+                      <a:r>
+                        <a:rPr lang="en-US" sz="1800" b="0" i="0" u="none" strike="noStrike" dirty="0">
+                          <a:solidFill>
+                            <a:srgbClr val="000000"/>
+                          </a:solidFill>
+                          <a:effectLst/>
+                          <a:latin typeface="Calibri" panose="020F0502020204030204" pitchFamily="34" charset="0"/>
+                        </a:rPr>
+                        <a:t>A</a:t>
+                      </a:r>
+                    </a:p>
+                  </a:txBody>
+                  <a:tcPr marL="9245" marR="9245" marT="9245" marB="0" anchor="ctr">
+                    <a:lnL w="12700" cap="flat" cmpd="sng" algn="ctr">
+                      <a:solidFill>
+                        <a:schemeClr val="tx1"/>
+                      </a:solidFill>
+                      <a:prstDash val="solid"/>
+                      <a:round/>
+                      <a:headEnd type="none" w="med" len="med"/>
+                      <a:tailEnd type="none" w="med" len="med"/>
+                    </a:lnL>
+                    <a:lnR w="12700" cap="flat" cmpd="sng" algn="ctr">
+                      <a:solidFill>
+                        <a:schemeClr val="tx1"/>
+                      </a:solidFill>
+                      <a:prstDash val="solid"/>
+                      <a:round/>
+                      <a:headEnd type="none" w="med" len="med"/>
+                      <a:tailEnd type="none" w="med" len="med"/>
+                    </a:lnR>
+                    <a:lnT w="12700" cap="flat" cmpd="sng" algn="ctr">
+                      <a:solidFill>
+                        <a:schemeClr val="tx1"/>
+                      </a:solidFill>
+                      <a:prstDash val="solid"/>
+                      <a:round/>
+                      <a:headEnd type="none" w="med" len="med"/>
+                      <a:tailEnd type="none" w="med" len="med"/>
+                    </a:lnT>
+                    <a:lnB w="19050" cap="flat" cmpd="sng" algn="ctr">
+                      <a:solidFill>
+                        <a:srgbClr val="C00000"/>
                       </a:solidFill>
                       <a:prstDash val="solid"/>
                       <a:round/>
@@ -4519,6 +4875,1287 @@
                         </a:rPr>
                         <a:t>G</a:t>
                       </a:r>
+                    </a:p>
+                  </a:txBody>
+                  <a:tcPr marL="9245" marR="9245" marT="9245" marB="0" anchor="ctr">
+                    <a:lnL w="12700" cap="flat" cmpd="sng" algn="ctr">
+                      <a:solidFill>
+                        <a:schemeClr val="tx1"/>
+                      </a:solidFill>
+                      <a:prstDash val="solid"/>
+                      <a:round/>
+                      <a:headEnd type="none" w="med" len="med"/>
+                      <a:tailEnd type="none" w="med" len="med"/>
+                    </a:lnL>
+                    <a:lnR w="12700" cap="flat" cmpd="sng" algn="ctr">
+                      <a:solidFill>
+                        <a:schemeClr val="tx1"/>
+                      </a:solidFill>
+                      <a:prstDash val="solid"/>
+                      <a:round/>
+                      <a:headEnd type="none" w="med" len="med"/>
+                      <a:tailEnd type="none" w="med" len="med"/>
+                    </a:lnR>
+                    <a:lnT w="12700" cap="flat" cmpd="sng" algn="ctr">
+                      <a:solidFill>
+                        <a:schemeClr val="tx1"/>
+                      </a:solidFill>
+                      <a:prstDash val="solid"/>
+                      <a:round/>
+                      <a:headEnd type="none" w="med" len="med"/>
+                      <a:tailEnd type="none" w="med" len="med"/>
+                    </a:lnT>
+                    <a:lnB w="19050" cap="flat" cmpd="sng" algn="ctr">
+                      <a:solidFill>
+                        <a:srgbClr val="C00000"/>
+                      </a:solidFill>
+                      <a:prstDash val="solid"/>
+                      <a:round/>
+                      <a:headEnd type="none" w="med" len="med"/>
+                      <a:tailEnd type="none" w="med" len="med"/>
+                    </a:lnB>
+                  </a:tcPr>
+                </a:tc>
+                <a:tc rowSpan="2">
+                  <a:txBody>
+                    <a:bodyPr/>
+                    <a:lstStyle/>
+                    <a:p>
+                      <a:pPr algn="ctr" fontAlgn="ctr"/>
+                      <a:r>
+                        <a:rPr lang="en-US" sz="1800" b="0" i="0" u="none" strike="noStrike" dirty="0">
+                          <a:solidFill>
+                            <a:srgbClr val="000000"/>
+                          </a:solidFill>
+                          <a:effectLst/>
+                          <a:latin typeface="Calibri" panose="020F0502020204030204" pitchFamily="34" charset="0"/>
+                        </a:rPr>
+                        <a:t>G</a:t>
+                      </a:r>
+                    </a:p>
+                  </a:txBody>
+                  <a:tcPr marL="9245" marR="9245" marT="9245" marB="0" anchor="ctr">
+                    <a:lnL w="12700" cap="flat" cmpd="sng" algn="ctr">
+                      <a:solidFill>
+                        <a:schemeClr val="tx1"/>
+                      </a:solidFill>
+                      <a:prstDash val="solid"/>
+                      <a:round/>
+                      <a:headEnd type="none" w="med" len="med"/>
+                      <a:tailEnd type="none" w="med" len="med"/>
+                    </a:lnL>
+                    <a:lnR w="12700" cap="flat" cmpd="sng" algn="ctr">
+                      <a:solidFill>
+                        <a:schemeClr val="tx1"/>
+                      </a:solidFill>
+                      <a:prstDash val="solid"/>
+                      <a:round/>
+                      <a:headEnd type="none" w="med" len="med"/>
+                      <a:tailEnd type="none" w="med" len="med"/>
+                    </a:lnR>
+                    <a:lnT w="12700" cap="flat" cmpd="sng" algn="ctr">
+                      <a:solidFill>
+                        <a:schemeClr val="tx1"/>
+                      </a:solidFill>
+                      <a:prstDash val="solid"/>
+                      <a:round/>
+                      <a:headEnd type="none" w="med" len="med"/>
+                      <a:tailEnd type="none" w="med" len="med"/>
+                    </a:lnT>
+                    <a:lnB w="19050" cap="flat" cmpd="sng" algn="ctr">
+                      <a:solidFill>
+                        <a:srgbClr val="C00000"/>
+                      </a:solidFill>
+                      <a:prstDash val="solid"/>
+                      <a:round/>
+                      <a:headEnd type="none" w="med" len="med"/>
+                      <a:tailEnd type="none" w="med" len="med"/>
+                    </a:lnB>
+                  </a:tcPr>
+                </a:tc>
+                <a:tc>
+                  <a:txBody>
+                    <a:bodyPr/>
+                    <a:lstStyle/>
+                    <a:p>
+                      <a:pPr algn="ctr" fontAlgn="ctr"/>
+                      <a:r>
+                        <a:rPr lang="en-US" sz="1800" b="1" i="0" u="none" strike="noStrike" dirty="0">
+                          <a:solidFill>
+                            <a:srgbClr val="000000"/>
+                          </a:solidFill>
+                          <a:effectLst/>
+                          <a:latin typeface="Calibri" panose="020F0502020204030204" pitchFamily="34" charset="0"/>
+                        </a:rPr>
+                        <a:t>AG</a:t>
+                      </a:r>
+                    </a:p>
+                  </a:txBody>
+                  <a:tcPr marL="9245" marR="9245" marT="9245" marB="0" anchor="ctr">
+                    <a:lnL w="12700" cap="flat" cmpd="sng" algn="ctr">
+                      <a:solidFill>
+                        <a:schemeClr val="tx1"/>
+                      </a:solidFill>
+                      <a:prstDash val="solid"/>
+                      <a:round/>
+                      <a:headEnd type="none" w="med" len="med"/>
+                      <a:tailEnd type="none" w="med" len="med"/>
+                    </a:lnL>
+                    <a:lnR w="12700" cap="flat" cmpd="sng" algn="ctr">
+                      <a:solidFill>
+                        <a:schemeClr val="tx1"/>
+                      </a:solidFill>
+                      <a:prstDash val="solid"/>
+                      <a:round/>
+                      <a:headEnd type="none" w="med" len="med"/>
+                      <a:tailEnd type="none" w="med" len="med"/>
+                    </a:lnR>
+                    <a:lnT w="12700" cap="flat" cmpd="sng" algn="ctr">
+                      <a:solidFill>
+                        <a:schemeClr val="tx1"/>
+                      </a:solidFill>
+                      <a:prstDash val="solid"/>
+                      <a:round/>
+                      <a:headEnd type="none" w="med" len="med"/>
+                      <a:tailEnd type="none" w="med" len="med"/>
+                    </a:lnT>
+                    <a:lnB w="12700" cap="flat" cmpd="sng" algn="ctr">
+                      <a:noFill/>
+                      <a:prstDash val="solid"/>
+                      <a:round/>
+                      <a:headEnd type="none" w="med" len="med"/>
+                      <a:tailEnd type="none" w="med" len="med"/>
+                    </a:lnB>
+                    <a:lnTlToBr w="12700" cmpd="sng">
+                      <a:noFill/>
+                      <a:prstDash val="solid"/>
+                    </a:lnTlToBr>
+                    <a:lnBlToTr w="12700" cmpd="sng">
+                      <a:noFill/>
+                      <a:prstDash val="solid"/>
+                    </a:lnBlToTr>
+                  </a:tcPr>
+                </a:tc>
+                <a:extLst>
+                  <a:ext uri="{0D108BD9-81ED-4DB2-BD59-A6C34878D82A}">
+                    <a16:rowId xmlns:a16="http://schemas.microsoft.com/office/drawing/2014/main" val="1881116865"/>
+                  </a:ext>
+                </a:extLst>
+              </a:tr>
+              <a:tr h="601284">
+                <a:tc vMerge="1">
+                  <a:txBody>
+                    <a:bodyPr/>
+                    <a:lstStyle/>
+                    <a:p>
+                      <a:endParaRPr lang="en-US"/>
+                    </a:p>
+                  </a:txBody>
+                  <a:tcPr/>
+                </a:tc>
+                <a:tc vMerge="1">
+                  <a:txBody>
+                    <a:bodyPr/>
+                    <a:lstStyle/>
+                    <a:p>
+                      <a:pPr algn="ctr" fontAlgn="ctr"/>
+                      <a:endParaRPr lang="en-US" sz="1800" b="0" i="0" u="none" strike="noStrike" dirty="0">
+                        <a:solidFill>
+                          <a:srgbClr val="000000"/>
+                        </a:solidFill>
+                        <a:effectLst/>
+                        <a:latin typeface="Calibri" panose="020F0502020204030204" pitchFamily="34" charset="0"/>
+                      </a:endParaRPr>
+                    </a:p>
+                  </a:txBody>
+                  <a:tcPr marL="9245" marR="9245" marT="9245" marB="0" anchor="ctr">
+                    <a:lnL w="12700" cap="flat" cmpd="sng" algn="ctr">
+                      <a:solidFill>
+                        <a:schemeClr val="tx1"/>
+                      </a:solidFill>
+                      <a:prstDash val="solid"/>
+                      <a:round/>
+                      <a:headEnd type="none" w="med" len="med"/>
+                      <a:tailEnd type="none" w="med" len="med"/>
+                    </a:lnL>
+                    <a:lnR w="12700" cap="flat" cmpd="sng" algn="ctr">
+                      <a:solidFill>
+                        <a:schemeClr val="tx1"/>
+                      </a:solidFill>
+                      <a:prstDash val="solid"/>
+                      <a:round/>
+                      <a:headEnd type="none" w="med" len="med"/>
+                      <a:tailEnd type="none" w="med" len="med"/>
+                    </a:lnR>
+                    <a:lnT w="12700" cap="flat" cmpd="sng" algn="ctr">
+                      <a:solidFill>
+                        <a:schemeClr val="tx1"/>
+                      </a:solidFill>
+                      <a:prstDash val="solid"/>
+                      <a:round/>
+                      <a:headEnd type="none" w="med" len="med"/>
+                      <a:tailEnd type="none" w="med" len="med"/>
+                    </a:lnT>
+                    <a:lnB w="12700" cap="flat" cmpd="sng" algn="ctr">
+                      <a:solidFill>
+                        <a:schemeClr val="tx1"/>
+                      </a:solidFill>
+                      <a:prstDash val="solid"/>
+                      <a:round/>
+                      <a:headEnd type="none" w="med" len="med"/>
+                      <a:tailEnd type="none" w="med" len="med"/>
+                    </a:lnB>
+                  </a:tcPr>
+                </a:tc>
+                <a:tc vMerge="1">
+                  <a:txBody>
+                    <a:bodyPr/>
+                    <a:lstStyle/>
+                    <a:p>
+                      <a:pPr algn="ctr" fontAlgn="ctr"/>
+                      <a:endParaRPr lang="en-US" sz="1800" b="0" i="0" u="none" strike="noStrike" dirty="0">
+                        <a:solidFill>
+                          <a:srgbClr val="000000"/>
+                        </a:solidFill>
+                        <a:effectLst/>
+                        <a:latin typeface="Calibri" panose="020F0502020204030204" pitchFamily="34" charset="0"/>
+                      </a:endParaRPr>
+                    </a:p>
+                  </a:txBody>
+                  <a:tcPr marL="9245" marR="9245" marT="9245" marB="0" anchor="ctr">
+                    <a:lnL w="12700" cap="flat" cmpd="sng" algn="ctr">
+                      <a:solidFill>
+                        <a:schemeClr val="tx1"/>
+                      </a:solidFill>
+                      <a:prstDash val="solid"/>
+                      <a:round/>
+                      <a:headEnd type="none" w="med" len="med"/>
+                      <a:tailEnd type="none" w="med" len="med"/>
+                    </a:lnL>
+                    <a:lnR w="12700" cap="flat" cmpd="sng" algn="ctr">
+                      <a:solidFill>
+                        <a:schemeClr val="tx1"/>
+                      </a:solidFill>
+                      <a:prstDash val="solid"/>
+                      <a:round/>
+                      <a:headEnd type="none" w="med" len="med"/>
+                      <a:tailEnd type="none" w="med" len="med"/>
+                    </a:lnR>
+                    <a:lnT w="12700" cap="flat" cmpd="sng" algn="ctr">
+                      <a:solidFill>
+                        <a:schemeClr val="tx1"/>
+                      </a:solidFill>
+                      <a:prstDash val="solid"/>
+                      <a:round/>
+                      <a:headEnd type="none" w="med" len="med"/>
+                      <a:tailEnd type="none" w="med" len="med"/>
+                    </a:lnT>
+                    <a:lnB w="12700" cap="flat" cmpd="sng" algn="ctr">
+                      <a:solidFill>
+                        <a:schemeClr val="tx1"/>
+                      </a:solidFill>
+                      <a:prstDash val="solid"/>
+                      <a:round/>
+                      <a:headEnd type="none" w="med" len="med"/>
+                      <a:tailEnd type="none" w="med" len="med"/>
+                    </a:lnB>
+                  </a:tcPr>
+                </a:tc>
+                <a:tc vMerge="1">
+                  <a:txBody>
+                    <a:bodyPr/>
+                    <a:lstStyle/>
+                    <a:p>
+                      <a:pPr algn="ctr" fontAlgn="ctr"/>
+                      <a:endParaRPr lang="en-US" sz="1800" b="0" i="0" u="none" strike="noStrike" dirty="0">
+                        <a:solidFill>
+                          <a:srgbClr val="000000"/>
+                        </a:solidFill>
+                        <a:effectLst/>
+                        <a:latin typeface="Calibri" panose="020F0502020204030204" pitchFamily="34" charset="0"/>
+                      </a:endParaRPr>
+                    </a:p>
+                  </a:txBody>
+                  <a:tcPr marL="9245" marR="9245" marT="9245" marB="0" anchor="ctr">
+                    <a:lnL w="12700" cap="flat" cmpd="sng" algn="ctr">
+                      <a:solidFill>
+                        <a:schemeClr val="tx1"/>
+                      </a:solidFill>
+                      <a:prstDash val="solid"/>
+                      <a:round/>
+                      <a:headEnd type="none" w="med" len="med"/>
+                      <a:tailEnd type="none" w="med" len="med"/>
+                    </a:lnL>
+                    <a:lnR w="12700" cap="flat" cmpd="sng" algn="ctr">
+                      <a:solidFill>
+                        <a:schemeClr val="tx1"/>
+                      </a:solidFill>
+                      <a:prstDash val="solid"/>
+                      <a:round/>
+                      <a:headEnd type="none" w="med" len="med"/>
+                      <a:tailEnd type="none" w="med" len="med"/>
+                    </a:lnR>
+                    <a:lnT w="12700" cap="flat" cmpd="sng" algn="ctr">
+                      <a:solidFill>
+                        <a:schemeClr val="tx1"/>
+                      </a:solidFill>
+                      <a:prstDash val="solid"/>
+                      <a:round/>
+                      <a:headEnd type="none" w="med" len="med"/>
+                      <a:tailEnd type="none" w="med" len="med"/>
+                    </a:lnT>
+                    <a:lnB w="12700" cap="flat" cmpd="sng" algn="ctr">
+                      <a:solidFill>
+                        <a:schemeClr val="tx1"/>
+                      </a:solidFill>
+                      <a:prstDash val="solid"/>
+                      <a:round/>
+                      <a:headEnd type="none" w="med" len="med"/>
+                      <a:tailEnd type="none" w="med" len="med"/>
+                    </a:lnB>
+                  </a:tcPr>
+                </a:tc>
+                <a:tc vMerge="1">
+                  <a:txBody>
+                    <a:bodyPr/>
+                    <a:lstStyle/>
+                    <a:p>
+                      <a:pPr algn="ctr" fontAlgn="ctr"/>
+                      <a:endParaRPr lang="en-US" sz="1800" b="0" i="0" u="none" strike="noStrike" dirty="0">
+                        <a:solidFill>
+                          <a:srgbClr val="000000"/>
+                        </a:solidFill>
+                        <a:effectLst/>
+                        <a:latin typeface="Calibri" panose="020F0502020204030204" pitchFamily="34" charset="0"/>
+                      </a:endParaRPr>
+                    </a:p>
+                  </a:txBody>
+                  <a:tcPr marL="9245" marR="9245" marT="9245" marB="0" anchor="ctr">
+                    <a:lnL w="12700" cap="flat" cmpd="sng" algn="ctr">
+                      <a:solidFill>
+                        <a:schemeClr val="tx1"/>
+                      </a:solidFill>
+                      <a:prstDash val="solid"/>
+                      <a:round/>
+                      <a:headEnd type="none" w="med" len="med"/>
+                      <a:tailEnd type="none" w="med" len="med"/>
+                    </a:lnL>
+                    <a:lnR w="12700" cap="flat" cmpd="sng" algn="ctr">
+                      <a:solidFill>
+                        <a:schemeClr val="tx1"/>
+                      </a:solidFill>
+                      <a:prstDash val="solid"/>
+                      <a:round/>
+                      <a:headEnd type="none" w="med" len="med"/>
+                      <a:tailEnd type="none" w="med" len="med"/>
+                    </a:lnR>
+                    <a:lnT w="12700" cap="flat" cmpd="sng" algn="ctr">
+                      <a:solidFill>
+                        <a:schemeClr val="tx1"/>
+                      </a:solidFill>
+                      <a:prstDash val="solid"/>
+                      <a:round/>
+                      <a:headEnd type="none" w="med" len="med"/>
+                      <a:tailEnd type="none" w="med" len="med"/>
+                    </a:lnT>
+                    <a:lnB w="12700" cap="flat" cmpd="sng" algn="ctr">
+                      <a:solidFill>
+                        <a:schemeClr val="tx1"/>
+                      </a:solidFill>
+                      <a:prstDash val="solid"/>
+                      <a:round/>
+                      <a:headEnd type="none" w="med" len="med"/>
+                      <a:tailEnd type="none" w="med" len="med"/>
+                    </a:lnB>
+                  </a:tcPr>
+                </a:tc>
+                <a:tc>
+                  <a:txBody>
+                    <a:bodyPr/>
+                    <a:lstStyle/>
+                    <a:p>
+                      <a:pPr algn="ctr" fontAlgn="ctr"/>
+                      <a:endParaRPr lang="en-US" sz="1800" b="1" i="0" u="none" strike="noStrike" dirty="0">
+                        <a:solidFill>
+                          <a:srgbClr val="000000"/>
+                        </a:solidFill>
+                        <a:effectLst/>
+                        <a:latin typeface="Calibri" panose="020F0502020204030204" pitchFamily="34" charset="0"/>
+                      </a:endParaRPr>
+                    </a:p>
+                  </a:txBody>
+                  <a:tcPr marL="9245" marR="9245" marT="9245" marB="0" anchor="ctr">
+                    <a:lnL w="12700" cap="flat" cmpd="sng" algn="ctr">
+                      <a:solidFill>
+                        <a:schemeClr val="tx1"/>
+                      </a:solidFill>
+                      <a:prstDash val="solid"/>
+                      <a:round/>
+                      <a:headEnd type="none" w="med" len="med"/>
+                      <a:tailEnd type="none" w="med" len="med"/>
+                    </a:lnL>
+                    <a:lnR w="12700" cap="flat" cmpd="sng" algn="ctr">
+                      <a:solidFill>
+                        <a:schemeClr val="tx1"/>
+                      </a:solidFill>
+                      <a:prstDash val="solid"/>
+                      <a:round/>
+                      <a:headEnd type="none" w="med" len="med"/>
+                      <a:tailEnd type="none" w="med" len="med"/>
+                    </a:lnR>
+                    <a:lnT w="12700" cap="flat" cmpd="sng" algn="ctr">
+                      <a:noFill/>
+                      <a:prstDash val="solid"/>
+                      <a:round/>
+                      <a:headEnd type="none" w="med" len="med"/>
+                      <a:tailEnd type="none" w="med" len="med"/>
+                    </a:lnT>
+                    <a:lnB w="19050" cap="flat" cmpd="sng" algn="ctr">
+                      <a:solidFill>
+                        <a:srgbClr val="C00000"/>
+                      </a:solidFill>
+                      <a:prstDash val="solid"/>
+                      <a:round/>
+                      <a:headEnd type="none" w="med" len="med"/>
+                      <a:tailEnd type="none" w="med" len="med"/>
+                    </a:lnB>
+                    <a:lnTlToBr w="12700" cmpd="sng">
+                      <a:noFill/>
+                      <a:prstDash val="solid"/>
+                    </a:lnTlToBr>
+                    <a:lnBlToTr w="12700" cmpd="sng">
+                      <a:noFill/>
+                      <a:prstDash val="solid"/>
+                    </a:lnBlToTr>
+                  </a:tcPr>
+                </a:tc>
+                <a:extLst>
+                  <a:ext uri="{0D108BD9-81ED-4DB2-BD59-A6C34878D82A}">
+                    <a16:rowId xmlns:a16="http://schemas.microsoft.com/office/drawing/2014/main" val="169552002"/>
+                  </a:ext>
+                </a:extLst>
+              </a:tr>
+              <a:tr h="309878">
+                <a:tc rowSpan="2">
+                  <a:txBody>
+                    <a:bodyPr/>
+                    <a:lstStyle/>
+                    <a:p>
+                      <a:pPr algn="ctr" fontAlgn="ctr"/>
+                      <a:r>
+                        <a:rPr lang="en-US" sz="1800" b="0" i="1" u="none" strike="noStrike" dirty="0" err="1">
+                          <a:solidFill>
+                            <a:srgbClr val="000000"/>
+                          </a:solidFill>
+                          <a:effectLst/>
+                          <a:latin typeface="Calibri" panose="020F0502020204030204" pitchFamily="34" charset="0"/>
+                        </a:rPr>
+                        <a:t>deltoides</a:t>
+                      </a:r>
+                      <a:r>
+                        <a:rPr lang="en-US" sz="1800" b="0" i="0" u="none" strike="noStrike" dirty="0" err="1">
+                          <a:solidFill>
+                            <a:srgbClr val="000000"/>
+                          </a:solidFill>
+                          <a:effectLst/>
+                          <a:latin typeface="Calibri" panose="020F0502020204030204" pitchFamily="34" charset="0"/>
+                        </a:rPr>
+                        <a:t>-hom</a:t>
+                      </a:r>
+                      <a:r>
+                        <a:rPr lang="en-US" sz="1800" b="0" i="0" u="none" strike="noStrike" dirty="0">
+                          <a:solidFill>
+                            <a:srgbClr val="000000"/>
+                          </a:solidFill>
+                          <a:effectLst/>
+                          <a:latin typeface="Calibri" panose="020F0502020204030204" pitchFamily="34" charset="0"/>
+                        </a:rPr>
+                        <a:t>;</a:t>
+                      </a:r>
+                    </a:p>
+                    <a:p>
+                      <a:pPr algn="ctr" fontAlgn="ctr"/>
+                      <a:r>
+                        <a:rPr lang="en-US" sz="1800" b="0" i="1" u="none" strike="noStrike" dirty="0">
+                          <a:solidFill>
+                            <a:srgbClr val="000000"/>
+                          </a:solidFill>
+                          <a:effectLst/>
+                          <a:latin typeface="Calibri" panose="020F0502020204030204" pitchFamily="34" charset="0"/>
+                        </a:rPr>
+                        <a:t>nigra</a:t>
+                      </a:r>
+                      <a:r>
+                        <a:rPr lang="en-US" sz="1800" b="0" i="0" u="none" strike="noStrike" dirty="0">
+                          <a:solidFill>
+                            <a:srgbClr val="000000"/>
+                          </a:solidFill>
+                          <a:effectLst/>
+                          <a:latin typeface="Calibri" panose="020F0502020204030204" pitchFamily="34" charset="0"/>
+                        </a:rPr>
+                        <a:t>-het</a:t>
+                      </a:r>
+                    </a:p>
+                  </a:txBody>
+                  <a:tcPr marL="9245" marR="9245" marT="9245" marB="0" anchor="ctr">
+                    <a:lnL w="12700" cap="flat" cmpd="sng" algn="ctr">
+                      <a:solidFill>
+                        <a:schemeClr val="tx1"/>
+                      </a:solidFill>
+                      <a:prstDash val="solid"/>
+                      <a:round/>
+                      <a:headEnd type="none" w="med" len="med"/>
+                      <a:tailEnd type="none" w="med" len="med"/>
+                    </a:lnL>
+                    <a:lnR w="19050" cap="flat" cmpd="sng" algn="ctr">
+                      <a:solidFill>
+                        <a:srgbClr val="C00000"/>
+                      </a:solidFill>
+                      <a:prstDash val="solid"/>
+                      <a:round/>
+                      <a:headEnd type="none" w="med" len="med"/>
+                      <a:tailEnd type="none" w="med" len="med"/>
+                    </a:lnR>
+                    <a:lnT w="12700" cap="flat" cmpd="sng" algn="ctr">
+                      <a:solidFill>
+                        <a:schemeClr val="tx1"/>
+                      </a:solidFill>
+                      <a:prstDash val="solid"/>
+                      <a:round/>
+                      <a:headEnd type="none" w="med" len="med"/>
+                      <a:tailEnd type="none" w="med" len="med"/>
+                    </a:lnT>
+                    <a:lnB w="12700" cap="flat" cmpd="sng" algn="ctr">
+                      <a:solidFill>
+                        <a:schemeClr val="tx1"/>
+                      </a:solidFill>
+                      <a:prstDash val="solid"/>
+                      <a:round/>
+                      <a:headEnd type="none" w="med" len="med"/>
+                      <a:tailEnd type="none" w="med" len="med"/>
+                    </a:lnB>
+                    <a:noFill/>
+                  </a:tcPr>
+                </a:tc>
+                <a:tc rowSpan="2">
+                  <a:txBody>
+                    <a:bodyPr/>
+                    <a:lstStyle/>
+                    <a:p>
+                      <a:pPr algn="ctr" fontAlgn="ctr"/>
+                      <a:r>
+                        <a:rPr lang="en-US" sz="1800" b="0" i="0" u="none" strike="noStrike" dirty="0">
+                          <a:solidFill>
+                            <a:srgbClr val="000000"/>
+                          </a:solidFill>
+                          <a:effectLst/>
+                          <a:latin typeface="Calibri" panose="020F0502020204030204" pitchFamily="34" charset="0"/>
+                        </a:rPr>
+                        <a:t>A</a:t>
+                      </a:r>
+                    </a:p>
+                  </a:txBody>
+                  <a:tcPr marL="9245" marR="9245" marT="9245" marB="0" anchor="ctr">
+                    <a:lnL w="19050" cap="flat" cmpd="sng" algn="ctr">
+                      <a:solidFill>
+                        <a:srgbClr val="C00000"/>
+                      </a:solidFill>
+                      <a:prstDash val="solid"/>
+                      <a:round/>
+                      <a:headEnd type="none" w="med" len="med"/>
+                      <a:tailEnd type="none" w="med" len="med"/>
+                    </a:lnL>
+                    <a:lnR w="12700" cap="flat" cmpd="sng" algn="ctr">
+                      <a:solidFill>
+                        <a:schemeClr val="tx1"/>
+                      </a:solidFill>
+                      <a:prstDash val="solid"/>
+                      <a:round/>
+                      <a:headEnd type="none" w="med" len="med"/>
+                      <a:tailEnd type="none" w="med" len="med"/>
+                    </a:lnR>
+                    <a:lnT w="19050" cap="flat" cmpd="sng" algn="ctr">
+                      <a:solidFill>
+                        <a:srgbClr val="C00000"/>
+                      </a:solidFill>
+                      <a:prstDash val="solid"/>
+                      <a:round/>
+                      <a:headEnd type="none" w="med" len="med"/>
+                      <a:tailEnd type="none" w="med" len="med"/>
+                    </a:lnT>
+                    <a:lnB w="19050" cap="flat" cmpd="sng" algn="ctr">
+                      <a:solidFill>
+                        <a:srgbClr val="C00000"/>
+                      </a:solidFill>
+                      <a:prstDash val="solid"/>
+                      <a:round/>
+                      <a:headEnd type="none" w="med" len="med"/>
+                      <a:tailEnd type="none" w="med" len="med"/>
+                    </a:lnB>
+                    <a:solidFill>
+                      <a:schemeClr val="bg2"/>
+                    </a:solidFill>
+                  </a:tcPr>
+                </a:tc>
+                <a:tc rowSpan="2">
+                  <a:txBody>
+                    <a:bodyPr/>
+                    <a:lstStyle/>
+                    <a:p>
+                      <a:pPr algn="ctr" fontAlgn="ctr"/>
+                      <a:r>
+                        <a:rPr lang="en-US" sz="1800" b="0" i="0" u="none" strike="noStrike" dirty="0">
+                          <a:solidFill>
+                            <a:srgbClr val="000000"/>
+                          </a:solidFill>
+                          <a:effectLst/>
+                          <a:latin typeface="Calibri" panose="020F0502020204030204" pitchFamily="34" charset="0"/>
+                        </a:rPr>
+                        <a:t>A</a:t>
+                      </a:r>
+                    </a:p>
+                  </a:txBody>
+                  <a:tcPr marL="9245" marR="9245" marT="9245" marB="0" anchor="ctr">
+                    <a:lnL w="12700" cap="flat" cmpd="sng" algn="ctr">
+                      <a:solidFill>
+                        <a:schemeClr val="tx1"/>
+                      </a:solidFill>
+                      <a:prstDash val="solid"/>
+                      <a:round/>
+                      <a:headEnd type="none" w="med" len="med"/>
+                      <a:tailEnd type="none" w="med" len="med"/>
+                    </a:lnL>
+                    <a:lnR w="12700" cap="flat" cmpd="sng" algn="ctr">
+                      <a:solidFill>
+                        <a:schemeClr val="tx1"/>
+                      </a:solidFill>
+                      <a:prstDash val="solid"/>
+                      <a:round/>
+                      <a:headEnd type="none" w="med" len="med"/>
+                      <a:tailEnd type="none" w="med" len="med"/>
+                    </a:lnR>
+                    <a:lnT w="19050" cap="flat" cmpd="sng" algn="ctr">
+                      <a:solidFill>
+                        <a:srgbClr val="C00000"/>
+                      </a:solidFill>
+                      <a:prstDash val="solid"/>
+                      <a:round/>
+                      <a:headEnd type="none" w="med" len="med"/>
+                      <a:tailEnd type="none" w="med" len="med"/>
+                    </a:lnT>
+                    <a:lnB w="19050" cap="flat" cmpd="sng" algn="ctr">
+                      <a:solidFill>
+                        <a:srgbClr val="C00000"/>
+                      </a:solidFill>
+                      <a:prstDash val="solid"/>
+                      <a:round/>
+                      <a:headEnd type="none" w="med" len="med"/>
+                      <a:tailEnd type="none" w="med" len="med"/>
+                    </a:lnB>
+                    <a:solidFill>
+                      <a:schemeClr val="bg2"/>
+                    </a:solidFill>
+                  </a:tcPr>
+                </a:tc>
+                <a:tc rowSpan="2">
+                  <a:txBody>
+                    <a:bodyPr/>
+                    <a:lstStyle/>
+                    <a:p>
+                      <a:pPr algn="ctr" fontAlgn="ctr"/>
+                      <a:r>
+                        <a:rPr lang="en-US" sz="1800" b="0" i="0" u="none" strike="noStrike" dirty="0">
+                          <a:solidFill>
+                            <a:srgbClr val="000000"/>
+                          </a:solidFill>
+                          <a:effectLst/>
+                          <a:latin typeface="Calibri" panose="020F0502020204030204" pitchFamily="34" charset="0"/>
+                        </a:rPr>
+                        <a:t>G</a:t>
+                      </a:r>
+                    </a:p>
+                  </a:txBody>
+                  <a:tcPr marL="9245" marR="9245" marT="9245" marB="0" anchor="ctr">
+                    <a:lnL w="12700" cap="flat" cmpd="sng" algn="ctr">
+                      <a:solidFill>
+                        <a:schemeClr val="tx1"/>
+                      </a:solidFill>
+                      <a:prstDash val="solid"/>
+                      <a:round/>
+                      <a:headEnd type="none" w="med" len="med"/>
+                      <a:tailEnd type="none" w="med" len="med"/>
+                    </a:lnL>
+                    <a:lnR w="12700" cap="flat" cmpd="sng" algn="ctr">
+                      <a:solidFill>
+                        <a:schemeClr val="tx1"/>
+                      </a:solidFill>
+                      <a:prstDash val="solid"/>
+                      <a:round/>
+                      <a:headEnd type="none" w="med" len="med"/>
+                      <a:tailEnd type="none" w="med" len="med"/>
+                    </a:lnR>
+                    <a:lnT w="19050" cap="flat" cmpd="sng" algn="ctr">
+                      <a:solidFill>
+                        <a:srgbClr val="C00000"/>
+                      </a:solidFill>
+                      <a:prstDash val="solid"/>
+                      <a:round/>
+                      <a:headEnd type="none" w="med" len="med"/>
+                      <a:tailEnd type="none" w="med" len="med"/>
+                    </a:lnT>
+                    <a:lnB w="19050" cap="flat" cmpd="sng" algn="ctr">
+                      <a:solidFill>
+                        <a:srgbClr val="C00000"/>
+                      </a:solidFill>
+                      <a:prstDash val="solid"/>
+                      <a:round/>
+                      <a:headEnd type="none" w="med" len="med"/>
+                      <a:tailEnd type="none" w="med" len="med"/>
+                    </a:lnB>
+                    <a:solidFill>
+                      <a:schemeClr val="bg2"/>
+                    </a:solidFill>
+                  </a:tcPr>
+                </a:tc>
+                <a:tc rowSpan="2">
+                  <a:txBody>
+                    <a:bodyPr/>
+                    <a:lstStyle/>
+                    <a:p>
+                      <a:pPr algn="ctr" fontAlgn="ctr"/>
+                      <a:r>
+                        <a:rPr lang="en-US" sz="1800" b="0" i="0" u="none" strike="noStrike" dirty="0">
+                          <a:solidFill>
+                            <a:srgbClr val="000000"/>
+                          </a:solidFill>
+                          <a:effectLst/>
+                          <a:latin typeface="Calibri" panose="020F0502020204030204" pitchFamily="34" charset="0"/>
+                        </a:rPr>
+                        <a:t>C</a:t>
+                      </a:r>
+                    </a:p>
+                  </a:txBody>
+                  <a:tcPr marL="9245" marR="9245" marT="9245" marB="0" anchor="ctr">
+                    <a:lnL w="12700" cap="flat" cmpd="sng" algn="ctr">
+                      <a:solidFill>
+                        <a:schemeClr val="tx1"/>
+                      </a:solidFill>
+                      <a:prstDash val="solid"/>
+                      <a:round/>
+                      <a:headEnd type="none" w="med" len="med"/>
+                      <a:tailEnd type="none" w="med" len="med"/>
+                    </a:lnL>
+                    <a:lnR w="12700" cap="flat" cmpd="sng" algn="ctr">
+                      <a:solidFill>
+                        <a:schemeClr val="tx1"/>
+                      </a:solidFill>
+                      <a:prstDash val="solid"/>
+                      <a:round/>
+                      <a:headEnd type="none" w="med" len="med"/>
+                      <a:tailEnd type="none" w="med" len="med"/>
+                    </a:lnR>
+                    <a:lnT w="19050" cap="flat" cmpd="sng" algn="ctr">
+                      <a:solidFill>
+                        <a:srgbClr val="C00000"/>
+                      </a:solidFill>
+                      <a:prstDash val="solid"/>
+                      <a:round/>
+                      <a:headEnd type="none" w="med" len="med"/>
+                      <a:tailEnd type="none" w="med" len="med"/>
+                    </a:lnT>
+                    <a:lnB w="19050" cap="flat" cmpd="sng" algn="ctr">
+                      <a:solidFill>
+                        <a:srgbClr val="C00000"/>
+                      </a:solidFill>
+                      <a:prstDash val="solid"/>
+                      <a:round/>
+                      <a:headEnd type="none" w="med" len="med"/>
+                      <a:tailEnd type="none" w="med" len="med"/>
+                    </a:lnB>
+                    <a:solidFill>
+                      <a:schemeClr val="bg2"/>
+                    </a:solidFill>
+                  </a:tcPr>
+                </a:tc>
+                <a:tc>
+                  <a:txBody>
+                    <a:bodyPr/>
+                    <a:lstStyle/>
+                    <a:p>
+                      <a:pPr algn="ctr" fontAlgn="ctr"/>
+                      <a:r>
+                        <a:rPr lang="en-US" sz="1800" b="1" i="0" u="none" strike="noStrike" dirty="0">
+                          <a:solidFill>
+                            <a:srgbClr val="000000"/>
+                          </a:solidFill>
+                          <a:effectLst/>
+                          <a:latin typeface="Calibri" panose="020F0502020204030204" pitchFamily="34" charset="0"/>
+                        </a:rPr>
+                        <a:t>AG, AC</a:t>
+                      </a:r>
+                    </a:p>
+                  </a:txBody>
+                  <a:tcPr marL="9245" marR="9245" marT="9245" marB="0" anchor="ctr">
+                    <a:lnL w="12700" cap="flat" cmpd="sng" algn="ctr">
+                      <a:solidFill>
+                        <a:schemeClr val="tx1"/>
+                      </a:solidFill>
+                      <a:prstDash val="solid"/>
+                      <a:round/>
+                      <a:headEnd type="none" w="med" len="med"/>
+                      <a:tailEnd type="none" w="med" len="med"/>
+                    </a:lnL>
+                    <a:lnR w="19050" cap="flat" cmpd="sng" algn="ctr">
+                      <a:solidFill>
+                        <a:srgbClr val="C00000"/>
+                      </a:solidFill>
+                      <a:prstDash val="solid"/>
+                      <a:round/>
+                      <a:headEnd type="none" w="med" len="med"/>
+                      <a:tailEnd type="none" w="med" len="med"/>
+                    </a:lnR>
+                    <a:lnT w="19050" cap="flat" cmpd="sng" algn="ctr">
+                      <a:solidFill>
+                        <a:srgbClr val="C00000"/>
+                      </a:solidFill>
+                      <a:prstDash val="solid"/>
+                      <a:round/>
+                      <a:headEnd type="none" w="med" len="med"/>
+                      <a:tailEnd type="none" w="med" len="med"/>
+                    </a:lnT>
+                    <a:lnB w="12700" cap="flat" cmpd="sng" algn="ctr">
+                      <a:noFill/>
+                      <a:prstDash val="solid"/>
+                      <a:round/>
+                      <a:headEnd type="none" w="med" len="med"/>
+                      <a:tailEnd type="none" w="med" len="med"/>
+                    </a:lnB>
+                    <a:lnTlToBr w="12700" cmpd="sng">
+                      <a:noFill/>
+                      <a:prstDash val="solid"/>
+                    </a:lnTlToBr>
+                    <a:lnBlToTr w="12700" cmpd="sng">
+                      <a:noFill/>
+                      <a:prstDash val="solid"/>
+                    </a:lnBlToTr>
+                    <a:solidFill>
+                      <a:schemeClr val="bg2"/>
+                    </a:solidFill>
+                  </a:tcPr>
+                </a:tc>
+                <a:extLst>
+                  <a:ext uri="{0D108BD9-81ED-4DB2-BD59-A6C34878D82A}">
+                    <a16:rowId xmlns:a16="http://schemas.microsoft.com/office/drawing/2014/main" val="3452780626"/>
+                  </a:ext>
+                </a:extLst>
+              </a:tr>
+              <a:tr h="667152">
+                <a:tc vMerge="1">
+                  <a:txBody>
+                    <a:bodyPr/>
+                    <a:lstStyle/>
+                    <a:p>
+                      <a:pPr algn="ctr" fontAlgn="ctr"/>
+                      <a:endParaRPr lang="en-US" sz="1800" b="0" i="0" u="none" strike="noStrike" dirty="0">
+                        <a:solidFill>
+                          <a:srgbClr val="000000"/>
+                        </a:solidFill>
+                        <a:effectLst/>
+                        <a:latin typeface="Calibri" panose="020F0502020204030204" pitchFamily="34" charset="0"/>
+                      </a:endParaRPr>
+                    </a:p>
+                  </a:txBody>
+                  <a:tcPr marL="9245" marR="9245" marT="9245" marB="0" anchor="ctr">
+                    <a:lnL w="12700" cap="flat" cmpd="sng" algn="ctr">
+                      <a:solidFill>
+                        <a:schemeClr val="tx1"/>
+                      </a:solidFill>
+                      <a:prstDash val="solid"/>
+                      <a:round/>
+                      <a:headEnd type="none" w="med" len="med"/>
+                      <a:tailEnd type="none" w="med" len="med"/>
+                    </a:lnL>
+                    <a:lnR w="12700" cap="flat" cmpd="sng" algn="ctr">
+                      <a:solidFill>
+                        <a:schemeClr val="tx1"/>
+                      </a:solidFill>
+                      <a:prstDash val="solid"/>
+                      <a:round/>
+                      <a:headEnd type="none" w="med" len="med"/>
+                      <a:tailEnd type="none" w="med" len="med"/>
+                    </a:lnR>
+                    <a:lnT w="12700" cap="flat" cmpd="sng" algn="ctr">
+                      <a:solidFill>
+                        <a:schemeClr val="tx1"/>
+                      </a:solidFill>
+                      <a:prstDash val="solid"/>
+                      <a:round/>
+                      <a:headEnd type="none" w="med" len="med"/>
+                      <a:tailEnd type="none" w="med" len="med"/>
+                    </a:lnT>
+                    <a:lnB w="12700" cap="flat" cmpd="sng" algn="ctr">
+                      <a:solidFill>
+                        <a:schemeClr val="tx1"/>
+                      </a:solidFill>
+                      <a:prstDash val="solid"/>
+                      <a:round/>
+                      <a:headEnd type="none" w="med" len="med"/>
+                      <a:tailEnd type="none" w="med" len="med"/>
+                    </a:lnB>
+                  </a:tcPr>
+                </a:tc>
+                <a:tc vMerge="1">
+                  <a:txBody>
+                    <a:bodyPr/>
+                    <a:lstStyle/>
+                    <a:p>
+                      <a:pPr algn="ctr" fontAlgn="ctr"/>
+                      <a:endParaRPr lang="en-US" sz="1800" b="0" i="0" u="none" strike="noStrike" dirty="0">
+                        <a:solidFill>
+                          <a:srgbClr val="000000"/>
+                        </a:solidFill>
+                        <a:effectLst/>
+                        <a:latin typeface="Calibri" panose="020F0502020204030204" pitchFamily="34" charset="0"/>
+                      </a:endParaRPr>
+                    </a:p>
+                  </a:txBody>
+                  <a:tcPr marL="9245" marR="9245" marT="9245" marB="0" anchor="ctr">
+                    <a:lnL w="12700" cap="flat" cmpd="sng" algn="ctr">
+                      <a:solidFill>
+                        <a:schemeClr val="tx1"/>
+                      </a:solidFill>
+                      <a:prstDash val="solid"/>
+                      <a:round/>
+                      <a:headEnd type="none" w="med" len="med"/>
+                      <a:tailEnd type="none" w="med" len="med"/>
+                    </a:lnL>
+                    <a:lnR w="12700" cap="flat" cmpd="sng" algn="ctr">
+                      <a:solidFill>
+                        <a:schemeClr val="tx1"/>
+                      </a:solidFill>
+                      <a:prstDash val="solid"/>
+                      <a:round/>
+                      <a:headEnd type="none" w="med" len="med"/>
+                      <a:tailEnd type="none" w="med" len="med"/>
+                    </a:lnR>
+                    <a:lnT w="12700" cap="flat" cmpd="sng" algn="ctr">
+                      <a:solidFill>
+                        <a:schemeClr val="tx1"/>
+                      </a:solidFill>
+                      <a:prstDash val="solid"/>
+                      <a:round/>
+                      <a:headEnd type="none" w="med" len="med"/>
+                      <a:tailEnd type="none" w="med" len="med"/>
+                    </a:lnT>
+                    <a:lnB w="12700" cap="flat" cmpd="sng" algn="ctr">
+                      <a:solidFill>
+                        <a:schemeClr val="tx1"/>
+                      </a:solidFill>
+                      <a:prstDash val="solid"/>
+                      <a:round/>
+                      <a:headEnd type="none" w="med" len="med"/>
+                      <a:tailEnd type="none" w="med" len="med"/>
+                    </a:lnB>
+                  </a:tcPr>
+                </a:tc>
+                <a:tc vMerge="1">
+                  <a:txBody>
+                    <a:bodyPr/>
+                    <a:lstStyle/>
+                    <a:p>
+                      <a:pPr algn="ctr" fontAlgn="ctr"/>
+                      <a:endParaRPr lang="en-US" sz="1800" b="0" i="0" u="none" strike="noStrike" dirty="0">
+                        <a:solidFill>
+                          <a:srgbClr val="000000"/>
+                        </a:solidFill>
+                        <a:effectLst/>
+                        <a:latin typeface="Calibri" panose="020F0502020204030204" pitchFamily="34" charset="0"/>
+                      </a:endParaRPr>
+                    </a:p>
+                  </a:txBody>
+                  <a:tcPr marL="9245" marR="9245" marT="9245" marB="0" anchor="ctr">
+                    <a:lnL w="12700" cap="flat" cmpd="sng" algn="ctr">
+                      <a:solidFill>
+                        <a:schemeClr val="tx1"/>
+                      </a:solidFill>
+                      <a:prstDash val="solid"/>
+                      <a:round/>
+                      <a:headEnd type="none" w="med" len="med"/>
+                      <a:tailEnd type="none" w="med" len="med"/>
+                    </a:lnL>
+                    <a:lnR w="12700" cap="flat" cmpd="sng" algn="ctr">
+                      <a:solidFill>
+                        <a:schemeClr val="tx1"/>
+                      </a:solidFill>
+                      <a:prstDash val="solid"/>
+                      <a:round/>
+                      <a:headEnd type="none" w="med" len="med"/>
+                      <a:tailEnd type="none" w="med" len="med"/>
+                    </a:lnR>
+                    <a:lnT w="12700" cap="flat" cmpd="sng" algn="ctr">
+                      <a:solidFill>
+                        <a:schemeClr val="tx1"/>
+                      </a:solidFill>
+                      <a:prstDash val="solid"/>
+                      <a:round/>
+                      <a:headEnd type="none" w="med" len="med"/>
+                      <a:tailEnd type="none" w="med" len="med"/>
+                    </a:lnT>
+                    <a:lnB w="12700" cap="flat" cmpd="sng" algn="ctr">
+                      <a:solidFill>
+                        <a:schemeClr val="tx1"/>
+                      </a:solidFill>
+                      <a:prstDash val="solid"/>
+                      <a:round/>
+                      <a:headEnd type="none" w="med" len="med"/>
+                      <a:tailEnd type="none" w="med" len="med"/>
+                    </a:lnB>
+                  </a:tcPr>
+                </a:tc>
+                <a:tc vMerge="1">
+                  <a:txBody>
+                    <a:bodyPr/>
+                    <a:lstStyle/>
+                    <a:p>
+                      <a:pPr algn="ctr" fontAlgn="ctr"/>
+                      <a:endParaRPr lang="en-US" sz="1800" b="0" i="0" u="none" strike="noStrike" dirty="0">
+                        <a:solidFill>
+                          <a:srgbClr val="000000"/>
+                        </a:solidFill>
+                        <a:effectLst/>
+                        <a:latin typeface="Calibri" panose="020F0502020204030204" pitchFamily="34" charset="0"/>
+                      </a:endParaRPr>
+                    </a:p>
+                  </a:txBody>
+                  <a:tcPr marL="9245" marR="9245" marT="9245" marB="0" anchor="ctr">
+                    <a:lnL w="12700" cap="flat" cmpd="sng" algn="ctr">
+                      <a:solidFill>
+                        <a:schemeClr val="tx1"/>
+                      </a:solidFill>
+                      <a:prstDash val="solid"/>
+                      <a:round/>
+                      <a:headEnd type="none" w="med" len="med"/>
+                      <a:tailEnd type="none" w="med" len="med"/>
+                    </a:lnL>
+                    <a:lnR w="12700" cap="flat" cmpd="sng" algn="ctr">
+                      <a:solidFill>
+                        <a:schemeClr val="tx1"/>
+                      </a:solidFill>
+                      <a:prstDash val="solid"/>
+                      <a:round/>
+                      <a:headEnd type="none" w="med" len="med"/>
+                      <a:tailEnd type="none" w="med" len="med"/>
+                    </a:lnR>
+                    <a:lnT w="12700" cap="flat" cmpd="sng" algn="ctr">
+                      <a:solidFill>
+                        <a:schemeClr val="tx1"/>
+                      </a:solidFill>
+                      <a:prstDash val="solid"/>
+                      <a:round/>
+                      <a:headEnd type="none" w="med" len="med"/>
+                      <a:tailEnd type="none" w="med" len="med"/>
+                    </a:lnT>
+                    <a:lnB w="12700" cap="flat" cmpd="sng" algn="ctr">
+                      <a:solidFill>
+                        <a:schemeClr val="tx1"/>
+                      </a:solidFill>
+                      <a:prstDash val="solid"/>
+                      <a:round/>
+                      <a:headEnd type="none" w="med" len="med"/>
+                      <a:tailEnd type="none" w="med" len="med"/>
+                    </a:lnB>
+                  </a:tcPr>
+                </a:tc>
+                <a:tc vMerge="1">
+                  <a:txBody>
+                    <a:bodyPr/>
+                    <a:lstStyle/>
+                    <a:p>
+                      <a:pPr algn="ctr" fontAlgn="ctr"/>
+                      <a:endParaRPr lang="en-US" sz="1800" b="0" i="0" u="none" strike="noStrike" dirty="0">
+                        <a:solidFill>
+                          <a:srgbClr val="000000"/>
+                        </a:solidFill>
+                        <a:effectLst/>
+                        <a:latin typeface="Calibri" panose="020F0502020204030204" pitchFamily="34" charset="0"/>
+                      </a:endParaRPr>
+                    </a:p>
+                  </a:txBody>
+                  <a:tcPr marL="9245" marR="9245" marT="9245" marB="0" anchor="ctr">
+                    <a:lnL w="12700" cap="flat" cmpd="sng" algn="ctr">
+                      <a:solidFill>
+                        <a:schemeClr val="tx1"/>
+                      </a:solidFill>
+                      <a:prstDash val="solid"/>
+                      <a:round/>
+                      <a:headEnd type="none" w="med" len="med"/>
+                      <a:tailEnd type="none" w="med" len="med"/>
+                    </a:lnL>
+                    <a:lnR w="12700" cap="flat" cmpd="sng" algn="ctr">
+                      <a:solidFill>
+                        <a:schemeClr val="tx1"/>
+                      </a:solidFill>
+                      <a:prstDash val="solid"/>
+                      <a:round/>
+                      <a:headEnd type="none" w="med" len="med"/>
+                      <a:tailEnd type="none" w="med" len="med"/>
+                    </a:lnR>
+                    <a:lnT w="12700" cap="flat" cmpd="sng" algn="ctr">
+                      <a:solidFill>
+                        <a:schemeClr val="tx1"/>
+                      </a:solidFill>
+                      <a:prstDash val="solid"/>
+                      <a:round/>
+                      <a:headEnd type="none" w="med" len="med"/>
+                      <a:tailEnd type="none" w="med" len="med"/>
+                    </a:lnT>
+                    <a:lnB w="12700" cap="flat" cmpd="sng" algn="ctr">
+                      <a:solidFill>
+                        <a:schemeClr val="tx1"/>
+                      </a:solidFill>
+                      <a:prstDash val="solid"/>
+                      <a:round/>
+                      <a:headEnd type="none" w="med" len="med"/>
+                      <a:tailEnd type="none" w="med" len="med"/>
+                    </a:lnB>
+                  </a:tcPr>
+                </a:tc>
+                <a:tc>
+                  <a:txBody>
+                    <a:bodyPr/>
+                    <a:lstStyle/>
+                    <a:p>
+                      <a:pPr algn="ctr" fontAlgn="ctr"/>
+                      <a:endParaRPr lang="en-US" sz="1800" b="1" i="0" u="none" strike="noStrike" dirty="0">
+                        <a:solidFill>
+                          <a:srgbClr val="000000"/>
+                        </a:solidFill>
+                        <a:effectLst/>
+                        <a:latin typeface="Calibri" panose="020F0502020204030204" pitchFamily="34" charset="0"/>
+                      </a:endParaRPr>
+                    </a:p>
+                  </a:txBody>
+                  <a:tcPr marL="9245" marR="9245" marT="9245" marB="0" anchor="ctr">
+                    <a:lnL w="12700" cap="flat" cmpd="sng" algn="ctr">
+                      <a:solidFill>
+                        <a:schemeClr val="tx1"/>
+                      </a:solidFill>
+                      <a:prstDash val="solid"/>
+                      <a:round/>
+                      <a:headEnd type="none" w="med" len="med"/>
+                      <a:tailEnd type="none" w="med" len="med"/>
+                    </a:lnL>
+                    <a:lnR w="19050" cap="flat" cmpd="sng" algn="ctr">
+                      <a:solidFill>
+                        <a:srgbClr val="C00000"/>
+                      </a:solidFill>
+                      <a:prstDash val="solid"/>
+                      <a:round/>
+                      <a:headEnd type="none" w="med" len="med"/>
+                      <a:tailEnd type="none" w="med" len="med"/>
+                    </a:lnR>
+                    <a:lnT w="12700" cap="flat" cmpd="sng" algn="ctr">
+                      <a:noFill/>
+                      <a:prstDash val="solid"/>
+                      <a:round/>
+                      <a:headEnd type="none" w="med" len="med"/>
+                      <a:tailEnd type="none" w="med" len="med"/>
+                    </a:lnT>
+                    <a:lnB w="19050" cap="flat" cmpd="sng" algn="ctr">
+                      <a:solidFill>
+                        <a:srgbClr val="C00000"/>
+                      </a:solidFill>
+                      <a:prstDash val="solid"/>
+                      <a:round/>
+                      <a:headEnd type="none" w="med" len="med"/>
+                      <a:tailEnd type="none" w="med" len="med"/>
+                    </a:lnB>
+                    <a:lnTlToBr w="12700" cmpd="sng">
+                      <a:noFill/>
+                      <a:prstDash val="solid"/>
+                    </a:lnTlToBr>
+                    <a:lnBlToTr w="12700" cmpd="sng">
+                      <a:noFill/>
+                      <a:prstDash val="solid"/>
+                    </a:lnBlToTr>
+                    <a:solidFill>
+                      <a:schemeClr val="bg2"/>
+                    </a:solidFill>
+                  </a:tcPr>
+                </a:tc>
+                <a:extLst>
+                  <a:ext uri="{0D108BD9-81ED-4DB2-BD59-A6C34878D82A}">
+                    <a16:rowId xmlns:a16="http://schemas.microsoft.com/office/drawing/2014/main" val="3077325618"/>
+                  </a:ext>
+                </a:extLst>
+              </a:tr>
+              <a:tr h="309878">
+                <a:tc rowSpan="2">
+                  <a:txBody>
+                    <a:bodyPr/>
+                    <a:lstStyle/>
+                    <a:p>
+                      <a:pPr algn="ctr" fontAlgn="ctr"/>
+                      <a:r>
+                        <a:rPr lang="en-US" sz="1800" b="0" i="1" u="none" strike="noStrike" dirty="0" err="1">
+                          <a:solidFill>
+                            <a:srgbClr val="000000"/>
+                          </a:solidFill>
+                          <a:effectLst/>
+                          <a:latin typeface="Calibri" panose="020F0502020204030204" pitchFamily="34" charset="0"/>
+                        </a:rPr>
+                        <a:t>deltoides</a:t>
+                      </a:r>
+                      <a:r>
+                        <a:rPr lang="en-US" sz="1800" b="0" i="0" u="none" strike="noStrike" dirty="0">
+                          <a:solidFill>
+                            <a:srgbClr val="000000"/>
+                          </a:solidFill>
+                          <a:effectLst/>
+                          <a:latin typeface="Calibri" panose="020F0502020204030204" pitchFamily="34" charset="0"/>
+                        </a:rPr>
+                        <a:t>-het;</a:t>
+                      </a:r>
+                    </a:p>
+                    <a:p>
+                      <a:pPr algn="ctr" fontAlgn="ctr"/>
+                      <a:r>
+                        <a:rPr lang="en-US" sz="1800" b="0" i="1" u="none" strike="noStrike" dirty="0">
+                          <a:solidFill>
+                            <a:srgbClr val="000000"/>
+                          </a:solidFill>
+                          <a:effectLst/>
+                          <a:latin typeface="Calibri" panose="020F0502020204030204" pitchFamily="34" charset="0"/>
+                        </a:rPr>
+                        <a:t>nigra</a:t>
+                      </a:r>
+                      <a:r>
+                        <a:rPr lang="en-US" sz="1800" b="0" i="0" u="none" strike="noStrike" dirty="0">
+                          <a:solidFill>
+                            <a:srgbClr val="000000"/>
+                          </a:solidFill>
+                          <a:effectLst/>
+                          <a:latin typeface="Calibri" panose="020F0502020204030204" pitchFamily="34" charset="0"/>
+                        </a:rPr>
+                        <a:t>-</a:t>
+                      </a:r>
+                      <a:r>
+                        <a:rPr lang="en-US" sz="1800" b="0" i="0" u="none" strike="noStrike" dirty="0" err="1">
+                          <a:solidFill>
+                            <a:srgbClr val="000000"/>
+                          </a:solidFill>
+                          <a:effectLst/>
+                          <a:latin typeface="Calibri" panose="020F0502020204030204" pitchFamily="34" charset="0"/>
+                        </a:rPr>
+                        <a:t>hom</a:t>
+                      </a:r>
+                      <a:endParaRPr lang="en-US" sz="1800" b="0" i="0" u="none" strike="noStrike" dirty="0">
+                        <a:solidFill>
+                          <a:srgbClr val="000000"/>
+                        </a:solidFill>
+                        <a:effectLst/>
+                        <a:latin typeface="Calibri" panose="020F0502020204030204" pitchFamily="34" charset="0"/>
+                      </a:endParaRPr>
                     </a:p>
                   </a:txBody>
                   <a:tcPr marL="9245" marR="9245" marT="9245" marB="0" anchor="ctr">
@@ -4600,9 +6237,126 @@
                       <a:headEnd type="none" w="med" len="med"/>
                       <a:tailEnd type="none" w="med" len="med"/>
                     </a:lnR>
-                    <a:lnT w="12700" cap="flat" cmpd="sng" algn="ctr">
-                      <a:solidFill>
-                        <a:schemeClr val="tx1"/>
+                    <a:lnT w="19050" cap="flat" cmpd="sng" algn="ctr">
+                      <a:solidFill>
+                        <a:srgbClr val="C00000"/>
+                      </a:solidFill>
+                      <a:prstDash val="solid"/>
+                      <a:round/>
+                      <a:headEnd type="none" w="med" len="med"/>
+                      <a:tailEnd type="none" w="med" len="med"/>
+                    </a:lnT>
+                    <a:lnB w="12700" cap="flat" cmpd="sng" algn="ctr">
+                      <a:solidFill>
+                        <a:schemeClr val="tx1"/>
+                      </a:solidFill>
+                      <a:prstDash val="solid"/>
+                      <a:round/>
+                      <a:headEnd type="none" w="med" len="med"/>
+                      <a:tailEnd type="none" w="med" len="med"/>
+                    </a:lnB>
+                  </a:tcPr>
+                </a:tc>
+                <a:tc rowSpan="2">
+                  <a:txBody>
+                    <a:bodyPr/>
+                    <a:lstStyle/>
+                    <a:p>
+                      <a:pPr algn="ctr" fontAlgn="ctr"/>
+                      <a:r>
+                        <a:rPr lang="en-US" sz="1800" b="0" i="0" u="none" strike="noStrike" dirty="0">
+                          <a:solidFill>
+                            <a:srgbClr val="000000"/>
+                          </a:solidFill>
+                          <a:effectLst/>
+                          <a:latin typeface="Calibri" panose="020F0502020204030204" pitchFamily="34" charset="0"/>
+                        </a:rPr>
+                        <a:t>G</a:t>
+                      </a:r>
+                    </a:p>
+                  </a:txBody>
+                  <a:tcPr marL="9245" marR="9245" marT="9245" marB="0" anchor="ctr">
+                    <a:lnL w="12700" cap="flat" cmpd="sng" algn="ctr">
+                      <a:solidFill>
+                        <a:schemeClr val="tx1"/>
+                      </a:solidFill>
+                      <a:prstDash val="solid"/>
+                      <a:round/>
+                      <a:headEnd type="none" w="med" len="med"/>
+                      <a:tailEnd type="none" w="med" len="med"/>
+                    </a:lnL>
+                    <a:lnR w="12700" cap="flat" cmpd="sng" algn="ctr">
+                      <a:solidFill>
+                        <a:schemeClr val="tx1"/>
+                      </a:solidFill>
+                      <a:prstDash val="solid"/>
+                      <a:round/>
+                      <a:headEnd type="none" w="med" len="med"/>
+                      <a:tailEnd type="none" w="med" len="med"/>
+                    </a:lnR>
+                    <a:lnT w="19050" cap="flat" cmpd="sng" algn="ctr">
+                      <a:solidFill>
+                        <a:srgbClr val="C00000"/>
+                      </a:solidFill>
+                      <a:prstDash val="solid"/>
+                      <a:round/>
+                      <a:headEnd type="none" w="med" len="med"/>
+                      <a:tailEnd type="none" w="med" len="med"/>
+                    </a:lnT>
+                    <a:lnB w="12700" cap="flat" cmpd="sng" algn="ctr">
+                      <a:solidFill>
+                        <a:schemeClr val="tx1"/>
+                      </a:solidFill>
+                      <a:prstDash val="solid"/>
+                      <a:round/>
+                      <a:headEnd type="none" w="med" len="med"/>
+                      <a:tailEnd type="none" w="med" len="med"/>
+                    </a:lnB>
+                  </a:tcPr>
+                </a:tc>
+                <a:tc rowSpan="2">
+                  <a:txBody>
+                    <a:bodyPr/>
+                    <a:lstStyle/>
+                    <a:p>
+                      <a:pPr algn="ctr" fontAlgn="ctr"/>
+                      <a:r>
+                        <a:rPr lang="en-US" sz="1800" u="none" strike="noStrike" dirty="0">
+                          <a:effectLst/>
+                        </a:rPr>
+                        <a:t>A</a:t>
+                      </a:r>
+                      <a:endParaRPr lang="en-US" sz="1800" b="0" i="0" u="none" strike="noStrike" dirty="0">
+                        <a:solidFill>
+                          <a:srgbClr val="000000"/>
+                        </a:solidFill>
+                        <a:effectLst/>
+                        <a:latin typeface="Calibri" panose="020F0502020204030204" pitchFamily="34" charset="0"/>
+                      </a:endParaRPr>
+                    </a:p>
+                  </a:txBody>
+                  <a:tcPr marL="9245" marR="9245" marT="9245" marB="0" anchor="ctr">
+                    <a:lnL w="12700" cap="flat" cmpd="sng" algn="ctr">
+                      <a:solidFill>
+                        <a:schemeClr val="tx1"/>
+                      </a:solidFill>
+                      <a:prstDash val="solid"/>
+                      <a:round/>
+                      <a:headEnd type="none" w="med" len="med"/>
+                      <a:tailEnd type="none" w="med" len="med"/>
+                    </a:lnL>
+                    <a:lnR w="12700" cap="flat" cmpd="sng" algn="ctr">
+                      <a:solidFill>
+                        <a:schemeClr val="tx1"/>
+                      </a:solidFill>
+                      <a:prstDash val="solid"/>
+                      <a:round/>
+                      <a:headEnd type="none" w="med" len="med"/>
+                      <a:tailEnd type="none" w="med" len="med"/>
+                    </a:lnR>
+                    <a:lnT w="19050" cap="flat" cmpd="sng" algn="ctr">
+                      <a:solidFill>
+                        <a:srgbClr val="C00000"/>
                       </a:solidFill>
                       <a:prstDash val="solid"/>
                       <a:round/>
@@ -4657,9 +6411,9 @@
                       <a:headEnd type="none" w="med" len="med"/>
                       <a:tailEnd type="none" w="med" len="med"/>
                     </a:lnR>
-                    <a:lnT w="12700" cap="flat" cmpd="sng" algn="ctr">
-                      <a:solidFill>
-                        <a:schemeClr val="tx1"/>
+                    <a:lnT w="19050" cap="flat" cmpd="sng" algn="ctr">
+                      <a:solidFill>
+                        <a:srgbClr val="C00000"/>
                       </a:solidFill>
                       <a:prstDash val="solid"/>
                       <a:round/>
@@ -4717,9 +6471,9 @@
                       <a:headEnd type="none" w="med" len="med"/>
                       <a:tailEnd type="none" w="med" len="med"/>
                     </a:lnR>
-                    <a:lnT w="12700" cap="flat" cmpd="sng" algn="ctr">
-                      <a:solidFill>
-                        <a:schemeClr val="tx1"/>
+                    <a:lnT w="19050" cap="flat" cmpd="sng" algn="ctr">
+                      <a:solidFill>
+                        <a:srgbClr val="C00000"/>
                       </a:solidFill>
                       <a:prstDash val="solid"/>
                       <a:round/>
@@ -4750,6 +6504,16 @@
                 </a:extLst>
               </a:tr>
               <a:tr h="631817">
+                <a:tc vMerge="1">
+                  <a:txBody>
+                    <a:bodyPr/>
+                    <a:lstStyle/>
+                    <a:p>
+                      <a:endParaRPr lang="en-US"/>
+                    </a:p>
+                  </a:txBody>
+                  <a:tcPr/>
+                </a:tc>
                 <a:tc vMerge="1">
                   <a:txBody>
                     <a:bodyPr/>
@@ -4857,6 +6621,87 @@
                 </a:extLst>
               </a:tr>
               <a:tr h="295127">
+                <a:tc rowSpan="6">
+                  <a:txBody>
+                    <a:bodyPr/>
+                    <a:lstStyle/>
+                    <a:p>
+                      <a:pPr algn="ctr" fontAlgn="ctr"/>
+                      <a:r>
+                        <a:rPr lang="en-US" sz="1800" b="0" i="1" u="none" strike="noStrike" dirty="0" err="1">
+                          <a:solidFill>
+                            <a:srgbClr val="000000"/>
+                          </a:solidFill>
+                          <a:effectLst/>
+                          <a:latin typeface="Calibri" panose="020F0502020204030204" pitchFamily="34" charset="0"/>
+                        </a:rPr>
+                        <a:t>deltoides</a:t>
+                      </a:r>
+                      <a:r>
+                        <a:rPr lang="en-US" sz="1800" b="0" i="0" u="none" strike="noStrike" dirty="0">
+                          <a:solidFill>
+                            <a:srgbClr val="000000"/>
+                          </a:solidFill>
+                          <a:effectLst/>
+                          <a:latin typeface="Calibri" panose="020F0502020204030204" pitchFamily="34" charset="0"/>
+                        </a:rPr>
+                        <a:t>-het;</a:t>
+                      </a:r>
+                    </a:p>
+                    <a:p>
+                      <a:pPr algn="ctr" fontAlgn="ctr"/>
+                      <a:r>
+                        <a:rPr lang="en-US" sz="1800" b="0" i="1" u="none" strike="noStrike" dirty="0">
+                          <a:solidFill>
+                            <a:srgbClr val="000000"/>
+                          </a:solidFill>
+                          <a:effectLst/>
+                          <a:latin typeface="Calibri" panose="020F0502020204030204" pitchFamily="34" charset="0"/>
+                        </a:rPr>
+                        <a:t>nigra</a:t>
+                      </a:r>
+                      <a:r>
+                        <a:rPr lang="en-US" sz="1800" b="0" i="0" u="none" strike="noStrike" dirty="0">
+                          <a:solidFill>
+                            <a:srgbClr val="000000"/>
+                          </a:solidFill>
+                          <a:effectLst/>
+                          <a:latin typeface="Calibri" panose="020F0502020204030204" pitchFamily="34" charset="0"/>
+                        </a:rPr>
+                        <a:t>-het</a:t>
+                      </a:r>
+                    </a:p>
+                  </a:txBody>
+                  <a:tcPr marL="9245" marR="9245" marT="9245" marB="0" anchor="ctr">
+                    <a:lnL w="12700" cap="flat" cmpd="sng" algn="ctr">
+                      <a:solidFill>
+                        <a:schemeClr val="tx1"/>
+                      </a:solidFill>
+                      <a:prstDash val="solid"/>
+                      <a:round/>
+                      <a:headEnd type="none" w="med" len="med"/>
+                      <a:tailEnd type="none" w="med" len="med"/>
+                    </a:lnL>
+                    <a:lnR w="12700" cap="flat" cmpd="sng" algn="ctr">
+                      <a:solidFill>
+                        <a:schemeClr val="tx1"/>
+                      </a:solidFill>
+                      <a:prstDash val="solid"/>
+                      <a:round/>
+                      <a:headEnd type="none" w="med" len="med"/>
+                      <a:tailEnd type="none" w="med" len="med"/>
+                    </a:lnR>
+                    <a:lnT w="12700" cap="flat" cmpd="sng" algn="ctr">
+                      <a:solidFill>
+                        <a:schemeClr val="tx1"/>
+                      </a:solidFill>
+                      <a:prstDash val="solid"/>
+                      <a:round/>
+                      <a:headEnd type="none" w="med" len="med"/>
+                      <a:tailEnd type="none" w="med" len="med"/>
+                    </a:lnT>
+                  </a:tcPr>
+                </a:tc>
                 <a:tc rowSpan="2">
                   <a:txBody>
                     <a:bodyPr/>
@@ -4864,18 +6709,15 @@
                     <a:p>
                       <a:pPr algn="ctr" fontAlgn="ctr"/>
                       <a:r>
-                        <a:rPr lang="en-US" sz="1800" u="none" strike="noStrike" dirty="0">
+                        <a:rPr lang="en-US" sz="1800" b="0" i="0" u="none" strike="noStrike" dirty="0">
+                          <a:solidFill>
+                            <a:srgbClr val="000000"/>
+                          </a:solidFill>
                           <a:effectLst/>
+                          <a:latin typeface="Calibri" panose="020F0502020204030204" pitchFamily="34" charset="0"/>
                         </a:rPr>
                         <a:t>A</a:t>
                       </a:r>
-                      <a:endParaRPr lang="en-US" sz="1800" b="0" i="0" u="none" strike="noStrike" dirty="0">
-                        <a:solidFill>
-                          <a:srgbClr val="000000"/>
-                        </a:solidFill>
-                        <a:effectLst/>
-                        <a:latin typeface="Calibri" panose="020F0502020204030204" pitchFamily="34" charset="0"/>
-                      </a:endParaRPr>
                     </a:p>
                   </a:txBody>
                   <a:tcPr marL="9245" marR="9245" marT="9245" marB="0" anchor="ctr">
@@ -4906,9 +6748,9 @@
                       <a:headEnd type="none" w="med" len="med"/>
                       <a:tailEnd type="none" w="med" len="med"/>
                     </a:lnT>
-                    <a:lnB w="12700" cap="flat" cmpd="sng" algn="ctr">
-                      <a:solidFill>
-                        <a:schemeClr val="tx1"/>
+                    <a:lnB w="19050" cap="flat" cmpd="sng" algn="ctr">
+                      <a:solidFill>
+                        <a:srgbClr val="C00000"/>
                       </a:solidFill>
                       <a:prstDash val="solid"/>
                       <a:round/>
@@ -4963,15 +6805,721 @@
                       <a:headEnd type="none" w="med" len="med"/>
                       <a:tailEnd type="none" w="med" len="med"/>
                     </a:lnT>
+                    <a:lnB w="19050" cap="flat" cmpd="sng" algn="ctr">
+                      <a:solidFill>
+                        <a:srgbClr val="C00000"/>
+                      </a:solidFill>
+                      <a:prstDash val="solid"/>
+                      <a:round/>
+                      <a:headEnd type="none" w="med" len="med"/>
+                      <a:tailEnd type="none" w="med" len="med"/>
+                    </a:lnB>
+                  </a:tcPr>
+                </a:tc>
+                <a:tc rowSpan="2">
+                  <a:txBody>
+                    <a:bodyPr/>
+                    <a:lstStyle/>
+                    <a:p>
+                      <a:pPr algn="ctr" fontAlgn="ctr"/>
+                      <a:r>
+                        <a:rPr lang="en-US" sz="1800" b="0" i="0" u="none" strike="noStrike" dirty="0">
+                          <a:solidFill>
+                            <a:srgbClr val="000000"/>
+                          </a:solidFill>
+                          <a:effectLst/>
+                          <a:latin typeface="Calibri" panose="020F0502020204030204" pitchFamily="34" charset="0"/>
+                        </a:rPr>
+                        <a:t>A</a:t>
+                      </a:r>
+                    </a:p>
+                  </a:txBody>
+                  <a:tcPr marL="9245" marR="9245" marT="9245" marB="0" anchor="ctr">
+                    <a:lnL w="12700" cap="flat" cmpd="sng" algn="ctr">
+                      <a:solidFill>
+                        <a:schemeClr val="tx1"/>
+                      </a:solidFill>
+                      <a:prstDash val="solid"/>
+                      <a:round/>
+                      <a:headEnd type="none" w="med" len="med"/>
+                      <a:tailEnd type="none" w="med" len="med"/>
+                    </a:lnL>
+                    <a:lnR w="12700" cap="flat" cmpd="sng" algn="ctr">
+                      <a:solidFill>
+                        <a:schemeClr val="tx1"/>
+                      </a:solidFill>
+                      <a:prstDash val="solid"/>
+                      <a:round/>
+                      <a:headEnd type="none" w="med" len="med"/>
+                      <a:tailEnd type="none" w="med" len="med"/>
+                    </a:lnR>
+                    <a:lnT w="12700" cap="flat" cmpd="sng" algn="ctr">
+                      <a:solidFill>
+                        <a:schemeClr val="tx1"/>
+                      </a:solidFill>
+                      <a:prstDash val="solid"/>
+                      <a:round/>
+                      <a:headEnd type="none" w="med" len="med"/>
+                      <a:tailEnd type="none" w="med" len="med"/>
+                    </a:lnT>
+                    <a:lnB w="19050" cap="flat" cmpd="sng" algn="ctr">
+                      <a:solidFill>
+                        <a:srgbClr val="C00000"/>
+                      </a:solidFill>
+                      <a:prstDash val="solid"/>
+                      <a:round/>
+                      <a:headEnd type="none" w="med" len="med"/>
+                      <a:tailEnd type="none" w="med" len="med"/>
+                    </a:lnB>
+                  </a:tcPr>
+                </a:tc>
+                <a:tc rowSpan="2">
+                  <a:txBody>
+                    <a:bodyPr/>
+                    <a:lstStyle/>
+                    <a:p>
+                      <a:pPr algn="ctr" fontAlgn="ctr"/>
+                      <a:r>
+                        <a:rPr lang="en-US" sz="1800" b="0" i="0" u="none" strike="noStrike" dirty="0">
+                          <a:solidFill>
+                            <a:srgbClr val="000000"/>
+                          </a:solidFill>
+                          <a:effectLst/>
+                          <a:latin typeface="Calibri" panose="020F0502020204030204" pitchFamily="34" charset="0"/>
+                        </a:rPr>
+                        <a:t>G</a:t>
+                      </a:r>
+                    </a:p>
+                  </a:txBody>
+                  <a:tcPr marL="9245" marR="9245" marT="9245" marB="0" anchor="ctr">
+                    <a:lnL w="12700" cap="flat" cmpd="sng" algn="ctr">
+                      <a:solidFill>
+                        <a:schemeClr val="tx1"/>
+                      </a:solidFill>
+                      <a:prstDash val="solid"/>
+                      <a:round/>
+                      <a:headEnd type="none" w="med" len="med"/>
+                      <a:tailEnd type="none" w="med" len="med"/>
+                    </a:lnL>
+                    <a:lnR w="12700" cap="flat" cmpd="sng" algn="ctr">
+                      <a:solidFill>
+                        <a:schemeClr val="tx1"/>
+                      </a:solidFill>
+                      <a:prstDash val="solid"/>
+                      <a:round/>
+                      <a:headEnd type="none" w="med" len="med"/>
+                      <a:tailEnd type="none" w="med" len="med"/>
+                    </a:lnR>
+                    <a:lnT w="12700" cap="flat" cmpd="sng" algn="ctr">
+                      <a:solidFill>
+                        <a:schemeClr val="tx1"/>
+                      </a:solidFill>
+                      <a:prstDash val="solid"/>
+                      <a:round/>
+                      <a:headEnd type="none" w="med" len="med"/>
+                      <a:tailEnd type="none" w="med" len="med"/>
+                    </a:lnT>
+                    <a:lnB w="19050" cap="flat" cmpd="sng" algn="ctr">
+                      <a:solidFill>
+                        <a:srgbClr val="C00000"/>
+                      </a:solidFill>
+                      <a:prstDash val="solid"/>
+                      <a:round/>
+                      <a:headEnd type="none" w="med" len="med"/>
+                      <a:tailEnd type="none" w="med" len="med"/>
+                    </a:lnB>
+                  </a:tcPr>
+                </a:tc>
+                <a:tc>
+                  <a:txBody>
+                    <a:bodyPr/>
+                    <a:lstStyle/>
+                    <a:p>
+                      <a:pPr algn="ctr" fontAlgn="ctr"/>
+                      <a:r>
+                        <a:rPr lang="en-US" sz="1800" b="1" i="0" u="none" strike="noStrike" dirty="0">
+                          <a:solidFill>
+                            <a:srgbClr val="000000"/>
+                          </a:solidFill>
+                          <a:effectLst/>
+                          <a:latin typeface="Calibri" panose="020F0502020204030204" pitchFamily="34" charset="0"/>
+                        </a:rPr>
+                        <a:t>AA, AG, GG</a:t>
+                      </a:r>
+                    </a:p>
+                  </a:txBody>
+                  <a:tcPr marL="9245" marR="9245" marT="9245" marB="0" anchor="ctr">
+                    <a:lnL w="12700" cap="flat" cmpd="sng" algn="ctr">
+                      <a:solidFill>
+                        <a:schemeClr val="tx1"/>
+                      </a:solidFill>
+                      <a:prstDash val="solid"/>
+                      <a:round/>
+                      <a:headEnd type="none" w="med" len="med"/>
+                      <a:tailEnd type="none" w="med" len="med"/>
+                    </a:lnL>
+                    <a:lnR w="12700" cap="flat" cmpd="sng" algn="ctr">
+                      <a:solidFill>
+                        <a:schemeClr val="tx1"/>
+                      </a:solidFill>
+                      <a:prstDash val="solid"/>
+                      <a:round/>
+                      <a:headEnd type="none" w="med" len="med"/>
+                      <a:tailEnd type="none" w="med" len="med"/>
+                    </a:lnR>
+                    <a:lnT w="12700" cap="flat" cmpd="sng" algn="ctr">
+                      <a:solidFill>
+                        <a:schemeClr val="tx1"/>
+                      </a:solidFill>
+                      <a:prstDash val="solid"/>
+                      <a:round/>
+                      <a:headEnd type="none" w="med" len="med"/>
+                      <a:tailEnd type="none" w="med" len="med"/>
+                    </a:lnT>
                     <a:lnB w="12700" cap="flat" cmpd="sng" algn="ctr">
-                      <a:solidFill>
-                        <a:schemeClr val="tx1"/>
-                      </a:solidFill>
+                      <a:noFill/>
                       <a:prstDash val="solid"/>
                       <a:round/>
                       <a:headEnd type="none" w="med" len="med"/>
                       <a:tailEnd type="none" w="med" len="med"/>
                     </a:lnB>
+                    <a:lnTlToBr w="12700" cmpd="sng">
+                      <a:noFill/>
+                      <a:prstDash val="solid"/>
+                    </a:lnTlToBr>
+                    <a:lnBlToTr w="12700" cmpd="sng">
+                      <a:noFill/>
+                      <a:prstDash val="solid"/>
+                    </a:lnBlToTr>
+                  </a:tcPr>
+                </a:tc>
+                <a:extLst>
+                  <a:ext uri="{0D108BD9-81ED-4DB2-BD59-A6C34878D82A}">
+                    <a16:rowId xmlns:a16="http://schemas.microsoft.com/office/drawing/2014/main" val="1751973666"/>
+                  </a:ext>
+                </a:extLst>
+              </a:tr>
+              <a:tr h="692186">
+                <a:tc vMerge="1">
+                  <a:txBody>
+                    <a:bodyPr/>
+                    <a:lstStyle/>
+                    <a:p>
+                      <a:pPr algn="ctr" fontAlgn="ctr"/>
+                      <a:endParaRPr lang="en-US" sz="1800" b="0" i="0" u="none" strike="noStrike" dirty="0">
+                        <a:solidFill>
+                          <a:srgbClr val="000000"/>
+                        </a:solidFill>
+                        <a:effectLst/>
+                        <a:latin typeface="Calibri" panose="020F0502020204030204" pitchFamily="34" charset="0"/>
+                      </a:endParaRPr>
+                    </a:p>
+                  </a:txBody>
+                  <a:tcPr marL="9245" marR="9245" marT="9245" marB="0" anchor="ctr">
+                    <a:lnL w="12700" cap="flat" cmpd="sng" algn="ctr">
+                      <a:solidFill>
+                        <a:schemeClr val="tx1"/>
+                      </a:solidFill>
+                      <a:prstDash val="solid"/>
+                      <a:round/>
+                      <a:headEnd type="none" w="med" len="med"/>
+                      <a:tailEnd type="none" w="med" len="med"/>
+                    </a:lnL>
+                    <a:lnR w="12700" cap="flat" cmpd="sng" algn="ctr">
+                      <a:solidFill>
+                        <a:schemeClr val="tx1"/>
+                      </a:solidFill>
+                      <a:prstDash val="solid"/>
+                      <a:round/>
+                      <a:headEnd type="none" w="med" len="med"/>
+                      <a:tailEnd type="none" w="med" len="med"/>
+                    </a:lnR>
+                    <a:lnT w="12700" cap="flat" cmpd="sng" algn="ctr">
+                      <a:solidFill>
+                        <a:schemeClr val="tx1"/>
+                      </a:solidFill>
+                      <a:prstDash val="solid"/>
+                      <a:round/>
+                      <a:headEnd type="none" w="med" len="med"/>
+                      <a:tailEnd type="none" w="med" len="med"/>
+                    </a:lnT>
+                    <a:lnB w="12700" cap="flat" cmpd="sng" algn="ctr">
+                      <a:solidFill>
+                        <a:schemeClr val="tx1"/>
+                      </a:solidFill>
+                      <a:prstDash val="solid"/>
+                      <a:round/>
+                      <a:headEnd type="none" w="med" len="med"/>
+                      <a:tailEnd type="none" w="med" len="med"/>
+                    </a:lnB>
+                  </a:tcPr>
+                </a:tc>
+                <a:tc vMerge="1">
+                  <a:txBody>
+                    <a:bodyPr/>
+                    <a:lstStyle/>
+                    <a:p>
+                      <a:pPr algn="ctr" fontAlgn="ctr"/>
+                      <a:endParaRPr lang="en-US" sz="1800" b="0" i="0" u="none" strike="noStrike" dirty="0">
+                        <a:solidFill>
+                          <a:srgbClr val="000000"/>
+                        </a:solidFill>
+                        <a:effectLst/>
+                        <a:latin typeface="Calibri" panose="020F0502020204030204" pitchFamily="34" charset="0"/>
+                      </a:endParaRPr>
+                    </a:p>
+                  </a:txBody>
+                  <a:tcPr marL="9245" marR="9245" marT="9245" marB="0" anchor="ctr">
+                    <a:lnL w="12700" cap="flat" cmpd="sng" algn="ctr">
+                      <a:solidFill>
+                        <a:schemeClr val="tx1"/>
+                      </a:solidFill>
+                      <a:prstDash val="solid"/>
+                      <a:round/>
+                      <a:headEnd type="none" w="med" len="med"/>
+                      <a:tailEnd type="none" w="med" len="med"/>
+                    </a:lnL>
+                    <a:lnR w="12700" cap="flat" cmpd="sng" algn="ctr">
+                      <a:solidFill>
+                        <a:schemeClr val="tx1"/>
+                      </a:solidFill>
+                      <a:prstDash val="solid"/>
+                      <a:round/>
+                      <a:headEnd type="none" w="med" len="med"/>
+                      <a:tailEnd type="none" w="med" len="med"/>
+                    </a:lnR>
+                    <a:lnT w="12700" cap="flat" cmpd="sng" algn="ctr">
+                      <a:solidFill>
+                        <a:schemeClr val="tx1"/>
+                      </a:solidFill>
+                      <a:prstDash val="solid"/>
+                      <a:round/>
+                      <a:headEnd type="none" w="med" len="med"/>
+                      <a:tailEnd type="none" w="med" len="med"/>
+                    </a:lnT>
+                    <a:lnB w="12700" cap="flat" cmpd="sng" algn="ctr">
+                      <a:solidFill>
+                        <a:schemeClr val="tx1"/>
+                      </a:solidFill>
+                      <a:prstDash val="solid"/>
+                      <a:round/>
+                      <a:headEnd type="none" w="med" len="med"/>
+                      <a:tailEnd type="none" w="med" len="med"/>
+                    </a:lnB>
+                  </a:tcPr>
+                </a:tc>
+                <a:tc vMerge="1">
+                  <a:txBody>
+                    <a:bodyPr/>
+                    <a:lstStyle/>
+                    <a:p>
+                      <a:pPr algn="ctr" fontAlgn="ctr"/>
+                      <a:endParaRPr lang="en-US" sz="1800" b="0" i="0" u="none" strike="noStrike" dirty="0">
+                        <a:solidFill>
+                          <a:srgbClr val="000000"/>
+                        </a:solidFill>
+                        <a:effectLst/>
+                        <a:latin typeface="Calibri" panose="020F0502020204030204" pitchFamily="34" charset="0"/>
+                      </a:endParaRPr>
+                    </a:p>
+                  </a:txBody>
+                  <a:tcPr marL="9245" marR="9245" marT="9245" marB="0" anchor="ctr">
+                    <a:lnL w="12700" cap="flat" cmpd="sng" algn="ctr">
+                      <a:solidFill>
+                        <a:schemeClr val="tx1"/>
+                      </a:solidFill>
+                      <a:prstDash val="solid"/>
+                      <a:round/>
+                      <a:headEnd type="none" w="med" len="med"/>
+                      <a:tailEnd type="none" w="med" len="med"/>
+                    </a:lnL>
+                    <a:lnR w="12700" cap="flat" cmpd="sng" algn="ctr">
+                      <a:solidFill>
+                        <a:schemeClr val="tx1"/>
+                      </a:solidFill>
+                      <a:prstDash val="solid"/>
+                      <a:round/>
+                      <a:headEnd type="none" w="med" len="med"/>
+                      <a:tailEnd type="none" w="med" len="med"/>
+                    </a:lnR>
+                    <a:lnT w="12700" cap="flat" cmpd="sng" algn="ctr">
+                      <a:solidFill>
+                        <a:schemeClr val="tx1"/>
+                      </a:solidFill>
+                      <a:prstDash val="solid"/>
+                      <a:round/>
+                      <a:headEnd type="none" w="med" len="med"/>
+                      <a:tailEnd type="none" w="med" len="med"/>
+                    </a:lnT>
+                    <a:lnB w="12700" cap="flat" cmpd="sng" algn="ctr">
+                      <a:solidFill>
+                        <a:schemeClr val="tx1"/>
+                      </a:solidFill>
+                      <a:prstDash val="solid"/>
+                      <a:round/>
+                      <a:headEnd type="none" w="med" len="med"/>
+                      <a:tailEnd type="none" w="med" len="med"/>
+                    </a:lnB>
+                  </a:tcPr>
+                </a:tc>
+                <a:tc vMerge="1">
+                  <a:txBody>
+                    <a:bodyPr/>
+                    <a:lstStyle/>
+                    <a:p>
+                      <a:pPr algn="ctr" fontAlgn="ctr"/>
+                      <a:endParaRPr lang="en-US" sz="1800" b="0" i="0" u="none" strike="noStrike" dirty="0">
+                        <a:solidFill>
+                          <a:srgbClr val="000000"/>
+                        </a:solidFill>
+                        <a:effectLst/>
+                        <a:latin typeface="Calibri" panose="020F0502020204030204" pitchFamily="34" charset="0"/>
+                      </a:endParaRPr>
+                    </a:p>
+                  </a:txBody>
+                  <a:tcPr marL="9245" marR="9245" marT="9245" marB="0" anchor="ctr">
+                    <a:lnL w="12700" cap="flat" cmpd="sng" algn="ctr">
+                      <a:solidFill>
+                        <a:schemeClr val="tx1"/>
+                      </a:solidFill>
+                      <a:prstDash val="solid"/>
+                      <a:round/>
+                      <a:headEnd type="none" w="med" len="med"/>
+                      <a:tailEnd type="none" w="med" len="med"/>
+                    </a:lnL>
+                    <a:lnR w="12700" cap="flat" cmpd="sng" algn="ctr">
+                      <a:solidFill>
+                        <a:schemeClr val="tx1"/>
+                      </a:solidFill>
+                      <a:prstDash val="solid"/>
+                      <a:round/>
+                      <a:headEnd type="none" w="med" len="med"/>
+                      <a:tailEnd type="none" w="med" len="med"/>
+                    </a:lnR>
+                    <a:lnT w="12700" cap="flat" cmpd="sng" algn="ctr">
+                      <a:solidFill>
+                        <a:schemeClr val="tx1"/>
+                      </a:solidFill>
+                      <a:prstDash val="solid"/>
+                      <a:round/>
+                      <a:headEnd type="none" w="med" len="med"/>
+                      <a:tailEnd type="none" w="med" len="med"/>
+                    </a:lnT>
+                    <a:lnB w="12700" cap="flat" cmpd="sng" algn="ctr">
+                      <a:solidFill>
+                        <a:schemeClr val="tx1"/>
+                      </a:solidFill>
+                      <a:prstDash val="solid"/>
+                      <a:round/>
+                      <a:headEnd type="none" w="med" len="med"/>
+                      <a:tailEnd type="none" w="med" len="med"/>
+                    </a:lnB>
+                  </a:tcPr>
+                </a:tc>
+                <a:tc vMerge="1">
+                  <a:txBody>
+                    <a:bodyPr/>
+                    <a:lstStyle/>
+                    <a:p>
+                      <a:pPr algn="ctr" fontAlgn="ctr"/>
+                      <a:endParaRPr lang="en-US" sz="1800" b="0" i="0" u="none" strike="noStrike" dirty="0">
+                        <a:solidFill>
+                          <a:srgbClr val="000000"/>
+                        </a:solidFill>
+                        <a:effectLst/>
+                        <a:latin typeface="Calibri" panose="020F0502020204030204" pitchFamily="34" charset="0"/>
+                      </a:endParaRPr>
+                    </a:p>
+                  </a:txBody>
+                  <a:tcPr marL="9245" marR="9245" marT="9245" marB="0" anchor="ctr">
+                    <a:lnL w="12700" cap="flat" cmpd="sng" algn="ctr">
+                      <a:solidFill>
+                        <a:schemeClr val="tx1"/>
+                      </a:solidFill>
+                      <a:prstDash val="solid"/>
+                      <a:round/>
+                      <a:headEnd type="none" w="med" len="med"/>
+                      <a:tailEnd type="none" w="med" len="med"/>
+                    </a:lnL>
+                    <a:lnR w="12700" cap="flat" cmpd="sng" algn="ctr">
+                      <a:solidFill>
+                        <a:schemeClr val="tx1"/>
+                      </a:solidFill>
+                      <a:prstDash val="solid"/>
+                      <a:round/>
+                      <a:headEnd type="none" w="med" len="med"/>
+                      <a:tailEnd type="none" w="med" len="med"/>
+                    </a:lnR>
+                    <a:lnT w="12700" cap="flat" cmpd="sng" algn="ctr">
+                      <a:solidFill>
+                        <a:schemeClr val="tx1"/>
+                      </a:solidFill>
+                      <a:prstDash val="solid"/>
+                      <a:round/>
+                      <a:headEnd type="none" w="med" len="med"/>
+                      <a:tailEnd type="none" w="med" len="med"/>
+                    </a:lnT>
+                    <a:lnB w="12700" cap="flat" cmpd="sng" algn="ctr">
+                      <a:solidFill>
+                        <a:schemeClr val="tx1"/>
+                      </a:solidFill>
+                      <a:prstDash val="solid"/>
+                      <a:round/>
+                      <a:headEnd type="none" w="med" len="med"/>
+                      <a:tailEnd type="none" w="med" len="med"/>
+                    </a:lnB>
+                  </a:tcPr>
+                </a:tc>
+                <a:tc>
+                  <a:txBody>
+                    <a:bodyPr/>
+                    <a:lstStyle/>
+                    <a:p>
+                      <a:pPr algn="ctr" fontAlgn="ctr"/>
+                      <a:endParaRPr lang="en-US" sz="1800" b="1" i="0" u="none" strike="noStrike" dirty="0">
+                        <a:solidFill>
+                          <a:srgbClr val="000000"/>
+                        </a:solidFill>
+                        <a:effectLst/>
+                        <a:latin typeface="Calibri" panose="020F0502020204030204" pitchFamily="34" charset="0"/>
+                      </a:endParaRPr>
+                    </a:p>
+                  </a:txBody>
+                  <a:tcPr marL="9245" marR="9245" marT="9245" marB="0" anchor="ctr">
+                    <a:lnL w="12700" cap="flat" cmpd="sng" algn="ctr">
+                      <a:solidFill>
+                        <a:schemeClr val="tx1"/>
+                      </a:solidFill>
+                      <a:prstDash val="solid"/>
+                      <a:round/>
+                      <a:headEnd type="none" w="med" len="med"/>
+                      <a:tailEnd type="none" w="med" len="med"/>
+                    </a:lnL>
+                    <a:lnR w="12700" cap="flat" cmpd="sng" algn="ctr">
+                      <a:solidFill>
+                        <a:schemeClr val="tx1"/>
+                      </a:solidFill>
+                      <a:prstDash val="solid"/>
+                      <a:round/>
+                      <a:headEnd type="none" w="med" len="med"/>
+                      <a:tailEnd type="none" w="med" len="med"/>
+                    </a:lnR>
+                    <a:lnT w="12700" cap="flat" cmpd="sng" algn="ctr">
+                      <a:noFill/>
+                      <a:prstDash val="solid"/>
+                      <a:round/>
+                      <a:headEnd type="none" w="med" len="med"/>
+                      <a:tailEnd type="none" w="med" len="med"/>
+                    </a:lnT>
+                    <a:lnB w="19050" cap="flat" cmpd="sng" algn="ctr">
+                      <a:solidFill>
+                        <a:srgbClr val="C00000"/>
+                      </a:solidFill>
+                      <a:prstDash val="solid"/>
+                      <a:round/>
+                      <a:headEnd type="none" w="med" len="med"/>
+                      <a:tailEnd type="none" w="med" len="med"/>
+                    </a:lnB>
+                    <a:lnTlToBr w="12700" cmpd="sng">
+                      <a:noFill/>
+                      <a:prstDash val="solid"/>
+                    </a:lnTlToBr>
+                    <a:lnBlToTr w="12700" cmpd="sng">
+                      <a:noFill/>
+                      <a:prstDash val="solid"/>
+                    </a:lnBlToTr>
+                  </a:tcPr>
+                </a:tc>
+                <a:extLst>
+                  <a:ext uri="{0D108BD9-81ED-4DB2-BD59-A6C34878D82A}">
+                    <a16:rowId xmlns:a16="http://schemas.microsoft.com/office/drawing/2014/main" val="1815121150"/>
+                  </a:ext>
+                </a:extLst>
+              </a:tr>
+              <a:tr h="295127">
+                <a:tc vMerge="1">
+                  <a:txBody>
+                    <a:bodyPr/>
+                    <a:lstStyle/>
+                    <a:p>
+                      <a:pPr algn="ctr" fontAlgn="ctr"/>
+                      <a:r>
+                        <a:rPr lang="en-US" sz="1800" b="0" i="0" u="none" strike="noStrike" dirty="0" err="1">
+                          <a:solidFill>
+                            <a:srgbClr val="000000"/>
+                          </a:solidFill>
+                          <a:effectLst/>
+                          <a:latin typeface="Calibri" panose="020F0502020204030204" pitchFamily="34" charset="0"/>
+                        </a:rPr>
+                        <a:t>deltoides</a:t>
+                      </a:r>
+                      <a:r>
+                        <a:rPr lang="en-US" sz="1800" b="0" i="0" u="none" strike="noStrike" dirty="0">
+                          <a:solidFill>
+                            <a:srgbClr val="000000"/>
+                          </a:solidFill>
+                          <a:effectLst/>
+                          <a:latin typeface="Calibri" panose="020F0502020204030204" pitchFamily="34" charset="0"/>
+                        </a:rPr>
+                        <a:t>-het;</a:t>
+                      </a:r>
+                    </a:p>
+                    <a:p>
+                      <a:pPr algn="ctr" fontAlgn="ctr"/>
+                      <a:r>
+                        <a:rPr lang="en-US" sz="1800" b="0" i="0" u="none" strike="noStrike" dirty="0">
+                          <a:solidFill>
+                            <a:srgbClr val="000000"/>
+                          </a:solidFill>
+                          <a:effectLst/>
+                          <a:latin typeface="Calibri" panose="020F0502020204030204" pitchFamily="34" charset="0"/>
+                        </a:rPr>
+                        <a:t>nigra-het</a:t>
+                      </a:r>
+                    </a:p>
+                  </a:txBody>
+                  <a:tcPr marL="9245" marR="9245" marT="9245" marB="0" anchor="ctr">
+                    <a:lnL w="12700" cap="flat" cmpd="sng" algn="ctr">
+                      <a:solidFill>
+                        <a:schemeClr val="tx1"/>
+                      </a:solidFill>
+                      <a:prstDash val="solid"/>
+                      <a:round/>
+                      <a:headEnd type="none" w="med" len="med"/>
+                      <a:tailEnd type="none" w="med" len="med"/>
+                    </a:lnL>
+                    <a:lnT w="12700" cap="flat" cmpd="sng" algn="ctr">
+                      <a:solidFill>
+                        <a:schemeClr val="tx1"/>
+                      </a:solidFill>
+                      <a:prstDash val="solid"/>
+                      <a:round/>
+                      <a:headEnd type="none" w="med" len="med"/>
+                      <a:tailEnd type="none" w="med" len="med"/>
+                    </a:lnT>
+                  </a:tcPr>
+                </a:tc>
+                <a:tc rowSpan="2">
+                  <a:txBody>
+                    <a:bodyPr/>
+                    <a:lstStyle/>
+                    <a:p>
+                      <a:pPr algn="ctr" fontAlgn="ctr"/>
+                      <a:r>
+                        <a:rPr lang="en-US" sz="1800" u="none" strike="noStrike" dirty="0">
+                          <a:effectLst/>
+                        </a:rPr>
+                        <a:t>A</a:t>
+                      </a:r>
+                      <a:endParaRPr lang="en-US" sz="1800" b="0" i="0" u="none" strike="noStrike" dirty="0">
+                        <a:solidFill>
+                          <a:srgbClr val="000000"/>
+                        </a:solidFill>
+                        <a:effectLst/>
+                        <a:latin typeface="Calibri" panose="020F0502020204030204" pitchFamily="34" charset="0"/>
+                      </a:endParaRPr>
+                    </a:p>
+                  </a:txBody>
+                  <a:tcPr marL="9245" marR="9245" marT="9245" marB="0" anchor="ctr">
+                    <a:lnL w="19050" cap="flat" cmpd="sng" algn="ctr">
+                      <a:solidFill>
+                        <a:srgbClr val="C00000"/>
+                      </a:solidFill>
+                      <a:prstDash val="solid"/>
+                      <a:round/>
+                      <a:headEnd type="none" w="med" len="med"/>
+                      <a:tailEnd type="none" w="med" len="med"/>
+                    </a:lnL>
+                    <a:lnR w="12700" cap="flat" cmpd="sng" algn="ctr">
+                      <a:solidFill>
+                        <a:schemeClr val="tx1"/>
+                      </a:solidFill>
+                      <a:prstDash val="solid"/>
+                      <a:round/>
+                      <a:headEnd type="none" w="med" len="med"/>
+                      <a:tailEnd type="none" w="med" len="med"/>
+                    </a:lnR>
+                    <a:lnT w="19050" cap="flat" cmpd="sng" algn="ctr">
+                      <a:solidFill>
+                        <a:srgbClr val="C00000"/>
+                      </a:solidFill>
+                      <a:prstDash val="solid"/>
+                      <a:round/>
+                      <a:headEnd type="none" w="med" len="med"/>
+                      <a:tailEnd type="none" w="med" len="med"/>
+                    </a:lnT>
+                    <a:lnB w="19050" cap="flat" cmpd="sng" algn="ctr">
+                      <a:solidFill>
+                        <a:srgbClr val="C00000"/>
+                      </a:solidFill>
+                      <a:prstDash val="solid"/>
+                      <a:round/>
+                      <a:headEnd type="none" w="med" len="med"/>
+                      <a:tailEnd type="none" w="med" len="med"/>
+                    </a:lnB>
+                    <a:solidFill>
+                      <a:schemeClr val="bg2"/>
+                    </a:solidFill>
+                  </a:tcPr>
+                </a:tc>
+                <a:tc rowSpan="2">
+                  <a:txBody>
+                    <a:bodyPr/>
+                    <a:lstStyle/>
+                    <a:p>
+                      <a:pPr algn="ctr" fontAlgn="ctr"/>
+                      <a:r>
+                        <a:rPr lang="en-US" sz="1800" b="0" i="0" u="none" strike="noStrike" dirty="0">
+                          <a:solidFill>
+                            <a:srgbClr val="000000"/>
+                          </a:solidFill>
+                          <a:effectLst/>
+                          <a:latin typeface="Calibri" panose="020F0502020204030204" pitchFamily="34" charset="0"/>
+                        </a:rPr>
+                        <a:t>G</a:t>
+                      </a:r>
+                    </a:p>
+                  </a:txBody>
+                  <a:tcPr marL="9245" marR="9245" marT="9245" marB="0" anchor="ctr">
+                    <a:lnL w="12700" cap="flat" cmpd="sng" algn="ctr">
+                      <a:solidFill>
+                        <a:schemeClr val="tx1"/>
+                      </a:solidFill>
+                      <a:prstDash val="solid"/>
+                      <a:round/>
+                      <a:headEnd type="none" w="med" len="med"/>
+                      <a:tailEnd type="none" w="med" len="med"/>
+                    </a:lnL>
+                    <a:lnR w="12700" cap="flat" cmpd="sng" algn="ctr">
+                      <a:solidFill>
+                        <a:schemeClr val="tx1"/>
+                      </a:solidFill>
+                      <a:prstDash val="solid"/>
+                      <a:round/>
+                      <a:headEnd type="none" w="med" len="med"/>
+                      <a:tailEnd type="none" w="med" len="med"/>
+                    </a:lnR>
+                    <a:lnT w="19050" cap="flat" cmpd="sng" algn="ctr">
+                      <a:solidFill>
+                        <a:srgbClr val="C00000"/>
+                      </a:solidFill>
+                      <a:prstDash val="solid"/>
+                      <a:round/>
+                      <a:headEnd type="none" w="med" len="med"/>
+                      <a:tailEnd type="none" w="med" len="med"/>
+                    </a:lnT>
+                    <a:lnB w="19050" cap="flat" cmpd="sng" algn="ctr">
+                      <a:solidFill>
+                        <a:srgbClr val="C00000"/>
+                      </a:solidFill>
+                      <a:prstDash val="solid"/>
+                      <a:round/>
+                      <a:headEnd type="none" w="med" len="med"/>
+                      <a:tailEnd type="none" w="med" len="med"/>
+                    </a:lnB>
+                    <a:solidFill>
+                      <a:schemeClr val="bg2"/>
+                    </a:solidFill>
                   </a:tcPr>
                 </a:tc>
                 <a:tc rowSpan="2">
@@ -5014,24 +7562,27 @@
                       <a:headEnd type="none" w="med" len="med"/>
                       <a:tailEnd type="none" w="med" len="med"/>
                     </a:lnR>
-                    <a:lnT w="12700" cap="flat" cmpd="sng" algn="ctr">
-                      <a:solidFill>
-                        <a:schemeClr val="tx1"/>
+                    <a:lnT w="19050" cap="flat" cmpd="sng" algn="ctr">
+                      <a:solidFill>
+                        <a:srgbClr val="C00000"/>
                       </a:solidFill>
                       <a:prstDash val="solid"/>
                       <a:round/>
                       <a:headEnd type="none" w="med" len="med"/>
                       <a:tailEnd type="none" w="med" len="med"/>
                     </a:lnT>
-                    <a:lnB w="12700" cap="flat" cmpd="sng" algn="ctr">
-                      <a:solidFill>
-                        <a:schemeClr val="tx1"/>
+                    <a:lnB w="19050" cap="flat" cmpd="sng" algn="ctr">
+                      <a:solidFill>
+                        <a:srgbClr val="C00000"/>
                       </a:solidFill>
                       <a:prstDash val="solid"/>
                       <a:round/>
                       <a:headEnd type="none" w="med" len="med"/>
                       <a:tailEnd type="none" w="med" len="med"/>
                     </a:lnB>
+                    <a:solidFill>
+                      <a:schemeClr val="bg2"/>
+                    </a:solidFill>
                   </a:tcPr>
                 </a:tc>
                 <a:tc rowSpan="2">
@@ -5071,24 +7622,27 @@
                       <a:headEnd type="none" w="med" len="med"/>
                       <a:tailEnd type="none" w="med" len="med"/>
                     </a:lnR>
-                    <a:lnT w="12700" cap="flat" cmpd="sng" algn="ctr">
-                      <a:solidFill>
-                        <a:schemeClr val="tx1"/>
+                    <a:lnT w="19050" cap="flat" cmpd="sng" algn="ctr">
+                      <a:solidFill>
+                        <a:srgbClr val="C00000"/>
                       </a:solidFill>
                       <a:prstDash val="solid"/>
                       <a:round/>
                       <a:headEnd type="none" w="med" len="med"/>
                       <a:tailEnd type="none" w="med" len="med"/>
                     </a:lnT>
-                    <a:lnB w="12700" cap="flat" cmpd="sng" algn="ctr">
-                      <a:solidFill>
-                        <a:schemeClr val="tx1"/>
+                    <a:lnB w="19050" cap="flat" cmpd="sng" algn="ctr">
+                      <a:solidFill>
+                        <a:srgbClr val="C00000"/>
                       </a:solidFill>
                       <a:prstDash val="solid"/>
                       <a:round/>
                       <a:headEnd type="none" w="med" len="med"/>
                       <a:tailEnd type="none" w="med" len="med"/>
                     </a:lnB>
+                    <a:solidFill>
+                      <a:schemeClr val="bg2"/>
+                    </a:solidFill>
                   </a:tcPr>
                 </a:tc>
                 <a:tc>
@@ -5122,18 +7676,18 @@
                       <a:headEnd type="none" w="med" len="med"/>
                       <a:tailEnd type="none" w="med" len="med"/>
                     </a:lnL>
-                    <a:lnR w="12700" cap="flat" cmpd="sng" algn="ctr">
-                      <a:solidFill>
-                        <a:schemeClr val="tx1"/>
+                    <a:lnR w="19050" cap="flat" cmpd="sng" algn="ctr">
+                      <a:solidFill>
+                        <a:srgbClr val="C00000"/>
                       </a:solidFill>
                       <a:prstDash val="solid"/>
                       <a:round/>
                       <a:headEnd type="none" w="med" len="med"/>
                       <a:tailEnd type="none" w="med" len="med"/>
                     </a:lnR>
-                    <a:lnT w="12700" cap="flat" cmpd="sng" algn="ctr">
-                      <a:solidFill>
-                        <a:schemeClr val="tx1"/>
+                    <a:lnT w="19050" cap="flat" cmpd="sng" algn="ctr">
+                      <a:solidFill>
+                        <a:srgbClr val="C00000"/>
                       </a:solidFill>
                       <a:prstDash val="solid"/>
                       <a:round/>
@@ -5155,6 +7709,9 @@
                       <a:noFill/>
                       <a:prstDash val="solid"/>
                     </a:lnBlToTr>
+                    <a:solidFill>
+                      <a:schemeClr val="bg2"/>
+                    </a:solidFill>
                   </a:tcPr>
                 </a:tc>
                 <a:extLst>
@@ -5164,6 +7721,16 @@
                 </a:extLst>
               </a:tr>
               <a:tr h="674440">
+                <a:tc vMerge="1">
+                  <a:txBody>
+                    <a:bodyPr/>
+                    <a:lstStyle/>
+                    <a:p>
+                      <a:endParaRPr lang="en-US"/>
+                    </a:p>
+                  </a:txBody>
+                  <a:tcPr/>
+                </a:tc>
                 <a:tc vMerge="1">
                   <a:txBody>
                     <a:bodyPr/>
@@ -5229,9 +7796,9 @@
                       <a:headEnd type="none" w="med" len="med"/>
                       <a:tailEnd type="none" w="med" len="med"/>
                     </a:lnL>
-                    <a:lnR w="12700" cap="flat" cmpd="sng" algn="ctr">
-                      <a:solidFill>
-                        <a:schemeClr val="tx1"/>
+                    <a:lnR w="19050" cap="flat" cmpd="sng" algn="ctr">
+                      <a:solidFill>
+                        <a:srgbClr val="C00000"/>
                       </a:solidFill>
                       <a:prstDash val="solid"/>
                       <a:round/>
@@ -5245,9 +7812,9 @@
                       <a:headEnd type="none" w="med" len="med"/>
                       <a:tailEnd type="none" w="med" len="med"/>
                     </a:lnT>
-                    <a:lnB w="12700" cap="flat" cmpd="sng" algn="ctr">
-                      <a:solidFill>
-                        <a:schemeClr val="tx1"/>
+                    <a:lnB w="19050" cap="flat" cmpd="sng" algn="ctr">
+                      <a:solidFill>
+                        <a:srgbClr val="C00000"/>
                       </a:solidFill>
                       <a:prstDash val="solid"/>
                       <a:round/>
@@ -5262,6 +7829,9 @@
                       <a:noFill/>
                       <a:prstDash val="solid"/>
                     </a:lnBlToTr>
+                    <a:solidFill>
+                      <a:schemeClr val="bg2"/>
+                    </a:solidFill>
                   </a:tcPr>
                 </a:tc>
                 <a:extLst>
@@ -5271,6 +7841,60 @@
                 </a:extLst>
               </a:tr>
               <a:tr h="295127">
+                <a:tc vMerge="1">
+                  <a:txBody>
+                    <a:bodyPr/>
+                    <a:lstStyle/>
+                    <a:p>
+                      <a:pPr algn="ctr" fontAlgn="ctr"/>
+                      <a:endParaRPr lang="en-US" sz="1800" b="0" i="0" u="none" strike="noStrike" dirty="0">
+                        <a:solidFill>
+                          <a:srgbClr val="000000"/>
+                        </a:solidFill>
+                        <a:effectLst/>
+                        <a:latin typeface="Calibri" panose="020F0502020204030204" pitchFamily="34" charset="0"/>
+                      </a:endParaRPr>
+                    </a:p>
+                  </a:txBody>
+                  <a:tcPr marL="9245" marR="9245" marT="9245" marB="0" anchor="ctr">
+                    <a:lnL w="12700" cap="flat" cmpd="sng" algn="ctr">
+                      <a:solidFill>
+                        <a:schemeClr val="tx1"/>
+                      </a:solidFill>
+                      <a:prstDash val="solid"/>
+                      <a:round/>
+                      <a:headEnd type="none" w="med" len="med"/>
+                      <a:tailEnd type="none" w="med" len="med"/>
+                    </a:lnL>
+                    <a:lnR w="12700" cap="flat" cmpd="sng" algn="ctr">
+                      <a:solidFill>
+                        <a:schemeClr val="tx1"/>
+                      </a:solidFill>
+                      <a:prstDash val="solid"/>
+                      <a:round/>
+                      <a:headEnd type="none" w="med" len="med"/>
+                      <a:tailEnd type="none" w="med" len="med"/>
+                    </a:lnR>
+                    <a:lnT w="12700" cap="flat" cmpd="sng" algn="ctr">
+                      <a:solidFill>
+                        <a:schemeClr val="tx1"/>
+                      </a:solidFill>
+                      <a:prstDash val="solid"/>
+                      <a:round/>
+                      <a:headEnd type="none" w="med" len="med"/>
+                      <a:tailEnd type="none" w="med" len="med"/>
+                    </a:lnT>
+                    <a:lnB w="12700" cap="flat" cmpd="sng" algn="ctr">
+                      <a:solidFill>
+                        <a:schemeClr val="tx1"/>
+                      </a:solidFill>
+                      <a:prstDash val="solid"/>
+                      <a:round/>
+                      <a:headEnd type="none" w="med" len="med"/>
+                      <a:tailEnd type="none" w="med" len="med"/>
+                    </a:lnB>
+                  </a:tcPr>
+                </a:tc>
                 <a:tc rowSpan="2">
                   <a:txBody>
                     <a:bodyPr/>
@@ -5290,9 +7914,9 @@
                     </a:p>
                   </a:txBody>
                   <a:tcPr marL="9245" marR="9245" marT="9245" marB="0" anchor="ctr">
-                    <a:lnL w="12700" cap="flat" cmpd="sng" algn="ctr">
-                      <a:solidFill>
-                        <a:schemeClr val="tx1"/>
+                    <a:lnL w="19050" cap="flat" cmpd="sng" algn="ctr">
+                      <a:solidFill>
+                        <a:srgbClr val="C00000"/>
                       </a:solidFill>
                       <a:prstDash val="solid"/>
                       <a:round/>
@@ -5308,24 +7932,27 @@
                       <a:headEnd type="none" w="med" len="med"/>
                       <a:tailEnd type="none" w="med" len="med"/>
                     </a:lnR>
-                    <a:lnT w="12700" cap="flat" cmpd="sng" algn="ctr">
-                      <a:solidFill>
-                        <a:schemeClr val="tx1"/>
+                    <a:lnT w="19050" cap="flat" cmpd="sng" algn="ctr">
+                      <a:solidFill>
+                        <a:srgbClr val="C00000"/>
                       </a:solidFill>
                       <a:prstDash val="solid"/>
                       <a:round/>
                       <a:headEnd type="none" w="med" len="med"/>
                       <a:tailEnd type="none" w="med" len="med"/>
                     </a:lnT>
-                    <a:lnB w="12700" cap="flat" cmpd="sng" algn="ctr">
-                      <a:solidFill>
-                        <a:schemeClr val="tx1"/>
+                    <a:lnB w="19050" cap="flat" cmpd="sng" algn="ctr">
+                      <a:solidFill>
+                        <a:srgbClr val="C00000"/>
                       </a:solidFill>
                       <a:prstDash val="solid"/>
                       <a:round/>
                       <a:headEnd type="none" w="med" len="med"/>
                       <a:tailEnd type="none" w="med" len="med"/>
                     </a:lnB>
+                    <a:solidFill>
+                      <a:schemeClr val="bg2"/>
+                    </a:solidFill>
                   </a:tcPr>
                 </a:tc>
                 <a:tc rowSpan="2">
@@ -5365,24 +7992,27 @@
                       <a:headEnd type="none" w="med" len="med"/>
                       <a:tailEnd type="none" w="med" len="med"/>
                     </a:lnR>
-                    <a:lnT w="12700" cap="flat" cmpd="sng" algn="ctr">
-                      <a:solidFill>
-                        <a:schemeClr val="tx1"/>
+                    <a:lnT w="19050" cap="flat" cmpd="sng" algn="ctr">
+                      <a:solidFill>
+                        <a:srgbClr val="C00000"/>
                       </a:solidFill>
                       <a:prstDash val="solid"/>
                       <a:round/>
                       <a:headEnd type="none" w="med" len="med"/>
                       <a:tailEnd type="none" w="med" len="med"/>
                     </a:lnT>
-                    <a:lnB w="12700" cap="flat" cmpd="sng" algn="ctr">
-                      <a:solidFill>
-                        <a:schemeClr val="tx1"/>
+                    <a:lnB w="19050" cap="flat" cmpd="sng" algn="ctr">
+                      <a:solidFill>
+                        <a:srgbClr val="C00000"/>
                       </a:solidFill>
                       <a:prstDash val="solid"/>
                       <a:round/>
                       <a:headEnd type="none" w="med" len="med"/>
                       <a:tailEnd type="none" w="med" len="med"/>
                     </a:lnB>
+                    <a:solidFill>
+                      <a:schemeClr val="bg2"/>
+                    </a:solidFill>
                   </a:tcPr>
                 </a:tc>
                 <a:tc rowSpan="2">
@@ -5422,24 +8052,27 @@
                       <a:headEnd type="none" w="med" len="med"/>
                       <a:tailEnd type="none" w="med" len="med"/>
                     </a:lnR>
-                    <a:lnT w="12700" cap="flat" cmpd="sng" algn="ctr">
-                      <a:solidFill>
-                        <a:schemeClr val="tx1"/>
+                    <a:lnT w="19050" cap="flat" cmpd="sng" algn="ctr">
+                      <a:solidFill>
+                        <a:srgbClr val="C00000"/>
                       </a:solidFill>
                       <a:prstDash val="solid"/>
                       <a:round/>
                       <a:headEnd type="none" w="med" len="med"/>
                       <a:tailEnd type="none" w="med" len="med"/>
                     </a:lnT>
-                    <a:lnB w="12700" cap="flat" cmpd="sng" algn="ctr">
-                      <a:solidFill>
-                        <a:schemeClr val="tx1"/>
+                    <a:lnB w="19050" cap="flat" cmpd="sng" algn="ctr">
+                      <a:solidFill>
+                        <a:srgbClr val="C00000"/>
                       </a:solidFill>
                       <a:prstDash val="solid"/>
                       <a:round/>
                       <a:headEnd type="none" w="med" len="med"/>
                       <a:tailEnd type="none" w="med" len="med"/>
                     </a:lnB>
+                    <a:solidFill>
+                      <a:schemeClr val="bg2"/>
+                    </a:solidFill>
                   </a:tcPr>
                 </a:tc>
                 <a:tc rowSpan="2">
@@ -5479,24 +8112,27 @@
                       <a:headEnd type="none" w="med" len="med"/>
                       <a:tailEnd type="none" w="med" len="med"/>
                     </a:lnR>
-                    <a:lnT w="12700" cap="flat" cmpd="sng" algn="ctr">
-                      <a:solidFill>
-                        <a:schemeClr val="tx1"/>
+                    <a:lnT w="19050" cap="flat" cmpd="sng" algn="ctr">
+                      <a:solidFill>
+                        <a:srgbClr val="C00000"/>
                       </a:solidFill>
                       <a:prstDash val="solid"/>
                       <a:round/>
                       <a:headEnd type="none" w="med" len="med"/>
                       <a:tailEnd type="none" w="med" len="med"/>
                     </a:lnT>
-                    <a:lnB w="12700" cap="flat" cmpd="sng" algn="ctr">
-                      <a:solidFill>
-                        <a:schemeClr val="tx1"/>
+                    <a:lnB w="19050" cap="flat" cmpd="sng" algn="ctr">
+                      <a:solidFill>
+                        <a:srgbClr val="C00000"/>
                       </a:solidFill>
                       <a:prstDash val="solid"/>
                       <a:round/>
                       <a:headEnd type="none" w="med" len="med"/>
                       <a:tailEnd type="none" w="med" len="med"/>
                     </a:lnB>
+                    <a:solidFill>
+                      <a:schemeClr val="bg2"/>
+                    </a:solidFill>
                   </a:tcPr>
                 </a:tc>
                 <a:tc>
@@ -5530,18 +8166,18 @@
                       <a:headEnd type="none" w="med" len="med"/>
                       <a:tailEnd type="none" w="med" len="med"/>
                     </a:lnL>
-                    <a:lnR w="12700" cap="flat" cmpd="sng" algn="ctr">
-                      <a:solidFill>
-                        <a:schemeClr val="tx1"/>
+                    <a:lnR w="19050" cap="flat" cmpd="sng" algn="ctr">
+                      <a:solidFill>
+                        <a:srgbClr val="C00000"/>
                       </a:solidFill>
                       <a:prstDash val="solid"/>
                       <a:round/>
                       <a:headEnd type="none" w="med" len="med"/>
                       <a:tailEnd type="none" w="med" len="med"/>
                     </a:lnR>
-                    <a:lnT w="12700" cap="flat" cmpd="sng" algn="ctr">
-                      <a:solidFill>
-                        <a:schemeClr val="tx1"/>
+                    <a:lnT w="19050" cap="flat" cmpd="sng" algn="ctr">
+                      <a:solidFill>
+                        <a:srgbClr val="C00000"/>
                       </a:solidFill>
                       <a:prstDash val="solid"/>
                       <a:round/>
@@ -5563,6 +8199,9 @@
                       <a:noFill/>
                       <a:prstDash val="solid"/>
                     </a:lnBlToTr>
+                    <a:solidFill>
+                      <a:schemeClr val="bg2"/>
+                    </a:solidFill>
                   </a:tcPr>
                 </a:tc>
                 <a:extLst>
@@ -5572,6 +8211,16 @@
                 </a:extLst>
               </a:tr>
               <a:tr h="674440">
+                <a:tc vMerge="1">
+                  <a:txBody>
+                    <a:bodyPr/>
+                    <a:lstStyle/>
+                    <a:p>
+                      <a:endParaRPr lang="en-US"/>
+                    </a:p>
+                  </a:txBody>
+                  <a:tcPr/>
+                </a:tc>
                 <a:tc vMerge="1">
                   <a:txBody>
                     <a:bodyPr/>
@@ -5637,9 +8286,9 @@
                       <a:headEnd type="none" w="med" len="med"/>
                       <a:tailEnd type="none" w="med" len="med"/>
                     </a:lnL>
-                    <a:lnR w="12700" cap="flat" cmpd="sng" algn="ctr">
-                      <a:solidFill>
-                        <a:schemeClr val="tx1"/>
+                    <a:lnR w="19050" cap="flat" cmpd="sng" algn="ctr">
+                      <a:solidFill>
+                        <a:srgbClr val="C00000"/>
                       </a:solidFill>
                       <a:prstDash val="solid"/>
                       <a:round/>
@@ -5653,9 +8302,9 @@
                       <a:headEnd type="none" w="med" len="med"/>
                       <a:tailEnd type="none" w="med" len="med"/>
                     </a:lnT>
-                    <a:lnB w="12700" cap="flat" cmpd="sng" algn="ctr">
-                      <a:solidFill>
-                        <a:schemeClr val="tx1"/>
+                    <a:lnB w="19050" cap="flat" cmpd="sng" algn="ctr">
+                      <a:solidFill>
+                        <a:srgbClr val="C00000"/>
                       </a:solidFill>
                       <a:prstDash val="solid"/>
                       <a:round/>
@@ -5670,6 +8319,9 @@
                       <a:noFill/>
                       <a:prstDash val="solid"/>
                     </a:lnBlToTr>
+                    <a:solidFill>
+                      <a:schemeClr val="bg2"/>
+                    </a:solidFill>
                   </a:tcPr>
                 </a:tc>
                 <a:extLst>
@@ -5696,7 +8348,7 @@
         </p:nvGrpSpPr>
         <p:grpSpPr>
           <a:xfrm>
-            <a:off x="4747895" y="2337823"/>
+            <a:off x="6693168" y="3069291"/>
             <a:ext cx="1331447" cy="658812"/>
             <a:chOff x="4629660" y="2312142"/>
             <a:chExt cx="1331447" cy="658812"/>
@@ -5912,7 +8564,7 @@
         </p:nvGrpSpPr>
         <p:grpSpPr>
           <a:xfrm>
-            <a:off x="6561687" y="2340356"/>
+            <a:off x="8506960" y="3071824"/>
             <a:ext cx="1331447" cy="658812"/>
             <a:chOff x="4629660" y="2312142"/>
             <a:chExt cx="1331447" cy="658812"/>
@@ -6128,7 +8780,7 @@
         </p:nvGrpSpPr>
         <p:grpSpPr>
           <a:xfrm>
-            <a:off x="3675984" y="3303519"/>
+            <a:off x="5691972" y="5025149"/>
             <a:ext cx="1331447" cy="658812"/>
             <a:chOff x="4629660" y="2312142"/>
             <a:chExt cx="1331447" cy="658812"/>
@@ -6344,7 +8996,7 @@
         </p:nvGrpSpPr>
         <p:grpSpPr>
           <a:xfrm>
-            <a:off x="5007396" y="3300470"/>
+            <a:off x="7023384" y="5022100"/>
             <a:ext cx="1331447" cy="658812"/>
             <a:chOff x="4629660" y="2312142"/>
             <a:chExt cx="1331447" cy="658812"/>
@@ -6560,7 +9212,7 @@
         </p:nvGrpSpPr>
         <p:grpSpPr>
           <a:xfrm>
-            <a:off x="6338843" y="3300470"/>
+            <a:off x="8354831" y="5022100"/>
             <a:ext cx="1331447" cy="658812"/>
             <a:chOff x="4629660" y="2312142"/>
             <a:chExt cx="1331447" cy="658812"/>
@@ -6776,7 +9428,7 @@
         </p:nvGrpSpPr>
         <p:grpSpPr>
           <a:xfrm>
-            <a:off x="7600886" y="3303592"/>
+            <a:off x="9616874" y="5025222"/>
             <a:ext cx="1331447" cy="658812"/>
             <a:chOff x="4629660" y="2312142"/>
             <a:chExt cx="1331447" cy="658812"/>
@@ -6992,7 +9644,7 @@
         </p:nvGrpSpPr>
         <p:grpSpPr>
           <a:xfrm>
-            <a:off x="3641968" y="4283295"/>
+            <a:off x="5590632" y="5979224"/>
             <a:ext cx="1331447" cy="658812"/>
             <a:chOff x="4629660" y="2312142"/>
             <a:chExt cx="1331447" cy="658812"/>
@@ -7208,7 +9860,7 @@
         </p:nvGrpSpPr>
         <p:grpSpPr>
           <a:xfrm>
-            <a:off x="4985379" y="4282432"/>
+            <a:off x="6934043" y="5978361"/>
             <a:ext cx="1331447" cy="658812"/>
             <a:chOff x="4629660" y="2312142"/>
             <a:chExt cx="1331447" cy="658812"/>
@@ -7424,7 +10076,7 @@
         </p:nvGrpSpPr>
         <p:grpSpPr>
           <a:xfrm>
-            <a:off x="6336763" y="4279899"/>
+            <a:off x="8285427" y="5975828"/>
             <a:ext cx="1331447" cy="658812"/>
             <a:chOff x="4629660" y="2312142"/>
             <a:chExt cx="1331447" cy="658812"/>
@@ -7640,7 +10292,7 @@
         </p:nvGrpSpPr>
         <p:grpSpPr>
           <a:xfrm>
-            <a:off x="7600886" y="4282432"/>
+            <a:off x="9549550" y="5978361"/>
             <a:ext cx="1331447" cy="658812"/>
             <a:chOff x="4629660" y="2312142"/>
             <a:chExt cx="1331447" cy="658812"/>
@@ -7842,6 +10494,1302 @@
           </p:style>
         </p:cxnSp>
       </p:grpSp>
+      <p:grpSp>
+        <p:nvGrpSpPr>
+          <p:cNvPr id="6" name="Group 5">
+            <a:extLst>
+              <a:ext uri="{FF2B5EF4-FFF2-40B4-BE49-F238E27FC236}">
+                <a16:creationId xmlns:a16="http://schemas.microsoft.com/office/drawing/2014/main" id="{F1EB358F-68C8-F47E-A0EB-F25E548F7B8A}"/>
+              </a:ext>
+            </a:extLst>
+          </p:cNvPr>
+          <p:cNvGrpSpPr/>
+          <p:nvPr/>
+        </p:nvGrpSpPr>
+        <p:grpSpPr>
+          <a:xfrm>
+            <a:off x="7516142" y="1109214"/>
+            <a:ext cx="1470314" cy="669619"/>
+            <a:chOff x="4490793" y="2312142"/>
+            <a:chExt cx="1470314" cy="669619"/>
+          </a:xfrm>
+        </p:grpSpPr>
+        <p:sp>
+          <p:nvSpPr>
+            <p:cNvPr id="7" name="TextBox 6">
+              <a:extLst>
+                <a:ext uri="{FF2B5EF4-FFF2-40B4-BE49-F238E27FC236}">
+                  <a16:creationId xmlns:a16="http://schemas.microsoft.com/office/drawing/2014/main" id="{7F6E52E1-3F9B-3D92-B101-767F28A56697}"/>
+                </a:ext>
+              </a:extLst>
+            </p:cNvPr>
+            <p:cNvSpPr txBox="1"/>
+            <p:nvPr/>
+          </p:nvSpPr>
+          <p:spPr>
+            <a:xfrm>
+              <a:off x="4903986" y="2312142"/>
+              <a:ext cx="675185" cy="369332"/>
+            </a:xfrm>
+            <a:prstGeom prst="rect">
+              <a:avLst/>
+            </a:prstGeom>
+            <a:solidFill>
+              <a:srgbClr val="FFFF00"/>
+            </a:solidFill>
+          </p:spPr>
+          <p:txBody>
+            <a:bodyPr wrap="none" rtlCol="0">
+              <a:spAutoFit/>
+            </a:bodyPr>
+            <a:lstStyle/>
+            <a:p>
+              <a:r>
+                <a:rPr lang="en-US" dirty="0"/>
+                <a:t>A | G</a:t>
+              </a:r>
+            </a:p>
+          </p:txBody>
+        </p:sp>
+        <p:sp>
+          <p:nvSpPr>
+            <p:cNvPr id="8" name="TextBox 7">
+              <a:extLst>
+                <a:ext uri="{FF2B5EF4-FFF2-40B4-BE49-F238E27FC236}">
+                  <a16:creationId xmlns:a16="http://schemas.microsoft.com/office/drawing/2014/main" id="{46DC049D-4D40-6311-174D-291213D9FC93}"/>
+                </a:ext>
+              </a:extLst>
+            </p:cNvPr>
+            <p:cNvSpPr txBox="1"/>
+            <p:nvPr/>
+          </p:nvSpPr>
+          <p:spPr>
+            <a:xfrm>
+              <a:off x="4490793" y="2704762"/>
+              <a:ext cx="803425" cy="276999"/>
+            </a:xfrm>
+            <a:prstGeom prst="rect">
+              <a:avLst/>
+            </a:prstGeom>
+            <a:noFill/>
+          </p:spPr>
+          <p:txBody>
+            <a:bodyPr wrap="none" rtlCol="0">
+              <a:spAutoFit/>
+            </a:bodyPr>
+            <a:lstStyle/>
+            <a:p>
+              <a:r>
+                <a:rPr lang="en-US" sz="1200" i="1" dirty="0"/>
+                <a:t>D1 or D2?</a:t>
+              </a:r>
+            </a:p>
+          </p:txBody>
+        </p:sp>
+        <p:sp>
+          <p:nvSpPr>
+            <p:cNvPr id="9" name="TextBox 8">
+              <a:extLst>
+                <a:ext uri="{FF2B5EF4-FFF2-40B4-BE49-F238E27FC236}">
+                  <a16:creationId xmlns:a16="http://schemas.microsoft.com/office/drawing/2014/main" id="{C5F786BC-E3F0-B1CF-4A26-D2311C366458}"/>
+                </a:ext>
+              </a:extLst>
+            </p:cNvPr>
+            <p:cNvSpPr txBox="1"/>
+            <p:nvPr/>
+          </p:nvSpPr>
+          <p:spPr>
+            <a:xfrm>
+              <a:off x="5452634" y="2693955"/>
+              <a:ext cx="508473" cy="276999"/>
+            </a:xfrm>
+            <a:prstGeom prst="rect">
+              <a:avLst/>
+            </a:prstGeom>
+            <a:noFill/>
+          </p:spPr>
+          <p:txBody>
+            <a:bodyPr wrap="none" rtlCol="0">
+              <a:spAutoFit/>
+            </a:bodyPr>
+            <a:lstStyle/>
+            <a:p>
+              <a:r>
+                <a:rPr lang="en-US" sz="1200" i="1" dirty="0"/>
+                <a:t>nigra</a:t>
+              </a:r>
+            </a:p>
+          </p:txBody>
+        </p:sp>
+        <p:cxnSp>
+          <p:nvCxnSpPr>
+            <p:cNvPr id="10" name="Straight Arrow Connector 9">
+              <a:extLst>
+                <a:ext uri="{FF2B5EF4-FFF2-40B4-BE49-F238E27FC236}">
+                  <a16:creationId xmlns:a16="http://schemas.microsoft.com/office/drawing/2014/main" id="{512637AC-2ACC-19DA-8CB1-795E4D127697}"/>
+                </a:ext>
+              </a:extLst>
+            </p:cNvPr>
+            <p:cNvCxnSpPr>
+              <a:cxnSpLocks/>
+            </p:cNvCxnSpPr>
+            <p:nvPr/>
+          </p:nvCxnSpPr>
+          <p:spPr>
+            <a:xfrm flipH="1">
+              <a:off x="4846275" y="2624236"/>
+              <a:ext cx="115422" cy="124615"/>
+            </a:xfrm>
+            <a:prstGeom prst="straightConnector1">
+              <a:avLst/>
+            </a:prstGeom>
+            <a:ln>
+              <a:solidFill>
+                <a:schemeClr val="tx1"/>
+              </a:solidFill>
+              <a:tailEnd type="triangle"/>
+            </a:ln>
+          </p:spPr>
+          <p:style>
+            <a:lnRef idx="1">
+              <a:schemeClr val="accent1"/>
+            </a:lnRef>
+            <a:fillRef idx="0">
+              <a:schemeClr val="accent1"/>
+            </a:fillRef>
+            <a:effectRef idx="0">
+              <a:schemeClr val="accent1"/>
+            </a:effectRef>
+            <a:fontRef idx="minor">
+              <a:schemeClr val="tx1"/>
+            </a:fontRef>
+          </p:style>
+        </p:cxnSp>
+        <p:cxnSp>
+          <p:nvCxnSpPr>
+            <p:cNvPr id="11" name="Straight Arrow Connector 10">
+              <a:extLst>
+                <a:ext uri="{FF2B5EF4-FFF2-40B4-BE49-F238E27FC236}">
+                  <a16:creationId xmlns:a16="http://schemas.microsoft.com/office/drawing/2014/main" id="{204ABAC7-F78D-A573-3DFC-FF3961ED29F7}"/>
+                </a:ext>
+              </a:extLst>
+            </p:cNvPr>
+            <p:cNvCxnSpPr>
+              <a:cxnSpLocks/>
+            </p:cNvCxnSpPr>
+            <p:nvPr/>
+          </p:nvCxnSpPr>
+          <p:spPr>
+            <a:xfrm>
+              <a:off x="5511402" y="2624252"/>
+              <a:ext cx="112656" cy="124599"/>
+            </a:xfrm>
+            <a:prstGeom prst="straightConnector1">
+              <a:avLst/>
+            </a:prstGeom>
+            <a:ln>
+              <a:solidFill>
+                <a:schemeClr val="tx1"/>
+              </a:solidFill>
+              <a:tailEnd type="triangle"/>
+            </a:ln>
+          </p:spPr>
+          <p:style>
+            <a:lnRef idx="1">
+              <a:schemeClr val="accent1"/>
+            </a:lnRef>
+            <a:fillRef idx="0">
+              <a:schemeClr val="accent1"/>
+            </a:fillRef>
+            <a:effectRef idx="0">
+              <a:schemeClr val="accent1"/>
+            </a:effectRef>
+            <a:fontRef idx="minor">
+              <a:schemeClr val="tx1"/>
+            </a:fontRef>
+          </p:style>
+        </p:cxnSp>
+      </p:grpSp>
+      <p:grpSp>
+        <p:nvGrpSpPr>
+          <p:cNvPr id="12" name="Group 11">
+            <a:extLst>
+              <a:ext uri="{FF2B5EF4-FFF2-40B4-BE49-F238E27FC236}">
+                <a16:creationId xmlns:a16="http://schemas.microsoft.com/office/drawing/2014/main" id="{CBBC5F7D-1220-DDF9-750E-DC5A61B23338}"/>
+              </a:ext>
+            </a:extLst>
+          </p:cNvPr>
+          <p:cNvGrpSpPr/>
+          <p:nvPr/>
+        </p:nvGrpSpPr>
+        <p:grpSpPr>
+          <a:xfrm>
+            <a:off x="6076181" y="4038562"/>
+            <a:ext cx="1345874" cy="658812"/>
+            <a:chOff x="4629660" y="2312142"/>
+            <a:chExt cx="1345874" cy="658812"/>
+          </a:xfrm>
+        </p:grpSpPr>
+        <p:sp>
+          <p:nvSpPr>
+            <p:cNvPr id="13" name="TextBox 12">
+              <a:extLst>
+                <a:ext uri="{FF2B5EF4-FFF2-40B4-BE49-F238E27FC236}">
+                  <a16:creationId xmlns:a16="http://schemas.microsoft.com/office/drawing/2014/main" id="{AC29C772-7517-EDA4-6675-024E0371F211}"/>
+                </a:ext>
+              </a:extLst>
+            </p:cNvPr>
+            <p:cNvSpPr txBox="1"/>
+            <p:nvPr/>
+          </p:nvSpPr>
+          <p:spPr>
+            <a:xfrm>
+              <a:off x="4903986" y="2312142"/>
+              <a:ext cx="678391" cy="369332"/>
+            </a:xfrm>
+            <a:prstGeom prst="rect">
+              <a:avLst/>
+            </a:prstGeom>
+            <a:solidFill>
+              <a:srgbClr val="FFFF00"/>
+            </a:solidFill>
+          </p:spPr>
+          <p:txBody>
+            <a:bodyPr wrap="none" rtlCol="0">
+              <a:spAutoFit/>
+            </a:bodyPr>
+            <a:lstStyle/>
+            <a:p>
+              <a:r>
+                <a:rPr lang="en-US" dirty="0"/>
+                <a:t>A | A</a:t>
+              </a:r>
+            </a:p>
+          </p:txBody>
+        </p:sp>
+        <p:sp>
+          <p:nvSpPr>
+            <p:cNvPr id="14" name="TextBox 13">
+              <a:extLst>
+                <a:ext uri="{FF2B5EF4-FFF2-40B4-BE49-F238E27FC236}">
+                  <a16:creationId xmlns:a16="http://schemas.microsoft.com/office/drawing/2014/main" id="{8FE14835-C5F3-21A1-A814-0642554A6514}"/>
+                </a:ext>
+              </a:extLst>
+            </p:cNvPr>
+            <p:cNvSpPr txBox="1"/>
+            <p:nvPr/>
+          </p:nvSpPr>
+          <p:spPr>
+            <a:xfrm>
+              <a:off x="4629660" y="2693955"/>
+              <a:ext cx="357790" cy="276999"/>
+            </a:xfrm>
+            <a:prstGeom prst="rect">
+              <a:avLst/>
+            </a:prstGeom>
+            <a:noFill/>
+          </p:spPr>
+          <p:txBody>
+            <a:bodyPr wrap="none" rtlCol="0">
+              <a:spAutoFit/>
+            </a:bodyPr>
+            <a:lstStyle/>
+            <a:p>
+              <a:r>
+                <a:rPr lang="en-US" sz="1200" i="1" dirty="0"/>
+                <a:t>D1</a:t>
+              </a:r>
+            </a:p>
+          </p:txBody>
+        </p:sp>
+        <p:sp>
+          <p:nvSpPr>
+            <p:cNvPr id="15" name="TextBox 14">
+              <a:extLst>
+                <a:ext uri="{FF2B5EF4-FFF2-40B4-BE49-F238E27FC236}">
+                  <a16:creationId xmlns:a16="http://schemas.microsoft.com/office/drawing/2014/main" id="{2CCE5D23-943A-5823-04E2-EEF19A1BA93D}"/>
+                </a:ext>
+              </a:extLst>
+            </p:cNvPr>
+            <p:cNvSpPr txBox="1"/>
+            <p:nvPr/>
+          </p:nvSpPr>
+          <p:spPr>
+            <a:xfrm>
+              <a:off x="5452634" y="2693955"/>
+              <a:ext cx="522900" cy="276999"/>
+            </a:xfrm>
+            <a:prstGeom prst="rect">
+              <a:avLst/>
+            </a:prstGeom>
+            <a:noFill/>
+          </p:spPr>
+          <p:txBody>
+            <a:bodyPr wrap="none" rtlCol="0">
+              <a:spAutoFit/>
+            </a:bodyPr>
+            <a:lstStyle/>
+            <a:p>
+              <a:r>
+                <a:rPr lang="en-US" sz="1200" i="1" dirty="0"/>
+                <a:t>nigra</a:t>
+              </a:r>
+            </a:p>
+          </p:txBody>
+        </p:sp>
+        <p:cxnSp>
+          <p:nvCxnSpPr>
+            <p:cNvPr id="16" name="Straight Arrow Connector 15">
+              <a:extLst>
+                <a:ext uri="{FF2B5EF4-FFF2-40B4-BE49-F238E27FC236}">
+                  <a16:creationId xmlns:a16="http://schemas.microsoft.com/office/drawing/2014/main" id="{A572B0A7-86F9-415D-F88A-5680ECB1C83B}"/>
+                </a:ext>
+              </a:extLst>
+            </p:cNvPr>
+            <p:cNvCxnSpPr>
+              <a:cxnSpLocks/>
+            </p:cNvCxnSpPr>
+            <p:nvPr/>
+          </p:nvCxnSpPr>
+          <p:spPr>
+            <a:xfrm flipH="1">
+              <a:off x="4846275" y="2624236"/>
+              <a:ext cx="115422" cy="124615"/>
+            </a:xfrm>
+            <a:prstGeom prst="straightConnector1">
+              <a:avLst/>
+            </a:prstGeom>
+            <a:ln>
+              <a:solidFill>
+                <a:schemeClr val="tx1"/>
+              </a:solidFill>
+              <a:tailEnd type="triangle"/>
+            </a:ln>
+          </p:spPr>
+          <p:style>
+            <a:lnRef idx="1">
+              <a:schemeClr val="accent1"/>
+            </a:lnRef>
+            <a:fillRef idx="0">
+              <a:schemeClr val="accent1"/>
+            </a:fillRef>
+            <a:effectRef idx="0">
+              <a:schemeClr val="accent1"/>
+            </a:effectRef>
+            <a:fontRef idx="minor">
+              <a:schemeClr val="tx1"/>
+            </a:fontRef>
+          </p:style>
+        </p:cxnSp>
+        <p:cxnSp>
+          <p:nvCxnSpPr>
+            <p:cNvPr id="17" name="Straight Arrow Connector 16">
+              <a:extLst>
+                <a:ext uri="{FF2B5EF4-FFF2-40B4-BE49-F238E27FC236}">
+                  <a16:creationId xmlns:a16="http://schemas.microsoft.com/office/drawing/2014/main" id="{F285AB91-CD82-4226-E46F-C18BCB188867}"/>
+                </a:ext>
+              </a:extLst>
+            </p:cNvPr>
+            <p:cNvCxnSpPr>
+              <a:cxnSpLocks/>
+            </p:cNvCxnSpPr>
+            <p:nvPr/>
+          </p:nvCxnSpPr>
+          <p:spPr>
+            <a:xfrm>
+              <a:off x="5511402" y="2624252"/>
+              <a:ext cx="112656" cy="124599"/>
+            </a:xfrm>
+            <a:prstGeom prst="straightConnector1">
+              <a:avLst/>
+            </a:prstGeom>
+            <a:ln>
+              <a:solidFill>
+                <a:schemeClr val="tx1"/>
+              </a:solidFill>
+              <a:tailEnd type="triangle"/>
+            </a:ln>
+          </p:spPr>
+          <p:style>
+            <a:lnRef idx="1">
+              <a:schemeClr val="accent1"/>
+            </a:lnRef>
+            <a:fillRef idx="0">
+              <a:schemeClr val="accent1"/>
+            </a:fillRef>
+            <a:effectRef idx="0">
+              <a:schemeClr val="accent1"/>
+            </a:effectRef>
+            <a:fontRef idx="minor">
+              <a:schemeClr val="tx1"/>
+            </a:fontRef>
+          </p:style>
+        </p:cxnSp>
+      </p:grpSp>
+      <p:grpSp>
+        <p:nvGrpSpPr>
+          <p:cNvPr id="19" name="Group 18">
+            <a:extLst>
+              <a:ext uri="{FF2B5EF4-FFF2-40B4-BE49-F238E27FC236}">
+                <a16:creationId xmlns:a16="http://schemas.microsoft.com/office/drawing/2014/main" id="{0BB36B19-47FE-C27E-D67F-0A69E372FF34}"/>
+              </a:ext>
+            </a:extLst>
+          </p:cNvPr>
+          <p:cNvGrpSpPr/>
+          <p:nvPr/>
+        </p:nvGrpSpPr>
+        <p:grpSpPr>
+          <a:xfrm>
+            <a:off x="7544122" y="4047298"/>
+            <a:ext cx="1628562" cy="658811"/>
+            <a:chOff x="4491375" y="2312142"/>
+            <a:chExt cx="1628562" cy="658811"/>
+          </a:xfrm>
+        </p:grpSpPr>
+        <p:sp>
+          <p:nvSpPr>
+            <p:cNvPr id="20" name="TextBox 19">
+              <a:extLst>
+                <a:ext uri="{FF2B5EF4-FFF2-40B4-BE49-F238E27FC236}">
+                  <a16:creationId xmlns:a16="http://schemas.microsoft.com/office/drawing/2014/main" id="{57DEB0B8-35E9-69EC-82A5-D95C6CCF8767}"/>
+                </a:ext>
+              </a:extLst>
+            </p:cNvPr>
+            <p:cNvSpPr txBox="1"/>
+            <p:nvPr/>
+          </p:nvSpPr>
+          <p:spPr>
+            <a:xfrm>
+              <a:off x="4903986" y="2312142"/>
+              <a:ext cx="686406" cy="369332"/>
+            </a:xfrm>
+            <a:prstGeom prst="rect">
+              <a:avLst/>
+            </a:prstGeom>
+            <a:solidFill>
+              <a:srgbClr val="FFFF00"/>
+            </a:solidFill>
+          </p:spPr>
+          <p:txBody>
+            <a:bodyPr wrap="none" rtlCol="0">
+              <a:spAutoFit/>
+            </a:bodyPr>
+            <a:lstStyle/>
+            <a:p>
+              <a:r>
+                <a:rPr lang="en-US" dirty="0"/>
+                <a:t>A | G</a:t>
+              </a:r>
+            </a:p>
+          </p:txBody>
+        </p:sp>
+        <p:sp>
+          <p:nvSpPr>
+            <p:cNvPr id="21" name="TextBox 20">
+              <a:extLst>
+                <a:ext uri="{FF2B5EF4-FFF2-40B4-BE49-F238E27FC236}">
+                  <a16:creationId xmlns:a16="http://schemas.microsoft.com/office/drawing/2014/main" id="{F0866340-4B4D-A1B2-C1C5-99E9C7125CD4}"/>
+                </a:ext>
+              </a:extLst>
+            </p:cNvPr>
+            <p:cNvSpPr txBox="1"/>
+            <p:nvPr/>
+          </p:nvSpPr>
+          <p:spPr>
+            <a:xfrm>
+              <a:off x="4491375" y="2693954"/>
+              <a:ext cx="817853" cy="276999"/>
+            </a:xfrm>
+            <a:prstGeom prst="rect">
+              <a:avLst/>
+            </a:prstGeom>
+            <a:noFill/>
+          </p:spPr>
+          <p:txBody>
+            <a:bodyPr wrap="none" rtlCol="0">
+              <a:spAutoFit/>
+            </a:bodyPr>
+            <a:lstStyle/>
+            <a:p>
+              <a:r>
+                <a:rPr lang="en-US" sz="1200" i="1" dirty="0"/>
+                <a:t>D1 or N1?</a:t>
+              </a:r>
+            </a:p>
+          </p:txBody>
+        </p:sp>
+        <p:sp>
+          <p:nvSpPr>
+            <p:cNvPr id="22" name="TextBox 21">
+              <a:extLst>
+                <a:ext uri="{FF2B5EF4-FFF2-40B4-BE49-F238E27FC236}">
+                  <a16:creationId xmlns:a16="http://schemas.microsoft.com/office/drawing/2014/main" id="{30543BF8-2A26-238C-61E8-6673BA6D57B9}"/>
+                </a:ext>
+              </a:extLst>
+            </p:cNvPr>
+            <p:cNvSpPr txBox="1"/>
+            <p:nvPr/>
+          </p:nvSpPr>
+          <p:spPr>
+            <a:xfrm>
+              <a:off x="5302084" y="2693953"/>
+              <a:ext cx="817853" cy="276999"/>
+            </a:xfrm>
+            <a:prstGeom prst="rect">
+              <a:avLst/>
+            </a:prstGeom>
+            <a:noFill/>
+          </p:spPr>
+          <p:txBody>
+            <a:bodyPr wrap="none" rtlCol="0">
+              <a:spAutoFit/>
+            </a:bodyPr>
+            <a:lstStyle/>
+            <a:p>
+              <a:r>
+                <a:rPr lang="en-US" sz="1200" i="1" dirty="0"/>
+                <a:t>D2 or N2?</a:t>
+              </a:r>
+            </a:p>
+          </p:txBody>
+        </p:sp>
+        <p:cxnSp>
+          <p:nvCxnSpPr>
+            <p:cNvPr id="24" name="Straight Arrow Connector 23">
+              <a:extLst>
+                <a:ext uri="{FF2B5EF4-FFF2-40B4-BE49-F238E27FC236}">
+                  <a16:creationId xmlns:a16="http://schemas.microsoft.com/office/drawing/2014/main" id="{66E1C9CF-CF54-3F97-BE1B-7CCDA9C134B0}"/>
+                </a:ext>
+              </a:extLst>
+            </p:cNvPr>
+            <p:cNvCxnSpPr>
+              <a:cxnSpLocks/>
+            </p:cNvCxnSpPr>
+            <p:nvPr/>
+          </p:nvCxnSpPr>
+          <p:spPr>
+            <a:xfrm flipH="1">
+              <a:off x="4846275" y="2624236"/>
+              <a:ext cx="115422" cy="124615"/>
+            </a:xfrm>
+            <a:prstGeom prst="straightConnector1">
+              <a:avLst/>
+            </a:prstGeom>
+            <a:ln>
+              <a:solidFill>
+                <a:schemeClr val="tx1"/>
+              </a:solidFill>
+              <a:tailEnd type="triangle"/>
+            </a:ln>
+          </p:spPr>
+          <p:style>
+            <a:lnRef idx="1">
+              <a:schemeClr val="accent1"/>
+            </a:lnRef>
+            <a:fillRef idx="0">
+              <a:schemeClr val="accent1"/>
+            </a:fillRef>
+            <a:effectRef idx="0">
+              <a:schemeClr val="accent1"/>
+            </a:effectRef>
+            <a:fontRef idx="minor">
+              <a:schemeClr val="tx1"/>
+            </a:fontRef>
+          </p:style>
+        </p:cxnSp>
+        <p:cxnSp>
+          <p:nvCxnSpPr>
+            <p:cNvPr id="25" name="Straight Arrow Connector 24">
+              <a:extLst>
+                <a:ext uri="{FF2B5EF4-FFF2-40B4-BE49-F238E27FC236}">
+                  <a16:creationId xmlns:a16="http://schemas.microsoft.com/office/drawing/2014/main" id="{B64DF929-2C99-A297-5902-A3E40354CD39}"/>
+                </a:ext>
+              </a:extLst>
+            </p:cNvPr>
+            <p:cNvCxnSpPr>
+              <a:cxnSpLocks/>
+            </p:cNvCxnSpPr>
+            <p:nvPr/>
+          </p:nvCxnSpPr>
+          <p:spPr>
+            <a:xfrm>
+              <a:off x="5511402" y="2624252"/>
+              <a:ext cx="112656" cy="124599"/>
+            </a:xfrm>
+            <a:prstGeom prst="straightConnector1">
+              <a:avLst/>
+            </a:prstGeom>
+            <a:ln>
+              <a:solidFill>
+                <a:schemeClr val="tx1"/>
+              </a:solidFill>
+              <a:tailEnd type="triangle"/>
+            </a:ln>
+          </p:spPr>
+          <p:style>
+            <a:lnRef idx="1">
+              <a:schemeClr val="accent1"/>
+            </a:lnRef>
+            <a:fillRef idx="0">
+              <a:schemeClr val="accent1"/>
+            </a:fillRef>
+            <a:effectRef idx="0">
+              <a:schemeClr val="accent1"/>
+            </a:effectRef>
+            <a:fontRef idx="minor">
+              <a:schemeClr val="tx1"/>
+            </a:fontRef>
+          </p:style>
+        </p:cxnSp>
+      </p:grpSp>
+      <p:grpSp>
+        <p:nvGrpSpPr>
+          <p:cNvPr id="26" name="Group 25">
+            <a:extLst>
+              <a:ext uri="{FF2B5EF4-FFF2-40B4-BE49-F238E27FC236}">
+                <a16:creationId xmlns:a16="http://schemas.microsoft.com/office/drawing/2014/main" id="{24E49679-61F7-2728-0251-29D8A007AA03}"/>
+              </a:ext>
+            </a:extLst>
+          </p:cNvPr>
+          <p:cNvGrpSpPr/>
+          <p:nvPr/>
+        </p:nvGrpSpPr>
+        <p:grpSpPr>
+          <a:xfrm>
+            <a:off x="9213538" y="4057044"/>
+            <a:ext cx="1345874" cy="658812"/>
+            <a:chOff x="4629660" y="2312142"/>
+            <a:chExt cx="1345874" cy="658812"/>
+          </a:xfrm>
+        </p:grpSpPr>
+        <p:sp>
+          <p:nvSpPr>
+            <p:cNvPr id="27" name="TextBox 26">
+              <a:extLst>
+                <a:ext uri="{FF2B5EF4-FFF2-40B4-BE49-F238E27FC236}">
+                  <a16:creationId xmlns:a16="http://schemas.microsoft.com/office/drawing/2014/main" id="{561AFAA0-8840-3C7B-C3DF-724F7BC316B6}"/>
+                </a:ext>
+              </a:extLst>
+            </p:cNvPr>
+            <p:cNvSpPr txBox="1"/>
+            <p:nvPr/>
+          </p:nvSpPr>
+          <p:spPr>
+            <a:xfrm>
+              <a:off x="4903986" y="2312142"/>
+              <a:ext cx="694421" cy="369332"/>
+            </a:xfrm>
+            <a:prstGeom prst="rect">
+              <a:avLst/>
+            </a:prstGeom>
+            <a:solidFill>
+              <a:srgbClr val="FFFF00"/>
+            </a:solidFill>
+          </p:spPr>
+          <p:txBody>
+            <a:bodyPr wrap="none" rtlCol="0">
+              <a:spAutoFit/>
+            </a:bodyPr>
+            <a:lstStyle/>
+            <a:p>
+              <a:r>
+                <a:rPr lang="en-US" dirty="0"/>
+                <a:t>G | G</a:t>
+              </a:r>
+            </a:p>
+          </p:txBody>
+        </p:sp>
+        <p:sp>
+          <p:nvSpPr>
+            <p:cNvPr id="28" name="TextBox 27">
+              <a:extLst>
+                <a:ext uri="{FF2B5EF4-FFF2-40B4-BE49-F238E27FC236}">
+                  <a16:creationId xmlns:a16="http://schemas.microsoft.com/office/drawing/2014/main" id="{8FF159D9-0946-3146-1C38-ACF57A4BA9F0}"/>
+                </a:ext>
+              </a:extLst>
+            </p:cNvPr>
+            <p:cNvSpPr txBox="1"/>
+            <p:nvPr/>
+          </p:nvSpPr>
+          <p:spPr>
+            <a:xfrm>
+              <a:off x="4629660" y="2693955"/>
+              <a:ext cx="357790" cy="276999"/>
+            </a:xfrm>
+            <a:prstGeom prst="rect">
+              <a:avLst/>
+            </a:prstGeom>
+            <a:noFill/>
+          </p:spPr>
+          <p:txBody>
+            <a:bodyPr wrap="none" rtlCol="0">
+              <a:spAutoFit/>
+            </a:bodyPr>
+            <a:lstStyle/>
+            <a:p>
+              <a:r>
+                <a:rPr lang="en-US" sz="1200" i="1" dirty="0"/>
+                <a:t>D2</a:t>
+              </a:r>
+            </a:p>
+          </p:txBody>
+        </p:sp>
+        <p:sp>
+          <p:nvSpPr>
+            <p:cNvPr id="29" name="TextBox 28">
+              <a:extLst>
+                <a:ext uri="{FF2B5EF4-FFF2-40B4-BE49-F238E27FC236}">
+                  <a16:creationId xmlns:a16="http://schemas.microsoft.com/office/drawing/2014/main" id="{18059844-411E-98BA-5841-3A8395DE318A}"/>
+                </a:ext>
+              </a:extLst>
+            </p:cNvPr>
+            <p:cNvSpPr txBox="1"/>
+            <p:nvPr/>
+          </p:nvSpPr>
+          <p:spPr>
+            <a:xfrm>
+              <a:off x="5452634" y="2693955"/>
+              <a:ext cx="522900" cy="276999"/>
+            </a:xfrm>
+            <a:prstGeom prst="rect">
+              <a:avLst/>
+            </a:prstGeom>
+            <a:noFill/>
+          </p:spPr>
+          <p:txBody>
+            <a:bodyPr wrap="none" rtlCol="0">
+              <a:spAutoFit/>
+            </a:bodyPr>
+            <a:lstStyle/>
+            <a:p>
+              <a:r>
+                <a:rPr lang="en-US" sz="1200" i="1" dirty="0"/>
+                <a:t>nigra</a:t>
+              </a:r>
+            </a:p>
+          </p:txBody>
+        </p:sp>
+        <p:cxnSp>
+          <p:nvCxnSpPr>
+            <p:cNvPr id="31" name="Straight Arrow Connector 30">
+              <a:extLst>
+                <a:ext uri="{FF2B5EF4-FFF2-40B4-BE49-F238E27FC236}">
+                  <a16:creationId xmlns:a16="http://schemas.microsoft.com/office/drawing/2014/main" id="{56E788C5-C263-1760-A75B-A7B76EDFB7AF}"/>
+                </a:ext>
+              </a:extLst>
+            </p:cNvPr>
+            <p:cNvCxnSpPr>
+              <a:cxnSpLocks/>
+            </p:cNvCxnSpPr>
+            <p:nvPr/>
+          </p:nvCxnSpPr>
+          <p:spPr>
+            <a:xfrm flipH="1">
+              <a:off x="4846275" y="2624236"/>
+              <a:ext cx="115422" cy="124615"/>
+            </a:xfrm>
+            <a:prstGeom prst="straightConnector1">
+              <a:avLst/>
+            </a:prstGeom>
+            <a:ln>
+              <a:solidFill>
+                <a:schemeClr val="tx1"/>
+              </a:solidFill>
+              <a:tailEnd type="triangle"/>
+            </a:ln>
+          </p:spPr>
+          <p:style>
+            <a:lnRef idx="1">
+              <a:schemeClr val="accent1"/>
+            </a:lnRef>
+            <a:fillRef idx="0">
+              <a:schemeClr val="accent1"/>
+            </a:fillRef>
+            <a:effectRef idx="0">
+              <a:schemeClr val="accent1"/>
+            </a:effectRef>
+            <a:fontRef idx="minor">
+              <a:schemeClr val="tx1"/>
+            </a:fontRef>
+          </p:style>
+        </p:cxnSp>
+        <p:cxnSp>
+          <p:nvCxnSpPr>
+            <p:cNvPr id="32" name="Straight Arrow Connector 31">
+              <a:extLst>
+                <a:ext uri="{FF2B5EF4-FFF2-40B4-BE49-F238E27FC236}">
+                  <a16:creationId xmlns:a16="http://schemas.microsoft.com/office/drawing/2014/main" id="{F0214EED-81AA-986F-03D8-FE2DBE6B4950}"/>
+                </a:ext>
+              </a:extLst>
+            </p:cNvPr>
+            <p:cNvCxnSpPr>
+              <a:cxnSpLocks/>
+            </p:cNvCxnSpPr>
+            <p:nvPr/>
+          </p:nvCxnSpPr>
+          <p:spPr>
+            <a:xfrm>
+              <a:off x="5511402" y="2624252"/>
+              <a:ext cx="112656" cy="124599"/>
+            </a:xfrm>
+            <a:prstGeom prst="straightConnector1">
+              <a:avLst/>
+            </a:prstGeom>
+            <a:ln>
+              <a:solidFill>
+                <a:schemeClr val="tx1"/>
+              </a:solidFill>
+              <a:tailEnd type="triangle"/>
+            </a:ln>
+          </p:spPr>
+          <p:style>
+            <a:lnRef idx="1">
+              <a:schemeClr val="accent1"/>
+            </a:lnRef>
+            <a:fillRef idx="0">
+              <a:schemeClr val="accent1"/>
+            </a:fillRef>
+            <a:effectRef idx="0">
+              <a:schemeClr val="accent1"/>
+            </a:effectRef>
+            <a:fontRef idx="minor">
+              <a:schemeClr val="tx1"/>
+            </a:fontRef>
+          </p:style>
+        </p:cxnSp>
+      </p:grpSp>
+      <p:grpSp>
+        <p:nvGrpSpPr>
+          <p:cNvPr id="33" name="Group 32">
+            <a:extLst>
+              <a:ext uri="{FF2B5EF4-FFF2-40B4-BE49-F238E27FC236}">
+                <a16:creationId xmlns:a16="http://schemas.microsoft.com/office/drawing/2014/main" id="{8FA9F17A-B563-1650-AC93-A3FE0F7ABDAD}"/>
+              </a:ext>
+            </a:extLst>
+          </p:cNvPr>
+          <p:cNvGrpSpPr/>
+          <p:nvPr/>
+        </p:nvGrpSpPr>
+        <p:grpSpPr>
+          <a:xfrm>
+            <a:off x="6530935" y="2086873"/>
+            <a:ext cx="1505218" cy="684397"/>
+            <a:chOff x="4455889" y="2312142"/>
+            <a:chExt cx="1505218" cy="684397"/>
+          </a:xfrm>
+        </p:grpSpPr>
+        <p:sp>
+          <p:nvSpPr>
+            <p:cNvPr id="34" name="TextBox 33">
+              <a:extLst>
+                <a:ext uri="{FF2B5EF4-FFF2-40B4-BE49-F238E27FC236}">
+                  <a16:creationId xmlns:a16="http://schemas.microsoft.com/office/drawing/2014/main" id="{9BB7F82E-FCA2-5594-3C51-F330457A189B}"/>
+                </a:ext>
+              </a:extLst>
+            </p:cNvPr>
+            <p:cNvSpPr txBox="1"/>
+            <p:nvPr/>
+          </p:nvSpPr>
+          <p:spPr>
+            <a:xfrm>
+              <a:off x="4903986" y="2312142"/>
+              <a:ext cx="675185" cy="369332"/>
+            </a:xfrm>
+            <a:prstGeom prst="rect">
+              <a:avLst/>
+            </a:prstGeom>
+            <a:solidFill>
+              <a:srgbClr val="FFFF00"/>
+            </a:solidFill>
+          </p:spPr>
+          <p:txBody>
+            <a:bodyPr wrap="none" rtlCol="0">
+              <a:spAutoFit/>
+            </a:bodyPr>
+            <a:lstStyle/>
+            <a:p>
+              <a:r>
+                <a:rPr lang="en-US" dirty="0"/>
+                <a:t>A | G</a:t>
+              </a:r>
+            </a:p>
+          </p:txBody>
+        </p:sp>
+        <p:sp>
+          <p:nvSpPr>
+            <p:cNvPr id="35" name="TextBox 34">
+              <a:extLst>
+                <a:ext uri="{FF2B5EF4-FFF2-40B4-BE49-F238E27FC236}">
+                  <a16:creationId xmlns:a16="http://schemas.microsoft.com/office/drawing/2014/main" id="{BBC750FB-DD3B-33D2-4C5C-A1B428CE95F3}"/>
+                </a:ext>
+              </a:extLst>
+            </p:cNvPr>
+            <p:cNvSpPr txBox="1"/>
+            <p:nvPr/>
+          </p:nvSpPr>
+          <p:spPr>
+            <a:xfrm>
+              <a:off x="4455889" y="2719540"/>
+              <a:ext cx="803425" cy="276999"/>
+            </a:xfrm>
+            <a:prstGeom prst="rect">
+              <a:avLst/>
+            </a:prstGeom>
+            <a:noFill/>
+          </p:spPr>
+          <p:txBody>
+            <a:bodyPr wrap="none" rtlCol="0">
+              <a:spAutoFit/>
+            </a:bodyPr>
+            <a:lstStyle/>
+            <a:p>
+              <a:r>
+                <a:rPr lang="en-US" sz="1200" i="1" dirty="0"/>
+                <a:t>D1 or D2?</a:t>
+              </a:r>
+            </a:p>
+          </p:txBody>
+        </p:sp>
+        <p:sp>
+          <p:nvSpPr>
+            <p:cNvPr id="36" name="TextBox 35">
+              <a:extLst>
+                <a:ext uri="{FF2B5EF4-FFF2-40B4-BE49-F238E27FC236}">
+                  <a16:creationId xmlns:a16="http://schemas.microsoft.com/office/drawing/2014/main" id="{EF8B6316-27D7-DD53-8914-274FB4EA1E80}"/>
+                </a:ext>
+              </a:extLst>
+            </p:cNvPr>
+            <p:cNvSpPr txBox="1"/>
+            <p:nvPr/>
+          </p:nvSpPr>
+          <p:spPr>
+            <a:xfrm>
+              <a:off x="5452634" y="2693955"/>
+              <a:ext cx="508473" cy="276999"/>
+            </a:xfrm>
+            <a:prstGeom prst="rect">
+              <a:avLst/>
+            </a:prstGeom>
+            <a:noFill/>
+          </p:spPr>
+          <p:txBody>
+            <a:bodyPr wrap="none" rtlCol="0">
+              <a:spAutoFit/>
+            </a:bodyPr>
+            <a:lstStyle/>
+            <a:p>
+              <a:r>
+                <a:rPr lang="en-US" sz="1200" i="1" dirty="0"/>
+                <a:t>nigra</a:t>
+              </a:r>
+            </a:p>
+          </p:txBody>
+        </p:sp>
+        <p:cxnSp>
+          <p:nvCxnSpPr>
+            <p:cNvPr id="37" name="Straight Arrow Connector 36">
+              <a:extLst>
+                <a:ext uri="{FF2B5EF4-FFF2-40B4-BE49-F238E27FC236}">
+                  <a16:creationId xmlns:a16="http://schemas.microsoft.com/office/drawing/2014/main" id="{EF7149EA-6F1B-A6A7-13A1-E09129D0B20F}"/>
+                </a:ext>
+              </a:extLst>
+            </p:cNvPr>
+            <p:cNvCxnSpPr>
+              <a:cxnSpLocks/>
+            </p:cNvCxnSpPr>
+            <p:nvPr/>
+          </p:nvCxnSpPr>
+          <p:spPr>
+            <a:xfrm flipH="1">
+              <a:off x="4846275" y="2624236"/>
+              <a:ext cx="115422" cy="124615"/>
+            </a:xfrm>
+            <a:prstGeom prst="straightConnector1">
+              <a:avLst/>
+            </a:prstGeom>
+            <a:ln>
+              <a:solidFill>
+                <a:schemeClr val="tx1"/>
+              </a:solidFill>
+              <a:tailEnd type="triangle"/>
+            </a:ln>
+          </p:spPr>
+          <p:style>
+            <a:lnRef idx="1">
+              <a:schemeClr val="accent1"/>
+            </a:lnRef>
+            <a:fillRef idx="0">
+              <a:schemeClr val="accent1"/>
+            </a:fillRef>
+            <a:effectRef idx="0">
+              <a:schemeClr val="accent1"/>
+            </a:effectRef>
+            <a:fontRef idx="minor">
+              <a:schemeClr val="tx1"/>
+            </a:fontRef>
+          </p:style>
+        </p:cxnSp>
+        <p:cxnSp>
+          <p:nvCxnSpPr>
+            <p:cNvPr id="38" name="Straight Arrow Connector 37">
+              <a:extLst>
+                <a:ext uri="{FF2B5EF4-FFF2-40B4-BE49-F238E27FC236}">
+                  <a16:creationId xmlns:a16="http://schemas.microsoft.com/office/drawing/2014/main" id="{947B9EB4-DC4B-426D-AEFA-FDE57ABC2D19}"/>
+                </a:ext>
+              </a:extLst>
+            </p:cNvPr>
+            <p:cNvCxnSpPr>
+              <a:cxnSpLocks/>
+            </p:cNvCxnSpPr>
+            <p:nvPr/>
+          </p:nvCxnSpPr>
+          <p:spPr>
+            <a:xfrm>
+              <a:off x="5511402" y="2624252"/>
+              <a:ext cx="112656" cy="124599"/>
+            </a:xfrm>
+            <a:prstGeom prst="straightConnector1">
+              <a:avLst/>
+            </a:prstGeom>
+            <a:ln>
+              <a:solidFill>
+                <a:schemeClr val="tx1"/>
+              </a:solidFill>
+              <a:tailEnd type="triangle"/>
+            </a:ln>
+          </p:spPr>
+          <p:style>
+            <a:lnRef idx="1">
+              <a:schemeClr val="accent1"/>
+            </a:lnRef>
+            <a:fillRef idx="0">
+              <a:schemeClr val="accent1"/>
+            </a:fillRef>
+            <a:effectRef idx="0">
+              <a:schemeClr val="accent1"/>
+            </a:effectRef>
+            <a:fontRef idx="minor">
+              <a:schemeClr val="tx1"/>
+            </a:fontRef>
+          </p:style>
+        </p:cxnSp>
+      </p:grpSp>
+      <p:grpSp>
+        <p:nvGrpSpPr>
+          <p:cNvPr id="39" name="Group 38">
+            <a:extLst>
+              <a:ext uri="{FF2B5EF4-FFF2-40B4-BE49-F238E27FC236}">
+                <a16:creationId xmlns:a16="http://schemas.microsoft.com/office/drawing/2014/main" id="{67AC921F-3A21-9727-CAD5-0F2864852BAC}"/>
+              </a:ext>
+            </a:extLst>
+          </p:cNvPr>
+          <p:cNvGrpSpPr/>
+          <p:nvPr/>
+        </p:nvGrpSpPr>
+        <p:grpSpPr>
+          <a:xfrm>
+            <a:off x="8391111" y="2089406"/>
+            <a:ext cx="1458834" cy="658812"/>
+            <a:chOff x="4502273" y="2312142"/>
+            <a:chExt cx="1458834" cy="658812"/>
+          </a:xfrm>
+        </p:grpSpPr>
+        <p:sp>
+          <p:nvSpPr>
+            <p:cNvPr id="40" name="TextBox 39">
+              <a:extLst>
+                <a:ext uri="{FF2B5EF4-FFF2-40B4-BE49-F238E27FC236}">
+                  <a16:creationId xmlns:a16="http://schemas.microsoft.com/office/drawing/2014/main" id="{23270118-C822-8946-1647-2FDFDA2C7038}"/>
+                </a:ext>
+              </a:extLst>
+            </p:cNvPr>
+            <p:cNvSpPr txBox="1"/>
+            <p:nvPr/>
+          </p:nvSpPr>
+          <p:spPr>
+            <a:xfrm>
+              <a:off x="4903986" y="2312142"/>
+              <a:ext cx="652743" cy="369332"/>
+            </a:xfrm>
+            <a:prstGeom prst="rect">
+              <a:avLst/>
+            </a:prstGeom>
+            <a:solidFill>
+              <a:srgbClr val="FFFF00"/>
+            </a:solidFill>
+          </p:spPr>
+          <p:txBody>
+            <a:bodyPr wrap="none" rtlCol="0">
+              <a:spAutoFit/>
+            </a:bodyPr>
+            <a:lstStyle/>
+            <a:p>
+              <a:r>
+                <a:rPr lang="en-US" dirty="0"/>
+                <a:t>A | C</a:t>
+              </a:r>
+            </a:p>
+          </p:txBody>
+        </p:sp>
+        <p:sp>
+          <p:nvSpPr>
+            <p:cNvPr id="41" name="TextBox 40">
+              <a:extLst>
+                <a:ext uri="{FF2B5EF4-FFF2-40B4-BE49-F238E27FC236}">
+                  <a16:creationId xmlns:a16="http://schemas.microsoft.com/office/drawing/2014/main" id="{E073E0F5-1B1E-D7C4-377E-EB24FF5F996E}"/>
+                </a:ext>
+              </a:extLst>
+            </p:cNvPr>
+            <p:cNvSpPr txBox="1"/>
+            <p:nvPr/>
+          </p:nvSpPr>
+          <p:spPr>
+            <a:xfrm>
+              <a:off x="4502273" y="2693955"/>
+              <a:ext cx="803425" cy="276999"/>
+            </a:xfrm>
+            <a:prstGeom prst="rect">
+              <a:avLst/>
+            </a:prstGeom>
+            <a:noFill/>
+          </p:spPr>
+          <p:txBody>
+            <a:bodyPr wrap="none" rtlCol="0">
+              <a:spAutoFit/>
+            </a:bodyPr>
+            <a:lstStyle/>
+            <a:p>
+              <a:r>
+                <a:rPr lang="en-US" sz="1200" i="1" dirty="0"/>
+                <a:t>D1 or D2?</a:t>
+              </a:r>
+            </a:p>
+          </p:txBody>
+        </p:sp>
+        <p:sp>
+          <p:nvSpPr>
+            <p:cNvPr id="42" name="TextBox 41">
+              <a:extLst>
+                <a:ext uri="{FF2B5EF4-FFF2-40B4-BE49-F238E27FC236}">
+                  <a16:creationId xmlns:a16="http://schemas.microsoft.com/office/drawing/2014/main" id="{00B0D974-ABBC-1F15-45E3-E7A50880EF4F}"/>
+                </a:ext>
+              </a:extLst>
+            </p:cNvPr>
+            <p:cNvSpPr txBox="1"/>
+            <p:nvPr/>
+          </p:nvSpPr>
+          <p:spPr>
+            <a:xfrm>
+              <a:off x="5452634" y="2693955"/>
+              <a:ext cx="508473" cy="276999"/>
+            </a:xfrm>
+            <a:prstGeom prst="rect">
+              <a:avLst/>
+            </a:prstGeom>
+            <a:noFill/>
+          </p:spPr>
+          <p:txBody>
+            <a:bodyPr wrap="none" rtlCol="0">
+              <a:spAutoFit/>
+            </a:bodyPr>
+            <a:lstStyle/>
+            <a:p>
+              <a:r>
+                <a:rPr lang="en-US" sz="1200" i="1" dirty="0"/>
+                <a:t>nigra</a:t>
+              </a:r>
+            </a:p>
+          </p:txBody>
+        </p:sp>
+        <p:cxnSp>
+          <p:nvCxnSpPr>
+            <p:cNvPr id="43" name="Straight Arrow Connector 42">
+              <a:extLst>
+                <a:ext uri="{FF2B5EF4-FFF2-40B4-BE49-F238E27FC236}">
+                  <a16:creationId xmlns:a16="http://schemas.microsoft.com/office/drawing/2014/main" id="{6A1FCEA7-B76A-7DD1-88BC-9A3BB019AE8F}"/>
+                </a:ext>
+              </a:extLst>
+            </p:cNvPr>
+            <p:cNvCxnSpPr>
+              <a:cxnSpLocks/>
+            </p:cNvCxnSpPr>
+            <p:nvPr/>
+          </p:nvCxnSpPr>
+          <p:spPr>
+            <a:xfrm flipH="1">
+              <a:off x="4846275" y="2624236"/>
+              <a:ext cx="115422" cy="124615"/>
+            </a:xfrm>
+            <a:prstGeom prst="straightConnector1">
+              <a:avLst/>
+            </a:prstGeom>
+            <a:ln>
+              <a:solidFill>
+                <a:schemeClr val="tx1"/>
+              </a:solidFill>
+              <a:tailEnd type="triangle"/>
+            </a:ln>
+          </p:spPr>
+          <p:style>
+            <a:lnRef idx="1">
+              <a:schemeClr val="accent1"/>
+            </a:lnRef>
+            <a:fillRef idx="0">
+              <a:schemeClr val="accent1"/>
+            </a:fillRef>
+            <a:effectRef idx="0">
+              <a:schemeClr val="accent1"/>
+            </a:effectRef>
+            <a:fontRef idx="minor">
+              <a:schemeClr val="tx1"/>
+            </a:fontRef>
+          </p:style>
+        </p:cxnSp>
+        <p:cxnSp>
+          <p:nvCxnSpPr>
+            <p:cNvPr id="44" name="Straight Arrow Connector 43">
+              <a:extLst>
+                <a:ext uri="{FF2B5EF4-FFF2-40B4-BE49-F238E27FC236}">
+                  <a16:creationId xmlns:a16="http://schemas.microsoft.com/office/drawing/2014/main" id="{37801F75-D6A0-384B-006B-90D604F89E9D}"/>
+                </a:ext>
+              </a:extLst>
+            </p:cNvPr>
+            <p:cNvCxnSpPr>
+              <a:cxnSpLocks/>
+            </p:cNvCxnSpPr>
+            <p:nvPr/>
+          </p:nvCxnSpPr>
+          <p:spPr>
+            <a:xfrm>
+              <a:off x="5511402" y="2624252"/>
+              <a:ext cx="112656" cy="124599"/>
+            </a:xfrm>
+            <a:prstGeom prst="straightConnector1">
+              <a:avLst/>
+            </a:prstGeom>
+            <a:ln>
+              <a:solidFill>
+                <a:schemeClr val="tx1"/>
+              </a:solidFill>
+              <a:tailEnd type="triangle"/>
+            </a:ln>
+          </p:spPr>
+          <p:style>
+            <a:lnRef idx="1">
+              <a:schemeClr val="accent1"/>
+            </a:lnRef>
+            <a:fillRef idx="0">
+              <a:schemeClr val="accent1"/>
+            </a:fillRef>
+            <a:effectRef idx="0">
+              <a:schemeClr val="accent1"/>
+            </a:effectRef>
+            <a:fontRef idx="minor">
+              <a:schemeClr val="tx1"/>
+            </a:fontRef>
+          </p:style>
+        </p:cxnSp>
+      </p:grpSp>
     </p:spTree>
     <p:extLst>
       <p:ext uri="{BB962C8B-B14F-4D97-AF65-F5344CB8AC3E}">
@@ -7856,6 +11804,66 @@
 </file>
 
 <file path=ppt/slides/slide3.xml><?xml version="1.0" encoding="utf-8"?>
+<p:sld xmlns:a="http://schemas.openxmlformats.org/drawingml/2006/main" xmlns:r="http://schemas.openxmlformats.org/officeDocument/2006/relationships" xmlns:p="http://schemas.openxmlformats.org/presentationml/2006/main">
+  <p:cSld>
+    <p:spTree>
+      <p:nvGrpSpPr>
+        <p:cNvPr id="1" name=""/>
+        <p:cNvGrpSpPr/>
+        <p:nvPr/>
+      </p:nvGrpSpPr>
+      <p:grpSpPr>
+        <a:xfrm>
+          <a:off x="0" y="0"/>
+          <a:ext cx="0" cy="0"/>
+          <a:chOff x="0" y="0"/>
+          <a:chExt cx="0" cy="0"/>
+        </a:xfrm>
+      </p:grpSpPr>
+      <p:pic>
+        <p:nvPicPr>
+          <p:cNvPr id="103" name="Picture 102">
+            <a:extLst>
+              <a:ext uri="{FF2B5EF4-FFF2-40B4-BE49-F238E27FC236}">
+                <a16:creationId xmlns:a16="http://schemas.microsoft.com/office/drawing/2014/main" id="{C6408392-2478-1213-76F4-F516F86358C0}"/>
+              </a:ext>
+            </a:extLst>
+          </p:cNvPr>
+          <p:cNvPicPr>
+            <a:picLocks noChangeAspect="1"/>
+          </p:cNvPicPr>
+          <p:nvPr/>
+        </p:nvPicPr>
+        <p:blipFill>
+          <a:blip r:embed="rId2"/>
+          <a:stretch>
+            <a:fillRect/>
+          </a:stretch>
+        </p:blipFill>
+        <p:spPr>
+          <a:xfrm>
+            <a:off x="2209800" y="982133"/>
+            <a:ext cx="7772400" cy="4893733"/>
+          </a:xfrm>
+          <a:prstGeom prst="rect">
+            <a:avLst/>
+          </a:prstGeom>
+        </p:spPr>
+      </p:pic>
+    </p:spTree>
+    <p:extLst>
+      <p:ext uri="{BB962C8B-B14F-4D97-AF65-F5344CB8AC3E}">
+        <p14:creationId xmlns:p14="http://schemas.microsoft.com/office/powerpoint/2010/main" val="2194295506"/>
+      </p:ext>
+    </p:extLst>
+  </p:cSld>
+  <p:clrMapOvr>
+    <a:masterClrMapping/>
+  </p:clrMapOvr>
+</p:sld>
+</file>
+
+<file path=ppt/slides/slide4.xml><?xml version="1.0" encoding="utf-8"?>
 <p:sld xmlns:a="http://schemas.openxmlformats.org/drawingml/2006/main" xmlns:r="http://schemas.openxmlformats.org/officeDocument/2006/relationships" xmlns:p="http://schemas.openxmlformats.org/presentationml/2006/main">
   <p:cSld>
     <p:spTree>
@@ -7915,7 +11923,7 @@
 </p:sld>
 </file>
 
-<file path=ppt/slides/slide4.xml><?xml version="1.0" encoding="utf-8"?>
+<file path=ppt/slides/slide5.xml><?xml version="1.0" encoding="utf-8"?>
 <p:sld xmlns:a="http://schemas.openxmlformats.org/drawingml/2006/main" xmlns:r="http://schemas.openxmlformats.org/officeDocument/2006/relationships" xmlns:p="http://schemas.openxmlformats.org/presentationml/2006/main">
   <p:cSld>
     <p:spTree>
@@ -9929,7 +13937,7 @@
 </p:sld>
 </file>
 
-<file path=ppt/slides/slide5.xml><?xml version="1.0" encoding="utf-8"?>
+<file path=ppt/slides/slide6.xml><?xml version="1.0" encoding="utf-8"?>
 <p:sld xmlns:a="http://schemas.openxmlformats.org/drawingml/2006/main" xmlns:r="http://schemas.openxmlformats.org/officeDocument/2006/relationships" xmlns:p="http://schemas.openxmlformats.org/presentationml/2006/main">
   <p:cSld>
     <p:spTree>
@@ -9989,7 +13997,7 @@
 </p:sld>
 </file>
 
-<file path=ppt/slides/slide6.xml><?xml version="1.0" encoding="utf-8"?>
+<file path=ppt/slides/slide7.xml><?xml version="1.0" encoding="utf-8"?>
 <p:sld xmlns:a="http://schemas.openxmlformats.org/drawingml/2006/main" xmlns:r="http://schemas.openxmlformats.org/officeDocument/2006/relationships" xmlns:p="http://schemas.openxmlformats.org/presentationml/2006/main">
   <p:cSld>
     <p:spTree>
@@ -23251,7 +27259,7 @@
 </p:sld>
 </file>
 
-<file path=ppt/slides/slide7.xml><?xml version="1.0" encoding="utf-8"?>
+<file path=ppt/slides/slide8.xml><?xml version="1.0" encoding="utf-8"?>
 <p:sld xmlns:a="http://schemas.openxmlformats.org/drawingml/2006/main" xmlns:r="http://schemas.openxmlformats.org/officeDocument/2006/relationships" xmlns:p="http://schemas.openxmlformats.org/presentationml/2006/main">
   <p:cSld>
     <p:spTree>
@@ -23311,7 +27319,7 @@
 </p:sld>
 </file>
 
-<file path=ppt/slides/slide8.xml><?xml version="1.0" encoding="utf-8"?>
+<file path=ppt/slides/slide9.xml><?xml version="1.0" encoding="utf-8"?>
 <p:sld xmlns:a="http://schemas.openxmlformats.org/drawingml/2006/main" xmlns:r="http://schemas.openxmlformats.org/officeDocument/2006/relationships" xmlns:p="http://schemas.openxmlformats.org/presentationml/2006/main">
   <p:cSld>
     <p:spTree>
@@ -23787,10 +27795,10 @@
         </p:nvGrpSpPr>
         <p:grpSpPr>
           <a:xfrm>
-            <a:off x="8546084" y="5340310"/>
-            <a:ext cx="1002890" cy="690570"/>
+            <a:off x="8114799" y="5142759"/>
+            <a:ext cx="930754" cy="659793"/>
             <a:chOff x="8823238" y="5314537"/>
-            <a:chExt cx="1002890" cy="690570"/>
+            <a:chExt cx="930754" cy="659793"/>
           </a:xfrm>
         </p:grpSpPr>
         <p:sp>
@@ -23848,7 +27856,7 @@
             <a:lstStyle/>
             <a:p>
               <a:pPr algn="ctr"/>
-              <a:endParaRPr lang="en-US" sz="1600"/>
+              <a:endParaRPr lang="en-US" sz="1400"/>
             </a:p>
           </p:txBody>
         </p:sp>
@@ -23867,7 +27875,7 @@
           <p:spPr>
             <a:xfrm>
               <a:off x="9047300" y="5314537"/>
-              <a:ext cx="769763" cy="338554"/>
+              <a:ext cx="697627" cy="307777"/>
             </a:xfrm>
             <a:prstGeom prst="rect">
               <a:avLst/>
@@ -23881,7 +27889,7 @@
             <a:lstStyle/>
             <a:p>
               <a:r>
-                <a:rPr lang="en-US" sz="1600" i="1" dirty="0"/>
+                <a:rPr lang="en-US" sz="1400" i="1" dirty="0"/>
                 <a:t>nigra 1</a:t>
               </a:r>
             </a:p>
@@ -23901,8 +27909,8 @@
           </p:nvSpPr>
           <p:spPr>
             <a:xfrm>
-              <a:off x="8832303" y="5743721"/>
-              <a:ext cx="214997" cy="214997"/>
+              <a:off x="8832304" y="5743721"/>
+              <a:ext cx="205932" cy="214997"/>
             </a:xfrm>
             <a:prstGeom prst="roundRect">
               <a:avLst/>
@@ -23942,7 +27950,7 @@
             <a:lstStyle/>
             <a:p>
               <a:pPr algn="ctr"/>
-              <a:endParaRPr lang="en-US" sz="1600"/>
+              <a:endParaRPr lang="en-US" sz="1400"/>
             </a:p>
           </p:txBody>
         </p:sp>
@@ -23961,7 +27969,7 @@
           <p:spPr>
             <a:xfrm>
               <a:off x="9056365" y="5666553"/>
-              <a:ext cx="769763" cy="338554"/>
+              <a:ext cx="697627" cy="307777"/>
             </a:xfrm>
             <a:prstGeom prst="rect">
               <a:avLst/>
@@ -23975,7 +27983,7 @@
             <a:lstStyle/>
             <a:p>
               <a:r>
-                <a:rPr lang="en-US" sz="1600" i="1" dirty="0"/>
+                <a:rPr lang="en-US" sz="1400" i="1" dirty="0"/>
                 <a:t>nigra 2</a:t>
               </a:r>
             </a:p>
@@ -24831,14 +28839,14 @@
           <p:nvPr>
             <p:extLst>
               <p:ext uri="{D42A27DB-BD31-4B8C-83A1-F6EECF244321}">
-                <p14:modId xmlns:p14="http://schemas.microsoft.com/office/powerpoint/2010/main" val="1452662408"/>
+                <p14:modId xmlns:p14="http://schemas.microsoft.com/office/powerpoint/2010/main" val="1674203176"/>
               </p:ext>
             </p:extLst>
           </p:nvPr>
         </p:nvGraphicFramePr>
         <p:xfrm>
-          <a:off x="1000584" y="4598630"/>
-          <a:ext cx="7335984" cy="1483360"/>
+          <a:off x="1461683" y="4583352"/>
+          <a:ext cx="6493244" cy="1219200"/>
         </p:xfrm>
         <a:graphic>
           <a:graphicData uri="http://schemas.openxmlformats.org/drawingml/2006/table">
@@ -24847,42 +28855,42 @@
                 <a:tableStyleId>{073A0DAA-6AF3-43AB-8588-CEC1D06C72B9}</a:tableStyleId>
               </a:tblPr>
               <a:tblGrid>
-                <a:gridCol w="2047009">
+                <a:gridCol w="1615025">
                   <a:extLst>
                     <a:ext uri="{9D8B030D-6E8A-4147-A177-3AD203B41FA5}">
                       <a16:colId xmlns:a16="http://schemas.microsoft.com/office/drawing/2014/main" val="1852298223"/>
                     </a:ext>
                   </a:extLst>
                 </a:gridCol>
-                <a:gridCol w="1111828">
+                <a:gridCol w="881517">
                   <a:extLst>
                     <a:ext uri="{9D8B030D-6E8A-4147-A177-3AD203B41FA5}">
                       <a16:colId xmlns:a16="http://schemas.microsoft.com/office/drawing/2014/main" val="531635582"/>
                     </a:ext>
                   </a:extLst>
                 </a:gridCol>
-                <a:gridCol w="976745">
+                <a:gridCol w="964504">
                   <a:extLst>
                     <a:ext uri="{9D8B030D-6E8A-4147-A177-3AD203B41FA5}">
                       <a16:colId xmlns:a16="http://schemas.microsoft.com/office/drawing/2014/main" val="2815838986"/>
                     </a:ext>
                   </a:extLst>
                 </a:gridCol>
-                <a:gridCol w="755074">
+                <a:gridCol w="1127342">
                   <a:extLst>
                     <a:ext uri="{9D8B030D-6E8A-4147-A177-3AD203B41FA5}">
                       <a16:colId xmlns:a16="http://schemas.microsoft.com/office/drawing/2014/main" val="1698498428"/>
                     </a:ext>
                   </a:extLst>
                 </a:gridCol>
-                <a:gridCol w="1222664">
+                <a:gridCol w="1064713">
                   <a:extLst>
                     <a:ext uri="{9D8B030D-6E8A-4147-A177-3AD203B41FA5}">
                       <a16:colId xmlns:a16="http://schemas.microsoft.com/office/drawing/2014/main" val="264305559"/>
                     </a:ext>
                   </a:extLst>
                 </a:gridCol>
-                <a:gridCol w="1222664">
+                <a:gridCol w="840143">
                   <a:extLst>
                     <a:ext uri="{9D8B030D-6E8A-4147-A177-3AD203B41FA5}">
                       <a16:colId xmlns:a16="http://schemas.microsoft.com/office/drawing/2014/main" val="213125063"/>
@@ -24890,14 +28898,15 @@
                   </a:extLst>
                 </a:gridCol>
               </a:tblGrid>
-              <a:tr h="370840">
+              <a:tr h="277244">
                 <a:tc>
                   <a:txBody>
                     <a:bodyPr/>
                     <a:lstStyle/>
                     <a:p>
+                      <a:pPr algn="ctr"/>
                       <a:r>
-                        <a:rPr lang="en-US" dirty="0">
+                        <a:rPr lang="en-US" sz="1400" dirty="0">
                           <a:solidFill>
                             <a:schemeClr val="tx1"/>
                           </a:solidFill>
@@ -24953,8 +28962,9 @@
                     <a:bodyPr/>
                     <a:lstStyle/>
                     <a:p>
+                      <a:pPr algn="ctr"/>
                       <a:r>
-                        <a:rPr lang="en-US" dirty="0">
+                        <a:rPr lang="en-US" sz="1400" dirty="0">
                           <a:solidFill>
                             <a:schemeClr val="tx1"/>
                           </a:solidFill>
@@ -25010,8 +29020,9 @@
                     <a:bodyPr/>
                     <a:lstStyle/>
                     <a:p>
+                      <a:pPr algn="ctr"/>
                       <a:r>
-                        <a:rPr lang="en-US" dirty="0">
+                        <a:rPr lang="en-US" sz="1400" dirty="0">
                           <a:solidFill>
                             <a:schemeClr val="tx1"/>
                           </a:solidFill>
@@ -25067,8 +29078,9 @@
                     <a:bodyPr/>
                     <a:lstStyle/>
                     <a:p>
+                      <a:pPr algn="ctr"/>
                       <a:r>
-                        <a:rPr lang="en-US" dirty="0">
+                        <a:rPr lang="en-US" sz="1400" dirty="0">
                           <a:solidFill>
                             <a:schemeClr val="tx1"/>
                           </a:solidFill>
@@ -25124,8 +29136,9 @@
                     <a:bodyPr/>
                     <a:lstStyle/>
                     <a:p>
+                      <a:pPr algn="ctr"/>
                       <a:r>
-                        <a:rPr lang="en-US" dirty="0">
+                        <a:rPr lang="en-US" sz="1400" dirty="0">
                           <a:solidFill>
                             <a:schemeClr val="tx1"/>
                           </a:solidFill>
@@ -25181,8 +29194,9 @@
                     <a:bodyPr/>
                     <a:lstStyle/>
                     <a:p>
+                      <a:pPr algn="ctr"/>
                       <a:r>
-                        <a:rPr lang="en-US" dirty="0">
+                        <a:rPr lang="en-US" sz="1400" dirty="0">
                           <a:solidFill>
                             <a:schemeClr val="tx1"/>
                           </a:solidFill>
@@ -25239,14 +29253,15 @@
                   </a:ext>
                 </a:extLst>
               </a:tr>
-              <a:tr h="370840">
+              <a:tr h="277244">
                 <a:tc>
                   <a:txBody>
                     <a:bodyPr/>
                     <a:lstStyle/>
                     <a:p>
+                      <a:pPr algn="ctr"/>
                       <a:r>
-                        <a:rPr lang="en-US" dirty="0"/>
+                        <a:rPr lang="en-US" sz="1400" dirty="0"/>
                         <a:t>Dosage</a:t>
                       </a:r>
                     </a:p>
@@ -25298,8 +29313,9 @@
                     <a:bodyPr/>
                     <a:lstStyle/>
                     <a:p>
+                      <a:pPr algn="ctr"/>
                       <a:r>
-                        <a:rPr lang="en-US" b="0" dirty="0"/>
+                        <a:rPr lang="en-US" sz="1400" b="0" dirty="0"/>
                         <a:t>1</a:t>
                       </a:r>
                     </a:p>
@@ -25351,8 +29367,9 @@
                     <a:bodyPr/>
                     <a:lstStyle/>
                     <a:p>
+                      <a:pPr algn="ctr"/>
                       <a:r>
-                        <a:rPr lang="en-US" b="0" dirty="0"/>
+                        <a:rPr lang="en-US" sz="1400" b="0" dirty="0"/>
                         <a:t>2</a:t>
                       </a:r>
                     </a:p>
@@ -25404,8 +29421,9 @@
                     <a:bodyPr/>
                     <a:lstStyle/>
                     <a:p>
+                      <a:pPr algn="ctr"/>
                       <a:r>
-                        <a:rPr lang="en-US" b="0" dirty="0"/>
+                        <a:rPr lang="en-US" sz="1400" b="0" dirty="0"/>
                         <a:t>1</a:t>
                       </a:r>
                     </a:p>
@@ -25457,8 +29475,9 @@
                     <a:bodyPr/>
                     <a:lstStyle/>
                     <a:p>
+                      <a:pPr algn="ctr"/>
                       <a:r>
-                        <a:rPr lang="en-US" b="0" dirty="0"/>
+                        <a:rPr lang="en-US" sz="1400" b="0" dirty="0"/>
                         <a:t>2</a:t>
                       </a:r>
                     </a:p>
@@ -25510,8 +29529,9 @@
                     <a:bodyPr/>
                     <a:lstStyle/>
                     <a:p>
+                      <a:pPr algn="ctr"/>
                       <a:r>
-                        <a:rPr lang="en-US" b="0" dirty="0"/>
+                        <a:rPr lang="en-US" sz="1400" b="0" dirty="0"/>
                         <a:t>0</a:t>
                       </a:r>
                     </a:p>
@@ -25564,15 +29584,20 @@
                   </a:ext>
                 </a:extLst>
               </a:tr>
-              <a:tr h="370840">
+              <a:tr h="277244">
                 <a:tc>
                   <a:txBody>
                     <a:bodyPr/>
                     <a:lstStyle/>
                     <a:p>
+                      <a:pPr algn="ctr"/>
                       <a:r>
-                        <a:rPr lang="en-US" dirty="0"/>
-                        <a:t>Nigra genotype</a:t>
+                        <a:rPr lang="en-US" sz="1400" i="1" dirty="0"/>
+                        <a:t>P. nigra </a:t>
+                      </a:r>
+                      <a:r>
+                        <a:rPr lang="en-US" sz="1400" dirty="0"/>
+                        <a:t>genotype</a:t>
                       </a:r>
                     </a:p>
                   </a:txBody>
@@ -25623,8 +29648,9 @@
                     <a:bodyPr/>
                     <a:lstStyle/>
                     <a:p>
+                      <a:pPr algn="ctr"/>
                       <a:r>
-                        <a:rPr lang="en-US" b="0" dirty="0"/>
+                        <a:rPr lang="en-US" sz="1400" b="0" dirty="0"/>
                         <a:t>N1</a:t>
                       </a:r>
                     </a:p>
@@ -25676,8 +29702,9 @@
                     <a:bodyPr/>
                     <a:lstStyle/>
                     <a:p>
+                      <a:pPr algn="ctr"/>
                       <a:r>
-                        <a:rPr lang="en-US" b="0" dirty="0"/>
+                        <a:rPr lang="en-US" sz="1400" b="0" dirty="0"/>
                         <a:t>N1</a:t>
                       </a:r>
                     </a:p>
@@ -25729,8 +29756,9 @@
                     <a:bodyPr/>
                     <a:lstStyle/>
                     <a:p>
+                      <a:pPr algn="ctr"/>
                       <a:r>
-                        <a:rPr lang="en-US" b="0" dirty="0"/>
+                        <a:rPr lang="en-US" sz="1400" b="0" dirty="0"/>
                         <a:t>N2</a:t>
                       </a:r>
                     </a:p>
@@ -25782,8 +29810,9 @@
                     <a:bodyPr/>
                     <a:lstStyle/>
                     <a:p>
+                      <a:pPr algn="ctr"/>
                       <a:r>
-                        <a:rPr lang="en-US" b="0" dirty="0"/>
+                        <a:rPr lang="en-US" sz="1400" b="0" dirty="0"/>
                         <a:t>N2</a:t>
                       </a:r>
                     </a:p>
@@ -25835,9 +29864,10 @@
                     <a:bodyPr/>
                     <a:lstStyle/>
                     <a:p>
+                      <a:pPr algn="ctr"/>
                       <a:r>
-                        <a:rPr lang="en-US" b="0" dirty="0"/>
-                        <a:t>NA</a:t>
+                        <a:rPr lang="en-US" sz="1400" b="0" i="1" dirty="0"/>
+                        <a:t>N/A</a:t>
                       </a:r>
                     </a:p>
                   </a:txBody>
@@ -25889,14 +29919,15 @@
                   </a:ext>
                 </a:extLst>
               </a:tr>
-              <a:tr h="370840">
+              <a:tr h="277244">
                 <a:tc>
                   <a:txBody>
                     <a:bodyPr/>
                     <a:lstStyle/>
                     <a:p>
+                      <a:pPr algn="ctr"/>
                       <a:r>
-                        <a:rPr lang="en-US" dirty="0"/>
+                        <a:rPr lang="en-US" sz="1400" dirty="0"/>
                         <a:t>Dosage of N2</a:t>
                       </a:r>
                     </a:p>
@@ -25948,8 +29979,9 @@
                     <a:bodyPr/>
                     <a:lstStyle/>
                     <a:p>
+                      <a:pPr algn="ctr"/>
                       <a:r>
-                        <a:rPr lang="en-US" b="0" dirty="0"/>
+                        <a:rPr lang="en-US" sz="1400" b="0" dirty="0"/>
                         <a:t>0</a:t>
                       </a:r>
                     </a:p>
@@ -26001,8 +30033,9 @@
                     <a:bodyPr/>
                     <a:lstStyle/>
                     <a:p>
+                      <a:pPr algn="ctr"/>
                       <a:r>
-                        <a:rPr lang="en-US" b="0" dirty="0"/>
+                        <a:rPr lang="en-US" sz="1400" b="0" dirty="0"/>
                         <a:t>0</a:t>
                       </a:r>
                     </a:p>
@@ -26054,8 +30087,9 @@
                     <a:bodyPr/>
                     <a:lstStyle/>
                     <a:p>
+                      <a:pPr algn="ctr"/>
                       <a:r>
-                        <a:rPr lang="en-US" b="0" dirty="0"/>
+                        <a:rPr lang="en-US" sz="1400" b="0" dirty="0"/>
                         <a:t>1</a:t>
                       </a:r>
                     </a:p>
@@ -26107,8 +30141,9 @@
                     <a:bodyPr/>
                     <a:lstStyle/>
                     <a:p>
+                      <a:pPr algn="ctr"/>
                       <a:r>
-                        <a:rPr lang="en-US" b="0" dirty="0"/>
+                        <a:rPr lang="en-US" sz="1400" b="0" dirty="0"/>
                         <a:t>2</a:t>
                       </a:r>
                     </a:p>
@@ -26160,8 +30195,9 @@
                     <a:bodyPr/>
                     <a:lstStyle/>
                     <a:p>
+                      <a:pPr algn="ctr"/>
                       <a:r>
-                        <a:rPr lang="en-US" b="0" dirty="0"/>
+                        <a:rPr lang="en-US" sz="1400" b="0" dirty="0"/>
                         <a:t>0</a:t>
                       </a:r>
                     </a:p>
@@ -27151,66 +31187,6 @@
 </p:sld>
 </file>
 
-<file path=ppt/slides/slide9.xml><?xml version="1.0" encoding="utf-8"?>
-<p:sld xmlns:a="http://schemas.openxmlformats.org/drawingml/2006/main" xmlns:r="http://schemas.openxmlformats.org/officeDocument/2006/relationships" xmlns:p="http://schemas.openxmlformats.org/presentationml/2006/main">
-  <p:cSld>
-    <p:spTree>
-      <p:nvGrpSpPr>
-        <p:cNvPr id="1" name=""/>
-        <p:cNvGrpSpPr/>
-        <p:nvPr/>
-      </p:nvGrpSpPr>
-      <p:grpSpPr>
-        <a:xfrm>
-          <a:off x="0" y="0"/>
-          <a:ext cx="0" cy="0"/>
-          <a:chOff x="0" y="0"/>
-          <a:chExt cx="0" cy="0"/>
-        </a:xfrm>
-      </p:grpSpPr>
-      <p:pic>
-        <p:nvPicPr>
-          <p:cNvPr id="4" name="Picture 3">
-            <a:extLst>
-              <a:ext uri="{FF2B5EF4-FFF2-40B4-BE49-F238E27FC236}">
-                <a16:creationId xmlns:a16="http://schemas.microsoft.com/office/drawing/2014/main" id="{9416C771-7FAC-1E7A-D637-8FAF650CE6DF}"/>
-              </a:ext>
-            </a:extLst>
-          </p:cNvPr>
-          <p:cNvPicPr>
-            <a:picLocks noChangeAspect="1"/>
-          </p:cNvPicPr>
-          <p:nvPr/>
-        </p:nvPicPr>
-        <p:blipFill>
-          <a:blip r:embed="rId2"/>
-          <a:stretch>
-            <a:fillRect/>
-          </a:stretch>
-        </p:blipFill>
-        <p:spPr>
-          <a:xfrm>
-            <a:off x="2209800" y="1135222"/>
-            <a:ext cx="7772400" cy="4587555"/>
-          </a:xfrm>
-          <a:prstGeom prst="rect">
-            <a:avLst/>
-          </a:prstGeom>
-        </p:spPr>
-      </p:pic>
-    </p:spTree>
-    <p:extLst>
-      <p:ext uri="{BB962C8B-B14F-4D97-AF65-F5344CB8AC3E}">
-        <p14:creationId xmlns:p14="http://schemas.microsoft.com/office/powerpoint/2010/main" val="193152369"/>
-      </p:ext>
-    </p:extLst>
-  </p:cSld>
-  <p:clrMapOvr>
-    <a:masterClrMapping/>
-  </p:clrMapOvr>
-</p:sld>
-</file>
-
 <file path=ppt/theme/theme1.xml><?xml version="1.0" encoding="utf-8"?>
 <a:theme xmlns:a="http://schemas.openxmlformats.org/drawingml/2006/main" name="Office Theme 2013 - 2022">
   <a:themeElements>
